--- a/2. Spring 5.0/Day 3/Slides/7. Advanced Bean Configuration/advanced-bean-configuration.pptx
+++ b/2. Spring 5.0/Day 3/Slides/7. Advanced Bean Configuration/advanced-bean-configuration.pptx
@@ -4,15 +4,29 @@
   <p:sldMasterIdLst>
     <p:sldMasterId id="2147483648" r:id="rId1"/>
   </p:sldMasterIdLst>
+  <p:notesMasterIdLst>
+    <p:notesMasterId r:id="rId22"/>
+  </p:notesMasterIdLst>
   <p:sldIdLst>
-    <p:sldId id="256" r:id="rId2"/>
-    <p:sldId id="257" r:id="rId3"/>
-    <p:sldId id="258" r:id="rId4"/>
-    <p:sldId id="259" r:id="rId5"/>
-    <p:sldId id="260" r:id="rId6"/>
-    <p:sldId id="261" r:id="rId7"/>
-    <p:sldId id="262" r:id="rId8"/>
-    <p:sldId id="263" r:id="rId9"/>
+    <p:sldId id="256" r:id="rId3"/>
+    <p:sldId id="257" r:id="rId4"/>
+    <p:sldId id="258" r:id="rId5"/>
+    <p:sldId id="259" r:id="rId6"/>
+    <p:sldId id="260" r:id="rId7"/>
+    <p:sldId id="261" r:id="rId8"/>
+    <p:sldId id="262" r:id="rId9"/>
+    <p:sldId id="264" r:id="rId10"/>
+    <p:sldId id="265" r:id="rId11"/>
+    <p:sldId id="266" r:id="rId12"/>
+    <p:sldId id="267" r:id="rId13"/>
+    <p:sldId id="268" r:id="rId14"/>
+    <p:sldId id="269" r:id="rId15"/>
+    <p:sldId id="270" r:id="rId16"/>
+    <p:sldId id="271" r:id="rId17"/>
+    <p:sldId id="272" r:id="rId18"/>
+    <p:sldId id="273" r:id="rId19"/>
+    <p:sldId id="274" r:id="rId20"/>
+    <p:sldId id="263" r:id="rId21"/>
   </p:sldIdLst>
   <p:sldSz cx="16256000" cy="9144000"/>
   <p:notesSz cx="16256000" cy="9144000"/>
@@ -114,8 +128,355 @@
 </p:presentation>
 </file>
 
+<file path=ppt/notesMasters/notesMaster1.xml><?xml version="1.0" encoding="utf-8"?>
+<p:notesMaster xmlns:a="http://schemas.openxmlformats.org/drawingml/2006/main" xmlns:r="http://schemas.openxmlformats.org/officeDocument/2006/relationships" xmlns:p="http://schemas.openxmlformats.org/presentationml/2006/main">
+  <p:cSld>
+    <p:bg>
+      <p:bgRef idx="1001">
+        <a:schemeClr val="bg1"/>
+      </p:bgRef>
+    </p:bg>
+    <p:spTree>
+      <p:nvGrpSpPr>
+        <p:cNvPr id="1" name=""/>
+        <p:cNvGrpSpPr/>
+        <p:nvPr/>
+      </p:nvGrpSpPr>
+      <p:grpSpPr>
+        <a:xfrm>
+          <a:off x="0" y="0"/>
+          <a:ext cx="0" cy="0"/>
+          <a:chOff x="0" y="0"/>
+          <a:chExt cx="0" cy="0"/>
+        </a:xfrm>
+      </p:grpSpPr>
+      <p:sp>
+        <p:nvSpPr>
+          <p:cNvPr id="2" name="Header Placeholder 1"/>
+          <p:cNvSpPr>
+            <a:spLocks noGrp="1"/>
+          </p:cNvSpPr>
+          <p:nvPr>
+            <p:ph type="hdr" sz="quarter"/>
+          </p:nvPr>
+        </p:nvSpPr>
+        <p:spPr>
+          <a:xfrm>
+            <a:off x="0" y="0"/>
+            <a:ext cx="7044267" cy="458788"/>
+          </a:xfrm>
+          <a:prstGeom prst="rect">
+            <a:avLst/>
+          </a:prstGeom>
+        </p:spPr>
+        <p:txBody>
+          <a:bodyPr vert="horz" lIns="91440" tIns="45720" rIns="91440" bIns="45720" rtlCol="0"/>
+          <a:lstStyle>
+            <a:lvl1pPr algn="l">
+              <a:defRPr sz="1200"/>
+            </a:lvl1pPr>
+          </a:lstStyle>
+          <a:p>
+            <a:endParaRPr lang="en-US"/>
+          </a:p>
+        </p:txBody>
+      </p:sp>
+      <p:sp>
+        <p:nvSpPr>
+          <p:cNvPr id="3" name="Date Placeholder 2"/>
+          <p:cNvSpPr>
+            <a:spLocks noGrp="1"/>
+          </p:cNvSpPr>
+          <p:nvPr>
+            <p:ph type="dt" idx="1"/>
+          </p:nvPr>
+        </p:nvSpPr>
+        <p:spPr>
+          <a:xfrm>
+            <a:off x="9207972" y="0"/>
+            <a:ext cx="7044267" cy="458788"/>
+          </a:xfrm>
+          <a:prstGeom prst="rect">
+            <a:avLst/>
+          </a:prstGeom>
+        </p:spPr>
+        <p:txBody>
+          <a:bodyPr vert="horz" lIns="91440" tIns="45720" rIns="91440" bIns="45720" rtlCol="0"/>
+          <a:lstStyle>
+            <a:lvl1pPr algn="r">
+              <a:defRPr sz="1200"/>
+            </a:lvl1pPr>
+          </a:lstStyle>
+          <a:p>
+            <a:fld id="{3EFD42F7-718C-4B98-AAEC-167E6DDD60A7}" type="datetimeFigureOut">
+              <a:rPr lang="en-US" smtClean="0"/>
+            </a:fld>
+            <a:endParaRPr lang="en-US"/>
+          </a:p>
+        </p:txBody>
+      </p:sp>
+      <p:sp>
+        <p:nvSpPr>
+          <p:cNvPr id="4" name="Slide Image Placeholder 3"/>
+          <p:cNvSpPr>
+            <a:spLocks noGrp="1" noRot="1" noChangeAspect="1"/>
+          </p:cNvSpPr>
+          <p:nvPr>
+            <p:ph type="sldImg" idx="2"/>
+          </p:nvPr>
+        </p:nvSpPr>
+        <p:spPr>
+          <a:xfrm>
+            <a:off x="5384800" y="1143000"/>
+            <a:ext cx="5486400" cy="3086100"/>
+          </a:xfrm>
+          <a:prstGeom prst="rect">
+            <a:avLst/>
+          </a:prstGeom>
+          <a:noFill/>
+          <a:ln w="12700">
+            <a:solidFill>
+              <a:prstClr val="black"/>
+            </a:solidFill>
+          </a:ln>
+        </p:spPr>
+        <p:txBody>
+          <a:bodyPr vert="horz" lIns="91440" tIns="45720" rIns="91440" bIns="45720" rtlCol="0" anchor="ctr"/>
+          <a:lstStyle/>
+          <a:p>
+            <a:endParaRPr lang="en-US"/>
+          </a:p>
+        </p:txBody>
+      </p:sp>
+      <p:sp>
+        <p:nvSpPr>
+          <p:cNvPr id="5" name="Notes Placeholder 4"/>
+          <p:cNvSpPr>
+            <a:spLocks noGrp="1"/>
+          </p:cNvSpPr>
+          <p:nvPr>
+            <p:ph type="body" sz="quarter" idx="3"/>
+          </p:nvPr>
+        </p:nvSpPr>
+        <p:spPr>
+          <a:xfrm>
+            <a:off x="1625600" y="4400550"/>
+            <a:ext cx="13004800" cy="3600450"/>
+          </a:xfrm>
+          <a:prstGeom prst="rect">
+            <a:avLst/>
+          </a:prstGeom>
+        </p:spPr>
+        <p:txBody>
+          <a:bodyPr vert="horz" lIns="91440" tIns="45720" rIns="91440" bIns="45720" rtlCol="0"/>
+          <a:lstStyle/>
+          <a:p>
+            <a:pPr lvl="0"/>
+            <a:r>
+              <a:rPr lang="en-US" smtClean="0"/>
+              <a:t>Click to edit Master text styles</a:t>
+            </a:r>
+            <a:endParaRPr lang="en-US" smtClean="0"/>
+          </a:p>
+          <a:p>
+            <a:pPr lvl="1"/>
+            <a:r>
+              <a:rPr lang="en-US" smtClean="0"/>
+              <a:t>Second level</a:t>
+            </a:r>
+            <a:endParaRPr lang="en-US" smtClean="0"/>
+          </a:p>
+          <a:p>
+            <a:pPr lvl="2"/>
+            <a:r>
+              <a:rPr lang="en-US" smtClean="0"/>
+              <a:t>Third level</a:t>
+            </a:r>
+            <a:endParaRPr lang="en-US" smtClean="0"/>
+          </a:p>
+          <a:p>
+            <a:pPr lvl="3"/>
+            <a:r>
+              <a:rPr lang="en-US" smtClean="0"/>
+              <a:t>Fourth level</a:t>
+            </a:r>
+            <a:endParaRPr lang="en-US" smtClean="0"/>
+          </a:p>
+          <a:p>
+            <a:pPr lvl="4"/>
+            <a:r>
+              <a:rPr lang="en-US" smtClean="0"/>
+              <a:t>Fifth level</a:t>
+            </a:r>
+            <a:endParaRPr lang="en-US"/>
+          </a:p>
+        </p:txBody>
+      </p:sp>
+      <p:sp>
+        <p:nvSpPr>
+          <p:cNvPr id="6" name="Footer Placeholder 5"/>
+          <p:cNvSpPr>
+            <a:spLocks noGrp="1"/>
+          </p:cNvSpPr>
+          <p:nvPr>
+            <p:ph type="ftr" sz="quarter" idx="4"/>
+          </p:nvPr>
+        </p:nvSpPr>
+        <p:spPr>
+          <a:xfrm>
+            <a:off x="0" y="8685213"/>
+            <a:ext cx="7044267" cy="458787"/>
+          </a:xfrm>
+          <a:prstGeom prst="rect">
+            <a:avLst/>
+          </a:prstGeom>
+        </p:spPr>
+        <p:txBody>
+          <a:bodyPr vert="horz" lIns="91440" tIns="45720" rIns="91440" bIns="45720" rtlCol="0" anchor="b"/>
+          <a:lstStyle>
+            <a:lvl1pPr algn="l">
+              <a:defRPr sz="1200"/>
+            </a:lvl1pPr>
+          </a:lstStyle>
+          <a:p>
+            <a:endParaRPr lang="en-US"/>
+          </a:p>
+        </p:txBody>
+      </p:sp>
+      <p:sp>
+        <p:nvSpPr>
+          <p:cNvPr id="7" name="Slide Number Placeholder 6"/>
+          <p:cNvSpPr>
+            <a:spLocks noGrp="1"/>
+          </p:cNvSpPr>
+          <p:nvPr>
+            <p:ph type="sldNum" sz="quarter" idx="5"/>
+          </p:nvPr>
+        </p:nvSpPr>
+        <p:spPr>
+          <a:xfrm>
+            <a:off x="9207972" y="8685213"/>
+            <a:ext cx="7044267" cy="458787"/>
+          </a:xfrm>
+          <a:prstGeom prst="rect">
+            <a:avLst/>
+          </a:prstGeom>
+        </p:spPr>
+        <p:txBody>
+          <a:bodyPr vert="horz" lIns="91440" tIns="45720" rIns="91440" bIns="45720" rtlCol="0" anchor="b"/>
+          <a:lstStyle>
+            <a:lvl1pPr algn="r">
+              <a:defRPr sz="1200"/>
+            </a:lvl1pPr>
+          </a:lstStyle>
+          <a:p>
+            <a:fld id="{21B2AA4F-B828-4D7C-AFD3-893933DAFCB4}" type="slidenum">
+              <a:rPr lang="en-US" smtClean="0"/>
+            </a:fld>
+            <a:endParaRPr lang="en-US"/>
+          </a:p>
+        </p:txBody>
+      </p:sp>
+    </p:spTree>
+  </p:cSld>
+  <p:clrMap bg1="lt1" tx1="dk1" bg2="lt2" tx2="dk2" accent1="accent1" accent2="accent2" accent3="accent3" accent4="accent4" accent5="accent5" accent6="accent6" hlink="hlink" folHlink="folHlink"/>
+  <p:notesStyle>
+    <a:lvl1pPr marL="0" algn="l" defTabSz="914400" rtl="0" eaLnBrk="1" latinLnBrk="0" hangingPunct="1">
+      <a:defRPr sz="1200" kern="1200">
+        <a:solidFill>
+          <a:schemeClr val="tx1"/>
+        </a:solidFill>
+        <a:latin typeface="+mn-lt"/>
+        <a:ea typeface="+mn-ea"/>
+        <a:cs typeface="+mn-cs"/>
+      </a:defRPr>
+    </a:lvl1pPr>
+    <a:lvl2pPr marL="457200" algn="l" defTabSz="914400" rtl="0" eaLnBrk="1" latinLnBrk="0" hangingPunct="1">
+      <a:defRPr sz="1200" kern="1200">
+        <a:solidFill>
+          <a:schemeClr val="tx1"/>
+        </a:solidFill>
+        <a:latin typeface="+mn-lt"/>
+        <a:ea typeface="+mn-ea"/>
+        <a:cs typeface="+mn-cs"/>
+      </a:defRPr>
+    </a:lvl2pPr>
+    <a:lvl3pPr marL="914400" algn="l" defTabSz="914400" rtl="0" eaLnBrk="1" latinLnBrk="0" hangingPunct="1">
+      <a:defRPr sz="1200" kern="1200">
+        <a:solidFill>
+          <a:schemeClr val="tx1"/>
+        </a:solidFill>
+        <a:latin typeface="+mn-lt"/>
+        <a:ea typeface="+mn-ea"/>
+        <a:cs typeface="+mn-cs"/>
+      </a:defRPr>
+    </a:lvl3pPr>
+    <a:lvl4pPr marL="1371600" algn="l" defTabSz="914400" rtl="0" eaLnBrk="1" latinLnBrk="0" hangingPunct="1">
+      <a:defRPr sz="1200" kern="1200">
+        <a:solidFill>
+          <a:schemeClr val="tx1"/>
+        </a:solidFill>
+        <a:latin typeface="+mn-lt"/>
+        <a:ea typeface="+mn-ea"/>
+        <a:cs typeface="+mn-cs"/>
+      </a:defRPr>
+    </a:lvl4pPr>
+    <a:lvl5pPr marL="1828800" algn="l" defTabSz="914400" rtl="0" eaLnBrk="1" latinLnBrk="0" hangingPunct="1">
+      <a:defRPr sz="1200" kern="1200">
+        <a:solidFill>
+          <a:schemeClr val="tx1"/>
+        </a:solidFill>
+        <a:latin typeface="+mn-lt"/>
+        <a:ea typeface="+mn-ea"/>
+        <a:cs typeface="+mn-cs"/>
+      </a:defRPr>
+    </a:lvl5pPr>
+    <a:lvl6pPr marL="2286000" algn="l" defTabSz="914400" rtl="0" eaLnBrk="1" latinLnBrk="0" hangingPunct="1">
+      <a:defRPr sz="1200" kern="1200">
+        <a:solidFill>
+          <a:schemeClr val="tx1"/>
+        </a:solidFill>
+        <a:latin typeface="+mn-lt"/>
+        <a:ea typeface="+mn-ea"/>
+        <a:cs typeface="+mn-cs"/>
+      </a:defRPr>
+    </a:lvl6pPr>
+    <a:lvl7pPr marL="2743200" algn="l" defTabSz="914400" rtl="0" eaLnBrk="1" latinLnBrk="0" hangingPunct="1">
+      <a:defRPr sz="1200" kern="1200">
+        <a:solidFill>
+          <a:schemeClr val="tx1"/>
+        </a:solidFill>
+        <a:latin typeface="+mn-lt"/>
+        <a:ea typeface="+mn-ea"/>
+        <a:cs typeface="+mn-cs"/>
+      </a:defRPr>
+    </a:lvl7pPr>
+    <a:lvl8pPr marL="3200400" algn="l" defTabSz="914400" rtl="0" eaLnBrk="1" latinLnBrk="0" hangingPunct="1">
+      <a:defRPr sz="1200" kern="1200">
+        <a:solidFill>
+          <a:schemeClr val="tx1"/>
+        </a:solidFill>
+        <a:latin typeface="+mn-lt"/>
+        <a:ea typeface="+mn-ea"/>
+        <a:cs typeface="+mn-cs"/>
+      </a:defRPr>
+    </a:lvl8pPr>
+    <a:lvl9pPr marL="3657600" algn="l" defTabSz="914400" rtl="0" eaLnBrk="1" latinLnBrk="0" hangingPunct="1">
+      <a:defRPr sz="1200" kern="1200">
+        <a:solidFill>
+          <a:schemeClr val="tx1"/>
+        </a:solidFill>
+        <a:latin typeface="+mn-lt"/>
+        <a:ea typeface="+mn-ea"/>
+        <a:cs typeface="+mn-cs"/>
+      </a:defRPr>
+    </a:lvl9pPr>
+  </p:notesStyle>
+</p:notesMaster>
+</file>
+
 <file path=ppt/slideLayouts/slideLayout1.xml><?xml version="1.0" encoding="utf-8"?>
-<p:sldLayout xmlns:a="http://schemas.openxmlformats.org/drawingml/2006/main" xmlns:r="http://schemas.openxmlformats.org/officeDocument/2006/relationships" xmlns:p="http://schemas.openxmlformats.org/presentationml/2006/main" showMasterSp="0" type="obj" preserve="1">
+<p:sldLayout xmlns:a="http://schemas.openxmlformats.org/drawingml/2006/main" xmlns:r="http://schemas.openxmlformats.org/officeDocument/2006/relationships" xmlns:p="http://schemas.openxmlformats.org/presentationml/2006/main" type="obj" preserve="1" showMasterSp="0">
   <p:cSld name="Title Slide">
     <p:bg>
       <p:bgPr>
@@ -193,9 +554,7 @@
               </a:defRPr>
             </a:lvl1pPr>
           </a:lstStyle>
-          <a:p>
-            <a:endParaRPr/>
-          </a:p>
+          <a:p/>
         </p:txBody>
       </p:sp>
       <p:sp>
@@ -226,9 +585,7 @@
               <a:defRPr/>
             </a:lvl1pPr>
           </a:lstStyle>
-          <a:p>
-            <a:endParaRPr/>
-          </a:p>
+          <a:p/>
         </p:txBody>
       </p:sp>
       <p:sp>
@@ -255,9 +612,7 @@
               </a:defRPr>
             </a:lvl1pPr>
           </a:lstStyle>
-          <a:p>
-            <a:endParaRPr/>
-          </a:p>
+          <a:p/>
         </p:txBody>
       </p:sp>
       <p:sp>
@@ -287,8 +642,6 @@
           <a:p>
             <a:fld id="{1D8BD707-D9CF-40AE-B4C6-C98DA3205C09}" type="datetimeFigureOut">
               <a:rPr lang="en-US"/>
-              <a:pPr/>
-              <a:t>5/19/2021</a:t>
             </a:fld>
             <a:endParaRPr lang="en-US"/>
           </a:p>
@@ -321,8 +674,6 @@
           <a:p>
             <a:fld id="{B6F15528-21DE-4FAA-801E-634DDDAF4B2B}" type="slidenum">
               <a:rPr/>
-              <a:pPr/>
-              <a:t>‹#›</a:t>
             </a:fld>
             <a:endParaRPr/>
           </a:p>
@@ -333,6 +684,7 @@
   <p:clrMapOvr>
     <a:masterClrMapping/>
   </p:clrMapOvr>
+  <p:hf hdr="0" ftr="0" dt="0"/>
 </p:sldLayout>
 </file>
 
@@ -372,14 +724,12 @@
                 <a:solidFill>
                   <a:srgbClr val="404040"/>
                 </a:solidFill>
-                <a:latin typeface="Verdana"/>
-                <a:cs typeface="Verdana"/>
+                <a:latin typeface="Verdana" panose="020B0604030504040204"/>
+                <a:cs typeface="Verdana" panose="020B0604030504040204"/>
               </a:defRPr>
             </a:lvl1pPr>
           </a:lstStyle>
-          <a:p>
-            <a:endParaRPr/>
-          </a:p>
+          <a:p/>
         </p:txBody>
       </p:sp>
       <p:sp>
@@ -401,14 +751,12 @@
                 <a:solidFill>
                   <a:srgbClr val="9BC850"/>
                 </a:solidFill>
-                <a:latin typeface="Courier New"/>
-                <a:cs typeface="Courier New"/>
+                <a:latin typeface="Courier New" panose="02070309020205020404"/>
+                <a:cs typeface="Courier New" panose="02070309020205020404"/>
               </a:defRPr>
             </a:lvl1pPr>
           </a:lstStyle>
-          <a:p>
-            <a:endParaRPr/>
-          </a:p>
+          <a:p/>
         </p:txBody>
       </p:sp>
       <p:sp>
@@ -435,9 +783,7 @@
               </a:defRPr>
             </a:lvl1pPr>
           </a:lstStyle>
-          <a:p>
-            <a:endParaRPr/>
-          </a:p>
+          <a:p/>
         </p:txBody>
       </p:sp>
       <p:sp>
@@ -467,8 +813,6 @@
           <a:p>
             <a:fld id="{1D8BD707-D9CF-40AE-B4C6-C98DA3205C09}" type="datetimeFigureOut">
               <a:rPr lang="en-US"/>
-              <a:pPr/>
-              <a:t>5/19/2021</a:t>
             </a:fld>
             <a:endParaRPr lang="en-US"/>
           </a:p>
@@ -501,8 +845,6 @@
           <a:p>
             <a:fld id="{B6F15528-21DE-4FAA-801E-634DDDAF4B2B}" type="slidenum">
               <a:rPr/>
-              <a:pPr/>
-              <a:t>‹#›</a:t>
             </a:fld>
             <a:endParaRPr/>
           </a:p>
@@ -513,6 +855,7 @@
   <p:clrMapOvr>
     <a:masterClrMapping/>
   </p:clrMapOvr>
+  <p:hf hdr="0" ftr="0" dt="0"/>
 </p:sldLayout>
 </file>
 
@@ -552,14 +895,12 @@
                 <a:solidFill>
                   <a:srgbClr val="404040"/>
                 </a:solidFill>
-                <a:latin typeface="Verdana"/>
-                <a:cs typeface="Verdana"/>
+                <a:latin typeface="Verdana" panose="020B0604030504040204"/>
+                <a:cs typeface="Verdana" panose="020B0604030504040204"/>
               </a:defRPr>
             </a:lvl1pPr>
           </a:lstStyle>
-          <a:p>
-            <a:endParaRPr/>
-          </a:p>
+          <a:p/>
         </p:txBody>
       </p:sp>
       <p:sp>
@@ -590,9 +931,7 @@
               <a:defRPr/>
             </a:lvl1pPr>
           </a:lstStyle>
-          <a:p>
-            <a:endParaRPr/>
-          </a:p>
+          <a:p/>
         </p:txBody>
       </p:sp>
       <p:sp>
@@ -623,9 +962,7 @@
               <a:defRPr/>
             </a:lvl1pPr>
           </a:lstStyle>
-          <a:p>
-            <a:endParaRPr/>
-          </a:p>
+          <a:p/>
         </p:txBody>
       </p:sp>
       <p:sp>
@@ -652,9 +989,7 @@
               </a:defRPr>
             </a:lvl1pPr>
           </a:lstStyle>
-          <a:p>
-            <a:endParaRPr/>
-          </a:p>
+          <a:p/>
         </p:txBody>
       </p:sp>
       <p:sp>
@@ -684,8 +1019,6 @@
           <a:p>
             <a:fld id="{1D8BD707-D9CF-40AE-B4C6-C98DA3205C09}" type="datetimeFigureOut">
               <a:rPr lang="en-US"/>
-              <a:pPr/>
-              <a:t>5/19/2021</a:t>
             </a:fld>
             <a:endParaRPr lang="en-US"/>
           </a:p>
@@ -718,8 +1051,6 @@
           <a:p>
             <a:fld id="{B6F15528-21DE-4FAA-801E-634DDDAF4B2B}" type="slidenum">
               <a:rPr/>
-              <a:pPr/>
-              <a:t>‹#›</a:t>
             </a:fld>
             <a:endParaRPr/>
           </a:p>
@@ -730,6 +1061,7 @@
   <p:clrMapOvr>
     <a:masterClrMapping/>
   </p:clrMapOvr>
+  <p:hf hdr="0" ftr="0" dt="0"/>
 </p:sldLayout>
 </file>
 
@@ -769,14 +1101,12 @@
                 <a:solidFill>
                   <a:srgbClr val="404040"/>
                 </a:solidFill>
-                <a:latin typeface="Verdana"/>
-                <a:cs typeface="Verdana"/>
+                <a:latin typeface="Verdana" panose="020B0604030504040204"/>
+                <a:cs typeface="Verdana" panose="020B0604030504040204"/>
               </a:defRPr>
             </a:lvl1pPr>
           </a:lstStyle>
-          <a:p>
-            <a:endParaRPr/>
-          </a:p>
+          <a:p/>
         </p:txBody>
       </p:sp>
       <p:sp>
@@ -803,9 +1133,7 @@
               </a:defRPr>
             </a:lvl1pPr>
           </a:lstStyle>
-          <a:p>
-            <a:endParaRPr/>
-          </a:p>
+          <a:p/>
         </p:txBody>
       </p:sp>
       <p:sp>
@@ -835,8 +1163,6 @@
           <a:p>
             <a:fld id="{1D8BD707-D9CF-40AE-B4C6-C98DA3205C09}" type="datetimeFigureOut">
               <a:rPr lang="en-US"/>
-              <a:pPr/>
-              <a:t>5/19/2021</a:t>
             </a:fld>
             <a:endParaRPr lang="en-US"/>
           </a:p>
@@ -869,8 +1195,6 @@
           <a:p>
             <a:fld id="{B6F15528-21DE-4FAA-801E-634DDDAF4B2B}" type="slidenum">
               <a:rPr/>
-              <a:pPr/>
-              <a:t>‹#›</a:t>
             </a:fld>
             <a:endParaRPr/>
           </a:p>
@@ -881,6 +1205,7 @@
   <p:clrMapOvr>
     <a:masterClrMapping/>
   </p:clrMapOvr>
+  <p:hf hdr="0" ftr="0" dt="0"/>
 </p:sldLayout>
 </file>
 
@@ -925,9 +1250,7 @@
               </a:defRPr>
             </a:lvl1pPr>
           </a:lstStyle>
-          <a:p>
-            <a:endParaRPr/>
-          </a:p>
+          <a:p/>
         </p:txBody>
       </p:sp>
       <p:sp>
@@ -957,8 +1280,6 @@
           <a:p>
             <a:fld id="{1D8BD707-D9CF-40AE-B4C6-C98DA3205C09}" type="datetimeFigureOut">
               <a:rPr lang="en-US"/>
-              <a:pPr/>
-              <a:t>5/19/2021</a:t>
             </a:fld>
             <a:endParaRPr lang="en-US"/>
           </a:p>
@@ -991,8 +1312,6 @@
           <a:p>
             <a:fld id="{B6F15528-21DE-4FAA-801E-634DDDAF4B2B}" type="slidenum">
               <a:rPr/>
-              <a:pPr/>
-              <a:t>‹#›</a:t>
             </a:fld>
             <a:endParaRPr/>
           </a:p>
@@ -1003,6 +1322,7 @@
   <p:clrMapOvr>
     <a:masterClrMapping/>
   </p:clrMapOvr>
+  <p:hf hdr="0" ftr="0" dt="0"/>
 </p:sldLayout>
 </file>
 
@@ -1060,14 +1380,12 @@
                 <a:solidFill>
                   <a:srgbClr val="404040"/>
                 </a:solidFill>
-                <a:latin typeface="Verdana"/>
-                <a:cs typeface="Verdana"/>
+                <a:latin typeface="Verdana" panose="020B0604030504040204"/>
+                <a:cs typeface="Verdana" panose="020B0604030504040204"/>
               </a:defRPr>
             </a:lvl1pPr>
           </a:lstStyle>
-          <a:p>
-            <a:endParaRPr/>
-          </a:p>
+          <a:p/>
         </p:txBody>
       </p:sp>
       <p:sp>
@@ -1099,14 +1417,12 @@
                 <a:solidFill>
                   <a:srgbClr val="9BC850"/>
                 </a:solidFill>
-                <a:latin typeface="Courier New"/>
-                <a:cs typeface="Courier New"/>
+                <a:latin typeface="Courier New" panose="02070309020205020404"/>
+                <a:cs typeface="Courier New" panose="02070309020205020404"/>
               </a:defRPr>
             </a:lvl1pPr>
           </a:lstStyle>
-          <a:p>
-            <a:endParaRPr/>
-          </a:p>
+          <a:p/>
         </p:txBody>
       </p:sp>
       <p:sp>
@@ -1143,9 +1459,7 @@
               </a:defRPr>
             </a:lvl1pPr>
           </a:lstStyle>
-          <a:p>
-            <a:endParaRPr/>
-          </a:p>
+          <a:p/>
         </p:txBody>
       </p:sp>
       <p:sp>
@@ -1185,8 +1499,6 @@
           <a:p>
             <a:fld id="{1D8BD707-D9CF-40AE-B4C6-C98DA3205C09}" type="datetimeFigureOut">
               <a:rPr lang="en-US"/>
-              <a:pPr/>
-              <a:t>5/19/2021</a:t>
             </a:fld>
             <a:endParaRPr lang="en-US"/>
           </a:p>
@@ -1229,8 +1541,6 @@
           <a:p>
             <a:fld id="{B6F15528-21DE-4FAA-801E-634DDDAF4B2B}" type="slidenum">
               <a:rPr/>
-              <a:pPr/>
-              <a:t>‹#›</a:t>
             </a:fld>
             <a:endParaRPr/>
           </a:p>
@@ -1240,12 +1550,13 @@
   </p:cSld>
   <p:clrMap bg1="lt1" tx1="dk1" bg2="lt2" tx2="dk2" accent1="accent1" accent2="accent2" accent3="accent3" accent4="accent4" accent5="accent5" accent6="accent6" hlink="hlink" folHlink="folHlink"/>
   <p:sldLayoutIdLst>
-    <p:sldLayoutId id="2147483661" r:id="rId1"/>
-    <p:sldLayoutId id="2147483662" r:id="rId2"/>
-    <p:sldLayoutId id="2147483663" r:id="rId3"/>
-    <p:sldLayoutId id="2147483664" r:id="rId4"/>
-    <p:sldLayoutId id="2147483665" r:id="rId5"/>
+    <p:sldLayoutId id="2147483649" r:id="rId1"/>
+    <p:sldLayoutId id="2147483650" r:id="rId2"/>
+    <p:sldLayoutId id="2147483651" r:id="rId3"/>
+    <p:sldLayoutId id="2147483652" r:id="rId4"/>
+    <p:sldLayoutId id="2147483653" r:id="rId5"/>
   </p:sldLayoutIdLst>
+  <p:hf hdr="0" ftr="0" dt="0"/>
   <p:txStyles>
     <p:titleStyle>
       <a:lvl1pPr>
@@ -1414,7 +1725,7 @@
           <p:nvPr/>
         </p:nvPicPr>
         <p:blipFill>
-          <a:blip r:embed="rId2" cstate="print"/>
+          <a:blip r:embed="rId1" cstate="print"/>
           <a:stretch>
             <a:fillRect/>
           </a:stretch>
@@ -1679,6 +1990,1467 @@
               <a:t>n</a:t>
             </a:r>
             <a:endParaRPr sz="6000"/>
+          </a:p>
+        </p:txBody>
+      </p:sp>
+      <p:sp>
+        <p:nvSpPr>
+          <p:cNvPr id="3" name="Slide Number Placeholder 2"/>
+          <p:cNvSpPr>
+            <a:spLocks noGrp="1"/>
+          </p:cNvSpPr>
+          <p:nvPr>
+            <p:ph type="sldNum" sz="quarter" idx="7"/>
+          </p:nvPr>
+        </p:nvSpPr>
+        <p:spPr/>
+        <p:txBody>
+          <a:bodyPr/>
+          <a:p>
+            <a:fld id="{B6F15528-21DE-4FAA-801E-634DDDAF4B2B}" type="slidenum">
+              <a:rPr/>
+            </a:fld>
+            <a:endParaRPr/>
+          </a:p>
+        </p:txBody>
+      </p:sp>
+    </p:spTree>
+  </p:cSld>
+  <p:clrMapOvr>
+    <a:masterClrMapping/>
+  </p:clrMapOvr>
+  <p:timing>
+    <p:tnLst>
+      <p:par>
+        <p:cTn id="1" dur="indefinite" restart="never" nodeType="tmRoot"/>
+      </p:par>
+    </p:tnLst>
+  </p:timing>
+</p:sld>
+</file>
+
+<file path=ppt/slides/slide10.xml><?xml version="1.0" encoding="utf-8"?>
+<p:sld xmlns:a="http://schemas.openxmlformats.org/drawingml/2006/main" xmlns:r="http://schemas.openxmlformats.org/officeDocument/2006/relationships" xmlns:p="http://schemas.openxmlformats.org/presentationml/2006/main">
+  <p:cSld>
+    <p:spTree>
+      <p:nvGrpSpPr>
+        <p:cNvPr id="1" name=""/>
+        <p:cNvGrpSpPr/>
+        <p:nvPr/>
+      </p:nvGrpSpPr>
+      <p:grpSpPr/>
+      <p:sp>
+        <p:nvSpPr>
+          <p:cNvPr id="7" name="Title 6"/>
+          <p:cNvSpPr>
+            <a:spLocks noGrp="1"/>
+          </p:cNvSpPr>
+          <p:nvPr>
+            <p:ph type="title"/>
+          </p:nvPr>
+        </p:nvSpPr>
+        <p:spPr/>
+        <p:txBody>
+          <a:bodyPr/>
+          <a:p>
+            <a:endParaRPr lang="en-US"/>
+          </a:p>
+        </p:txBody>
+      </p:sp>
+      <p:sp>
+        <p:nvSpPr>
+          <p:cNvPr id="4" name="Slide Number Placeholder 3"/>
+          <p:cNvSpPr>
+            <a:spLocks noGrp="1"/>
+          </p:cNvSpPr>
+          <p:nvPr>
+            <p:ph type="sldNum" sz="quarter" idx="7"/>
+          </p:nvPr>
+        </p:nvSpPr>
+        <p:spPr/>
+        <p:txBody>
+          <a:bodyPr/>
+          <a:p>
+            <a:fld id="{B6F15528-21DE-4FAA-801E-634DDDAF4B2B}" type="slidenum">
+              <a:rPr/>
+            </a:fld>
+            <a:endParaRPr/>
+          </a:p>
+        </p:txBody>
+      </p:sp>
+      <p:sp>
+        <p:nvSpPr>
+          <p:cNvPr id="8" name="Content Placeholder 7"/>
+          <p:cNvSpPr>
+            <a:spLocks noGrp="1"/>
+          </p:cNvSpPr>
+          <p:nvPr>
+            <p:ph sz="half" idx="3"/>
+          </p:nvPr>
+        </p:nvSpPr>
+        <p:spPr/>
+        <p:txBody>
+          <a:bodyPr/>
+          <a:p>
+            <a:endParaRPr lang="en-US"/>
+          </a:p>
+        </p:txBody>
+      </p:sp>
+      <p:graphicFrame>
+        <p:nvGraphicFramePr>
+          <p:cNvPr id="5" name="Content Placeholder 4"/>
+          <p:cNvGraphicFramePr/>
+          <p:nvPr>
+            <p:ph sz="half" idx="2"/>
+          </p:nvPr>
+        </p:nvGraphicFramePr>
+        <p:xfrm>
+          <a:off x="660400" y="1143000"/>
+          <a:ext cx="14865985" cy="6442075"/>
+        </p:xfrm>
+        <a:graphic>
+          <a:graphicData uri="http://schemas.openxmlformats.org/presentationml/2006/ole">
+            <mc:AlternateContent xmlns:mc="http://schemas.openxmlformats.org/markup-compatibility/2006">
+              <mc:Choice xmlns:v="urn:schemas-microsoft-com:vml" Requires="v">
+                <p:oleObj spid="_x0000_s6" name="" r:id="rId1" imgW="8963025" imgH="4362450" progId="Paint.Picture">
+                  <p:embed/>
+                </p:oleObj>
+              </mc:Choice>
+              <mc:Fallback>
+                <p:oleObj name="" r:id="rId1" imgW="8963025" imgH="4362450" progId="Paint.Picture">
+                  <p:embed/>
+                  <p:pic>
+                    <p:nvPicPr>
+                      <p:cNvPr id="0" name="Picture 5"/>
+                      <p:cNvPicPr/>
+                      <p:nvPr/>
+                    </p:nvPicPr>
+                    <p:blipFill>
+                      <a:blip r:embed="rId2"/>
+                      <a:stretch>
+                        <a:fillRect/>
+                      </a:stretch>
+                    </p:blipFill>
+                    <p:spPr>
+                      <a:xfrm>
+                        <a:off x="660400" y="1143000"/>
+                        <a:ext cx="14865985" cy="6442075"/>
+                      </a:xfrm>
+                      <a:prstGeom prst="rect">
+                        <a:avLst/>
+                      </a:prstGeom>
+                    </p:spPr>
+                  </p:pic>
+                </p:oleObj>
+              </mc:Fallback>
+            </mc:AlternateContent>
+          </a:graphicData>
+        </a:graphic>
+      </p:graphicFrame>
+    </p:spTree>
+  </p:cSld>
+  <p:clrMapOvr>
+    <a:masterClrMapping/>
+  </p:clrMapOvr>
+</p:sld>
+</file>
+
+<file path=ppt/slides/slide11.xml><?xml version="1.0" encoding="utf-8"?>
+<p:sld xmlns:a="http://schemas.openxmlformats.org/drawingml/2006/main" xmlns:r="http://schemas.openxmlformats.org/officeDocument/2006/relationships" xmlns:p="http://schemas.openxmlformats.org/presentationml/2006/main">
+  <p:cSld>
+    <p:spTree>
+      <p:nvGrpSpPr>
+        <p:cNvPr id="1" name=""/>
+        <p:cNvGrpSpPr/>
+        <p:nvPr/>
+      </p:nvGrpSpPr>
+      <p:grpSpPr/>
+      <p:sp>
+        <p:nvSpPr>
+          <p:cNvPr id="7" name="Title 6"/>
+          <p:cNvSpPr>
+            <a:spLocks noGrp="1"/>
+          </p:cNvSpPr>
+          <p:nvPr>
+            <p:ph type="title"/>
+          </p:nvPr>
+        </p:nvSpPr>
+        <p:spPr/>
+        <p:txBody>
+          <a:bodyPr/>
+          <a:p>
+            <a:endParaRPr lang="en-US"/>
+          </a:p>
+        </p:txBody>
+      </p:sp>
+      <p:sp>
+        <p:nvSpPr>
+          <p:cNvPr id="4" name="Slide Number Placeholder 3"/>
+          <p:cNvSpPr>
+            <a:spLocks noGrp="1"/>
+          </p:cNvSpPr>
+          <p:nvPr>
+            <p:ph type="sldNum" sz="quarter" idx="7"/>
+          </p:nvPr>
+        </p:nvSpPr>
+        <p:spPr/>
+        <p:txBody>
+          <a:bodyPr/>
+          <a:p>
+            <a:fld id="{B6F15528-21DE-4FAA-801E-634DDDAF4B2B}" type="slidenum">
+              <a:rPr/>
+            </a:fld>
+            <a:endParaRPr/>
+          </a:p>
+        </p:txBody>
+      </p:sp>
+      <p:sp>
+        <p:nvSpPr>
+          <p:cNvPr id="8" name="Content Placeholder 7"/>
+          <p:cNvSpPr>
+            <a:spLocks noGrp="1"/>
+          </p:cNvSpPr>
+          <p:nvPr>
+            <p:ph sz="half" idx="3"/>
+          </p:nvPr>
+        </p:nvSpPr>
+        <p:spPr/>
+        <p:txBody>
+          <a:bodyPr/>
+          <a:p>
+            <a:endParaRPr lang="en-US"/>
+          </a:p>
+        </p:txBody>
+      </p:sp>
+      <p:graphicFrame>
+        <p:nvGraphicFramePr>
+          <p:cNvPr id="5" name="Content Placeholder 4"/>
+          <p:cNvGraphicFramePr/>
+          <p:nvPr>
+            <p:ph sz="half" idx="2"/>
+          </p:nvPr>
+        </p:nvGraphicFramePr>
+        <p:xfrm>
+          <a:off x="1117600" y="891540"/>
+          <a:ext cx="13396595" cy="7360920"/>
+        </p:xfrm>
+        <a:graphic>
+          <a:graphicData uri="http://schemas.openxmlformats.org/presentationml/2006/ole">
+            <mc:AlternateContent xmlns:mc="http://schemas.openxmlformats.org/markup-compatibility/2006">
+              <mc:Choice xmlns:v="urn:schemas-microsoft-com:vml" Requires="v">
+                <p:oleObj spid="_x0000_s6" name="" r:id="rId1" imgW="8934450" imgH="6286500" progId="Paint.Picture">
+                  <p:embed/>
+                </p:oleObj>
+              </mc:Choice>
+              <mc:Fallback>
+                <p:oleObj name="" r:id="rId1" imgW="8934450" imgH="6286500" progId="Paint.Picture">
+                  <p:embed/>
+                  <p:pic>
+                    <p:nvPicPr>
+                      <p:cNvPr id="0" name="Picture 5"/>
+                      <p:cNvPicPr/>
+                      <p:nvPr/>
+                    </p:nvPicPr>
+                    <p:blipFill>
+                      <a:blip r:embed="rId2"/>
+                      <a:stretch>
+                        <a:fillRect/>
+                      </a:stretch>
+                    </p:blipFill>
+                    <p:spPr>
+                      <a:xfrm>
+                        <a:off x="1117600" y="891540"/>
+                        <a:ext cx="13396595" cy="7360920"/>
+                      </a:xfrm>
+                      <a:prstGeom prst="rect">
+                        <a:avLst/>
+                      </a:prstGeom>
+                    </p:spPr>
+                  </p:pic>
+                </p:oleObj>
+              </mc:Fallback>
+            </mc:AlternateContent>
+          </a:graphicData>
+        </a:graphic>
+      </p:graphicFrame>
+    </p:spTree>
+  </p:cSld>
+  <p:clrMapOvr>
+    <a:masterClrMapping/>
+  </p:clrMapOvr>
+</p:sld>
+</file>
+
+<file path=ppt/slides/slide12.xml><?xml version="1.0" encoding="utf-8"?>
+<p:sld xmlns:a="http://schemas.openxmlformats.org/drawingml/2006/main" xmlns:r="http://schemas.openxmlformats.org/officeDocument/2006/relationships" xmlns:p="http://schemas.openxmlformats.org/presentationml/2006/main">
+  <p:cSld>
+    <p:spTree>
+      <p:nvGrpSpPr>
+        <p:cNvPr id="1" name=""/>
+        <p:cNvGrpSpPr/>
+        <p:nvPr/>
+      </p:nvGrpSpPr>
+      <p:grpSpPr/>
+      <p:sp>
+        <p:nvSpPr>
+          <p:cNvPr id="7" name="Title 6"/>
+          <p:cNvSpPr>
+            <a:spLocks noGrp="1"/>
+          </p:cNvSpPr>
+          <p:nvPr>
+            <p:ph type="title"/>
+          </p:nvPr>
+        </p:nvSpPr>
+        <p:spPr/>
+        <p:txBody>
+          <a:bodyPr/>
+          <a:p>
+            <a:endParaRPr lang="en-US"/>
+          </a:p>
+        </p:txBody>
+      </p:sp>
+      <p:sp>
+        <p:nvSpPr>
+          <p:cNvPr id="4" name="Slide Number Placeholder 3"/>
+          <p:cNvSpPr>
+            <a:spLocks noGrp="1"/>
+          </p:cNvSpPr>
+          <p:nvPr>
+            <p:ph type="sldNum" sz="quarter" idx="7"/>
+          </p:nvPr>
+        </p:nvSpPr>
+        <p:spPr/>
+        <p:txBody>
+          <a:bodyPr/>
+          <a:p>
+            <a:fld id="{B6F15528-21DE-4FAA-801E-634DDDAF4B2B}" type="slidenum">
+              <a:rPr/>
+            </a:fld>
+            <a:endParaRPr/>
+          </a:p>
+        </p:txBody>
+      </p:sp>
+      <p:sp>
+        <p:nvSpPr>
+          <p:cNvPr id="8" name="Content Placeholder 7"/>
+          <p:cNvSpPr>
+            <a:spLocks noGrp="1"/>
+          </p:cNvSpPr>
+          <p:nvPr>
+            <p:ph sz="half" idx="3"/>
+          </p:nvPr>
+        </p:nvSpPr>
+        <p:spPr/>
+        <p:txBody>
+          <a:bodyPr/>
+          <a:p>
+            <a:endParaRPr lang="en-US"/>
+          </a:p>
+        </p:txBody>
+      </p:sp>
+      <p:graphicFrame>
+        <p:nvGraphicFramePr>
+          <p:cNvPr id="5" name="Content Placeholder 4"/>
+          <p:cNvGraphicFramePr/>
+          <p:nvPr>
+            <p:ph sz="half" idx="2"/>
+          </p:nvPr>
+        </p:nvGraphicFramePr>
+        <p:xfrm>
+          <a:off x="736600" y="1096645"/>
+          <a:ext cx="14368145" cy="7407275"/>
+        </p:xfrm>
+        <a:graphic>
+          <a:graphicData uri="http://schemas.openxmlformats.org/presentationml/2006/ole">
+            <mc:AlternateContent xmlns:mc="http://schemas.openxmlformats.org/markup-compatibility/2006">
+              <mc:Choice xmlns:v="urn:schemas-microsoft-com:vml" Requires="v">
+                <p:oleObj spid="_x0000_s6" name="" r:id="rId1" imgW="8953500" imgH="5514975" progId="Paint.Picture">
+                  <p:embed/>
+                </p:oleObj>
+              </mc:Choice>
+              <mc:Fallback>
+                <p:oleObj name="" r:id="rId1" imgW="8953500" imgH="5514975" progId="Paint.Picture">
+                  <p:embed/>
+                  <p:pic>
+                    <p:nvPicPr>
+                      <p:cNvPr id="0" name="Picture 5"/>
+                      <p:cNvPicPr/>
+                      <p:nvPr/>
+                    </p:nvPicPr>
+                    <p:blipFill>
+                      <a:blip r:embed="rId2"/>
+                      <a:stretch>
+                        <a:fillRect/>
+                      </a:stretch>
+                    </p:blipFill>
+                    <p:spPr>
+                      <a:xfrm>
+                        <a:off x="736600" y="1096645"/>
+                        <a:ext cx="14368145" cy="7407275"/>
+                      </a:xfrm>
+                      <a:prstGeom prst="rect">
+                        <a:avLst/>
+                      </a:prstGeom>
+                    </p:spPr>
+                  </p:pic>
+                </p:oleObj>
+              </mc:Fallback>
+            </mc:AlternateContent>
+          </a:graphicData>
+        </a:graphic>
+      </p:graphicFrame>
+    </p:spTree>
+  </p:cSld>
+  <p:clrMapOvr>
+    <a:masterClrMapping/>
+  </p:clrMapOvr>
+</p:sld>
+</file>
+
+<file path=ppt/slides/slide13.xml><?xml version="1.0" encoding="utf-8"?>
+<p:sld xmlns:a="http://schemas.openxmlformats.org/drawingml/2006/main" xmlns:r="http://schemas.openxmlformats.org/officeDocument/2006/relationships" xmlns:p="http://schemas.openxmlformats.org/presentationml/2006/main">
+  <p:cSld>
+    <p:spTree>
+      <p:nvGrpSpPr>
+        <p:cNvPr id="1" name=""/>
+        <p:cNvGrpSpPr/>
+        <p:nvPr/>
+      </p:nvGrpSpPr>
+      <p:grpSpPr/>
+      <p:sp>
+        <p:nvSpPr>
+          <p:cNvPr id="7" name="Title 6"/>
+          <p:cNvSpPr>
+            <a:spLocks noGrp="1"/>
+          </p:cNvSpPr>
+          <p:nvPr>
+            <p:ph type="title"/>
+          </p:nvPr>
+        </p:nvSpPr>
+        <p:spPr/>
+        <p:txBody>
+          <a:bodyPr/>
+          <a:p>
+            <a:endParaRPr lang="en-US"/>
+          </a:p>
+        </p:txBody>
+      </p:sp>
+      <p:sp>
+        <p:nvSpPr>
+          <p:cNvPr id="4" name="Slide Number Placeholder 3"/>
+          <p:cNvSpPr>
+            <a:spLocks noGrp="1"/>
+          </p:cNvSpPr>
+          <p:nvPr>
+            <p:ph type="sldNum" sz="quarter" idx="7"/>
+          </p:nvPr>
+        </p:nvSpPr>
+        <p:spPr/>
+        <p:txBody>
+          <a:bodyPr/>
+          <a:p>
+            <a:fld id="{B6F15528-21DE-4FAA-801E-634DDDAF4B2B}" type="slidenum">
+              <a:rPr/>
+            </a:fld>
+            <a:endParaRPr/>
+          </a:p>
+        </p:txBody>
+      </p:sp>
+      <p:sp>
+        <p:nvSpPr>
+          <p:cNvPr id="8" name="Content Placeholder 7"/>
+          <p:cNvSpPr>
+            <a:spLocks noGrp="1"/>
+          </p:cNvSpPr>
+          <p:nvPr>
+            <p:ph sz="half" idx="3"/>
+          </p:nvPr>
+        </p:nvSpPr>
+        <p:spPr/>
+        <p:txBody>
+          <a:bodyPr/>
+          <a:p>
+            <a:endParaRPr lang="en-US"/>
+          </a:p>
+        </p:txBody>
+      </p:sp>
+      <p:graphicFrame>
+        <p:nvGraphicFramePr>
+          <p:cNvPr id="5" name="Content Placeholder 4"/>
+          <p:cNvGraphicFramePr/>
+          <p:nvPr>
+            <p:ph sz="half" idx="2"/>
+          </p:nvPr>
+        </p:nvGraphicFramePr>
+        <p:xfrm>
+          <a:off x="660400" y="381000"/>
+          <a:ext cx="15306040" cy="7520940"/>
+        </p:xfrm>
+        <a:graphic>
+          <a:graphicData uri="http://schemas.openxmlformats.org/presentationml/2006/ole">
+            <mc:AlternateContent xmlns:mc="http://schemas.openxmlformats.org/markup-compatibility/2006">
+              <mc:Choice xmlns:v="urn:schemas-microsoft-com:vml" Requires="v">
+                <p:oleObj spid="_x0000_s6" name="" r:id="rId1" imgW="8943975" imgH="5334000" progId="Paint.Picture">
+                  <p:embed/>
+                </p:oleObj>
+              </mc:Choice>
+              <mc:Fallback>
+                <p:oleObj name="" r:id="rId1" imgW="8943975" imgH="5334000" progId="Paint.Picture">
+                  <p:embed/>
+                  <p:pic>
+                    <p:nvPicPr>
+                      <p:cNvPr id="0" name="Picture 5"/>
+                      <p:cNvPicPr/>
+                      <p:nvPr/>
+                    </p:nvPicPr>
+                    <p:blipFill>
+                      <a:blip r:embed="rId2"/>
+                      <a:stretch>
+                        <a:fillRect/>
+                      </a:stretch>
+                    </p:blipFill>
+                    <p:spPr>
+                      <a:xfrm>
+                        <a:off x="660400" y="381000"/>
+                        <a:ext cx="15306040" cy="7520940"/>
+                      </a:xfrm>
+                      <a:prstGeom prst="rect">
+                        <a:avLst/>
+                      </a:prstGeom>
+                    </p:spPr>
+                  </p:pic>
+                </p:oleObj>
+              </mc:Fallback>
+            </mc:AlternateContent>
+          </a:graphicData>
+        </a:graphic>
+      </p:graphicFrame>
+    </p:spTree>
+  </p:cSld>
+  <p:clrMapOvr>
+    <a:masterClrMapping/>
+  </p:clrMapOvr>
+</p:sld>
+</file>
+
+<file path=ppt/slides/slide14.xml><?xml version="1.0" encoding="utf-8"?>
+<p:sld xmlns:a="http://schemas.openxmlformats.org/drawingml/2006/main" xmlns:r="http://schemas.openxmlformats.org/officeDocument/2006/relationships" xmlns:p="http://schemas.openxmlformats.org/presentationml/2006/main">
+  <p:cSld>
+    <p:spTree>
+      <p:nvGrpSpPr>
+        <p:cNvPr id="1" name=""/>
+        <p:cNvGrpSpPr/>
+        <p:nvPr/>
+      </p:nvGrpSpPr>
+      <p:grpSpPr/>
+      <p:sp>
+        <p:nvSpPr>
+          <p:cNvPr id="5" name="Title 4"/>
+          <p:cNvSpPr>
+            <a:spLocks noGrp="1"/>
+          </p:cNvSpPr>
+          <p:nvPr>
+            <p:ph type="title"/>
+          </p:nvPr>
+        </p:nvSpPr>
+        <p:spPr>
+          <a:xfrm>
+            <a:off x="5173345" y="647700"/>
+            <a:ext cx="8569960" cy="738505"/>
+          </a:xfrm>
+        </p:spPr>
+        <p:txBody>
+          <a:bodyPr wrap="square"/>
+          <a:p>
+            <a:r>
+              <a:rPr lang="en-US"/>
+              <a:t>List With @Autowired</a:t>
+            </a:r>
+            <a:endParaRPr lang="en-US"/>
+          </a:p>
+        </p:txBody>
+      </p:sp>
+      <p:sp>
+        <p:nvSpPr>
+          <p:cNvPr id="4" name="Slide Number Placeholder 3"/>
+          <p:cNvSpPr>
+            <a:spLocks noGrp="1"/>
+          </p:cNvSpPr>
+          <p:nvPr>
+            <p:ph type="sldNum" sz="quarter" idx="7"/>
+          </p:nvPr>
+        </p:nvSpPr>
+        <p:spPr/>
+        <p:txBody>
+          <a:bodyPr/>
+          <a:p>
+            <a:fld id="{B6F15528-21DE-4FAA-801E-634DDDAF4B2B}" type="slidenum">
+              <a:rPr/>
+            </a:fld>
+            <a:endParaRPr/>
+          </a:p>
+        </p:txBody>
+      </p:sp>
+      <p:pic>
+        <p:nvPicPr>
+          <p:cNvPr id="8" name="Content Placeholder 7"/>
+          <p:cNvPicPr>
+            <a:picLocks noChangeAspect="1"/>
+          </p:cNvPicPr>
+          <p:nvPr>
+            <p:ph sz="half" idx="3"/>
+          </p:nvPr>
+        </p:nvPicPr>
+        <p:blipFill>
+          <a:blip r:embed="rId1"/>
+          <a:stretch>
+            <a:fillRect/>
+          </a:stretch>
+        </p:blipFill>
+        <p:spPr>
+          <a:xfrm>
+            <a:off x="508000" y="3276600"/>
+            <a:ext cx="6861175" cy="3550920"/>
+          </a:xfrm>
+          <a:prstGeom prst="rect">
+            <a:avLst/>
+          </a:prstGeom>
+        </p:spPr>
+      </p:pic>
+      <p:pic>
+        <p:nvPicPr>
+          <p:cNvPr id="9" name="Content Placeholder 8"/>
+          <p:cNvPicPr>
+            <a:picLocks noChangeAspect="1"/>
+          </p:cNvPicPr>
+          <p:nvPr>
+            <p:ph sz="half" idx="2"/>
+          </p:nvPr>
+        </p:nvPicPr>
+        <p:blipFill>
+          <a:blip r:embed="rId2"/>
+          <a:stretch>
+            <a:fillRect/>
+          </a:stretch>
+        </p:blipFill>
+        <p:spPr>
+          <a:xfrm>
+            <a:off x="8905875" y="3276600"/>
+            <a:ext cx="6861175" cy="3550920"/>
+          </a:xfrm>
+          <a:prstGeom prst="rect">
+            <a:avLst/>
+          </a:prstGeom>
+        </p:spPr>
+      </p:pic>
+    </p:spTree>
+  </p:cSld>
+  <p:clrMapOvr>
+    <a:masterClrMapping/>
+  </p:clrMapOvr>
+</p:sld>
+</file>
+
+<file path=ppt/slides/slide15.xml><?xml version="1.0" encoding="utf-8"?>
+<p:sld xmlns:a="http://schemas.openxmlformats.org/drawingml/2006/main" xmlns:r="http://schemas.openxmlformats.org/officeDocument/2006/relationships" xmlns:p="http://schemas.openxmlformats.org/presentationml/2006/main">
+  <p:cSld>
+    <p:spTree>
+      <p:nvGrpSpPr>
+        <p:cNvPr id="1" name=""/>
+        <p:cNvGrpSpPr/>
+        <p:nvPr/>
+      </p:nvGrpSpPr>
+      <p:grpSpPr/>
+      <p:sp>
+        <p:nvSpPr>
+          <p:cNvPr id="6" name="Title 5"/>
+          <p:cNvSpPr>
+            <a:spLocks noGrp="1"/>
+          </p:cNvSpPr>
+          <p:nvPr>
+            <p:ph type="title"/>
+          </p:nvPr>
+        </p:nvSpPr>
+        <p:spPr/>
+        <p:txBody>
+          <a:bodyPr/>
+          <a:p>
+            <a:endParaRPr lang="en-US"/>
+          </a:p>
+        </p:txBody>
+      </p:sp>
+      <p:sp>
+        <p:nvSpPr>
+          <p:cNvPr id="4" name="Slide Number Placeholder 3"/>
+          <p:cNvSpPr>
+            <a:spLocks noGrp="1"/>
+          </p:cNvSpPr>
+          <p:nvPr>
+            <p:ph type="sldNum" sz="quarter" idx="7"/>
+          </p:nvPr>
+        </p:nvSpPr>
+        <p:spPr/>
+        <p:txBody>
+          <a:bodyPr/>
+          <a:p>
+            <a:fld id="{B6F15528-21DE-4FAA-801E-634DDDAF4B2B}" type="slidenum">
+              <a:rPr/>
+            </a:fld>
+            <a:endParaRPr/>
+          </a:p>
+        </p:txBody>
+      </p:sp>
+      <p:sp>
+        <p:nvSpPr>
+          <p:cNvPr id="7" name="Content Placeholder 6"/>
+          <p:cNvSpPr>
+            <a:spLocks noGrp="1"/>
+          </p:cNvSpPr>
+          <p:nvPr>
+            <p:ph sz="half" idx="3"/>
+          </p:nvPr>
+        </p:nvSpPr>
+        <p:spPr/>
+        <p:txBody>
+          <a:bodyPr/>
+          <a:p>
+            <a:endParaRPr lang="en-US"/>
+          </a:p>
+        </p:txBody>
+      </p:sp>
+      <p:pic>
+        <p:nvPicPr>
+          <p:cNvPr id="5" name="Content Placeholder 4"/>
+          <p:cNvPicPr>
+            <a:picLocks noChangeAspect="1"/>
+          </p:cNvPicPr>
+          <p:nvPr>
+            <p:ph sz="half" idx="2"/>
+          </p:nvPr>
+        </p:nvPicPr>
+        <p:blipFill>
+          <a:blip r:embed="rId1"/>
+          <a:stretch>
+            <a:fillRect/>
+          </a:stretch>
+        </p:blipFill>
+        <p:spPr>
+          <a:xfrm>
+            <a:off x="584200" y="2667000"/>
+            <a:ext cx="15320010" cy="4109085"/>
+          </a:xfrm>
+          <a:prstGeom prst="rect">
+            <a:avLst/>
+          </a:prstGeom>
+        </p:spPr>
+      </p:pic>
+    </p:spTree>
+  </p:cSld>
+  <p:clrMapOvr>
+    <a:masterClrMapping/>
+  </p:clrMapOvr>
+</p:sld>
+</file>
+
+<file path=ppt/slides/slide16.xml><?xml version="1.0" encoding="utf-8"?>
+<p:sld xmlns:a="http://schemas.openxmlformats.org/drawingml/2006/main" xmlns:r="http://schemas.openxmlformats.org/officeDocument/2006/relationships" xmlns:p="http://schemas.openxmlformats.org/presentationml/2006/main">
+  <p:cSld>
+    <p:spTree>
+      <p:nvGrpSpPr>
+        <p:cNvPr id="1" name=""/>
+        <p:cNvGrpSpPr/>
+        <p:nvPr/>
+      </p:nvGrpSpPr>
+      <p:grpSpPr/>
+      <p:sp>
+        <p:nvSpPr>
+          <p:cNvPr id="2" name="Title 1"/>
+          <p:cNvSpPr>
+            <a:spLocks noGrp="1"/>
+          </p:cNvSpPr>
+          <p:nvPr>
+            <p:ph type="ctrTitle"/>
+          </p:nvPr>
+        </p:nvSpPr>
+        <p:spPr>
+          <a:xfrm>
+            <a:off x="3098800" y="685800"/>
+            <a:ext cx="12895580" cy="738505"/>
+          </a:xfrm>
+        </p:spPr>
+        <p:txBody>
+          <a:bodyPr wrap="square"/>
+          <a:p>
+            <a:r>
+              <a:rPr lang="en-US"/>
+              <a:t>Set With Constructor Injection</a:t>
+            </a:r>
+            <a:endParaRPr lang="en-US"/>
+          </a:p>
+        </p:txBody>
+      </p:sp>
+      <p:sp>
+        <p:nvSpPr>
+          <p:cNvPr id="3" name="Subtitle 2"/>
+          <p:cNvSpPr>
+            <a:spLocks noGrp="1"/>
+          </p:cNvSpPr>
+          <p:nvPr>
+            <p:ph type="subTitle" idx="4"/>
+          </p:nvPr>
+        </p:nvSpPr>
+        <p:spPr/>
+        <p:txBody>
+          <a:bodyPr/>
+          <a:p>
+            <a:endParaRPr lang="en-US"/>
+          </a:p>
+        </p:txBody>
+      </p:sp>
+      <p:sp>
+        <p:nvSpPr>
+          <p:cNvPr id="4" name="Slide Number Placeholder 3"/>
+          <p:cNvSpPr>
+            <a:spLocks noGrp="1"/>
+          </p:cNvSpPr>
+          <p:nvPr>
+            <p:ph type="sldNum" sz="quarter" idx="7"/>
+          </p:nvPr>
+        </p:nvSpPr>
+        <p:spPr/>
+        <p:txBody>
+          <a:bodyPr/>
+          <a:p>
+            <a:fld id="{B6F15528-21DE-4FAA-801E-634DDDAF4B2B}" type="slidenum">
+              <a:rPr/>
+            </a:fld>
+            <a:endParaRPr/>
+          </a:p>
+        </p:txBody>
+      </p:sp>
+      <p:pic>
+        <p:nvPicPr>
+          <p:cNvPr id="5" name="Picture 4"/>
+          <p:cNvPicPr>
+            <a:picLocks noChangeAspect="1"/>
+          </p:cNvPicPr>
+          <p:nvPr/>
+        </p:nvPicPr>
+        <p:blipFill>
+          <a:blip r:embed="rId1"/>
+          <a:stretch>
+            <a:fillRect/>
+          </a:stretch>
+        </p:blipFill>
+        <p:spPr>
+          <a:xfrm>
+            <a:off x="279400" y="2971800"/>
+            <a:ext cx="8053070" cy="4218305"/>
+          </a:xfrm>
+          <a:prstGeom prst="rect">
+            <a:avLst/>
+          </a:prstGeom>
+        </p:spPr>
+      </p:pic>
+      <p:pic>
+        <p:nvPicPr>
+          <p:cNvPr id="7" name="Picture 6"/>
+          <p:cNvPicPr>
+            <a:picLocks noChangeAspect="1"/>
+          </p:cNvPicPr>
+          <p:nvPr/>
+        </p:nvPicPr>
+        <p:blipFill>
+          <a:blip r:embed="rId2"/>
+          <a:stretch>
+            <a:fillRect/>
+          </a:stretch>
+        </p:blipFill>
+        <p:spPr>
+          <a:xfrm>
+            <a:off x="8890000" y="2971800"/>
+            <a:ext cx="7086600" cy="2583180"/>
+          </a:xfrm>
+          <a:prstGeom prst="rect">
+            <a:avLst/>
+          </a:prstGeom>
+        </p:spPr>
+      </p:pic>
+    </p:spTree>
+  </p:cSld>
+  <p:clrMapOvr>
+    <a:masterClrMapping/>
+  </p:clrMapOvr>
+</p:sld>
+</file>
+
+<file path=ppt/slides/slide17.xml><?xml version="1.0" encoding="utf-8"?>
+<p:sld xmlns:a="http://schemas.openxmlformats.org/drawingml/2006/main" xmlns:r="http://schemas.openxmlformats.org/officeDocument/2006/relationships" xmlns:p="http://schemas.openxmlformats.org/presentationml/2006/main">
+  <p:cSld>
+    <p:spTree>
+      <p:nvGrpSpPr>
+        <p:cNvPr id="1" name=""/>
+        <p:cNvGrpSpPr/>
+        <p:nvPr/>
+      </p:nvGrpSpPr>
+      <p:grpSpPr/>
+      <p:sp>
+        <p:nvSpPr>
+          <p:cNvPr id="2" name="Title 1"/>
+          <p:cNvSpPr>
+            <a:spLocks noGrp="1"/>
+          </p:cNvSpPr>
+          <p:nvPr>
+            <p:ph type="ctrTitle"/>
+          </p:nvPr>
+        </p:nvSpPr>
+        <p:spPr>
+          <a:xfrm>
+            <a:off x="4394200" y="533400"/>
+            <a:ext cx="9570085" cy="738505"/>
+          </a:xfrm>
+        </p:spPr>
+        <p:txBody>
+          <a:bodyPr wrap="square"/>
+          <a:p>
+            <a:r>
+              <a:rPr lang="en-US"/>
+              <a:t>Map With Setter Injection</a:t>
+            </a:r>
+            <a:endParaRPr lang="en-US"/>
+          </a:p>
+        </p:txBody>
+      </p:sp>
+      <p:sp>
+        <p:nvSpPr>
+          <p:cNvPr id="4" name="Slide Number Placeholder 3"/>
+          <p:cNvSpPr>
+            <a:spLocks noGrp="1"/>
+          </p:cNvSpPr>
+          <p:nvPr>
+            <p:ph type="sldNum" sz="quarter" idx="7"/>
+          </p:nvPr>
+        </p:nvSpPr>
+        <p:spPr/>
+        <p:txBody>
+          <a:bodyPr/>
+          <a:p>
+            <a:fld id="{B6F15528-21DE-4FAA-801E-634DDDAF4B2B}" type="slidenum">
+              <a:rPr/>
+            </a:fld>
+            <a:endParaRPr/>
+          </a:p>
+        </p:txBody>
+      </p:sp>
+      <p:pic>
+        <p:nvPicPr>
+          <p:cNvPr id="5" name="Picture 4"/>
+          <p:cNvPicPr>
+            <a:picLocks noChangeAspect="1"/>
+          </p:cNvPicPr>
+          <p:nvPr/>
+        </p:nvPicPr>
+        <p:blipFill>
+          <a:blip r:embed="rId1"/>
+          <a:stretch>
+            <a:fillRect/>
+          </a:stretch>
+        </p:blipFill>
+        <p:spPr>
+          <a:xfrm>
+            <a:off x="203200" y="2133600"/>
+            <a:ext cx="7478395" cy="3885565"/>
+          </a:xfrm>
+          <a:prstGeom prst="rect">
+            <a:avLst/>
+          </a:prstGeom>
+        </p:spPr>
+      </p:pic>
+      <p:pic>
+        <p:nvPicPr>
+          <p:cNvPr id="7" name="Picture 6"/>
+          <p:cNvPicPr>
+            <a:picLocks noChangeAspect="1"/>
+          </p:cNvPicPr>
+          <p:nvPr/>
+        </p:nvPicPr>
+        <p:blipFill>
+          <a:blip r:embed="rId2"/>
+          <a:stretch>
+            <a:fillRect/>
+          </a:stretch>
+        </p:blipFill>
+        <p:spPr>
+          <a:xfrm>
+            <a:off x="8051800" y="2286000"/>
+            <a:ext cx="7446645" cy="3007360"/>
+          </a:xfrm>
+          <a:prstGeom prst="rect">
+            <a:avLst/>
+          </a:prstGeom>
+        </p:spPr>
+      </p:pic>
+      <p:pic>
+        <p:nvPicPr>
+          <p:cNvPr id="9" name="Picture 8"/>
+          <p:cNvPicPr>
+            <a:picLocks noChangeAspect="1"/>
+          </p:cNvPicPr>
+          <p:nvPr/>
+        </p:nvPicPr>
+        <p:blipFill>
+          <a:blip r:embed="rId3"/>
+          <a:stretch>
+            <a:fillRect/>
+          </a:stretch>
+        </p:blipFill>
+        <p:spPr>
+          <a:xfrm>
+            <a:off x="3022600" y="6629400"/>
+            <a:ext cx="9968230" cy="2098675"/>
+          </a:xfrm>
+          <a:prstGeom prst="rect">
+            <a:avLst/>
+          </a:prstGeom>
+        </p:spPr>
+      </p:pic>
+    </p:spTree>
+  </p:cSld>
+  <p:clrMapOvr>
+    <a:masterClrMapping/>
+  </p:clrMapOvr>
+</p:sld>
+</file>
+
+<file path=ppt/slides/slide18.xml><?xml version="1.0" encoding="utf-8"?>
+<p:sld xmlns:a="http://schemas.openxmlformats.org/drawingml/2006/main" xmlns:r="http://schemas.openxmlformats.org/officeDocument/2006/relationships" xmlns:p="http://schemas.openxmlformats.org/presentationml/2006/main">
+  <p:cSld>
+    <p:spTree>
+      <p:nvGrpSpPr>
+        <p:cNvPr id="1" name=""/>
+        <p:cNvGrpSpPr/>
+        <p:nvPr/>
+      </p:nvGrpSpPr>
+      <p:grpSpPr/>
+      <p:sp>
+        <p:nvSpPr>
+          <p:cNvPr id="2" name="Title 1"/>
+          <p:cNvSpPr>
+            <a:spLocks noGrp="1"/>
+          </p:cNvSpPr>
+          <p:nvPr>
+            <p:ph type="ctrTitle"/>
+          </p:nvPr>
+        </p:nvSpPr>
+        <p:spPr>
+          <a:xfrm>
+            <a:off x="2641600" y="609600"/>
+            <a:ext cx="13331190" cy="738505"/>
+          </a:xfrm>
+        </p:spPr>
+        <p:txBody>
+          <a:bodyPr wrap="square"/>
+          <a:p>
+            <a:r>
+              <a:rPr lang="en-US"/>
+              <a:t>Using c- and p- namespaces in Spring</a:t>
+            </a:r>
+            <a:endParaRPr lang="en-US"/>
+          </a:p>
+        </p:txBody>
+      </p:sp>
+      <p:sp>
+        <p:nvSpPr>
+          <p:cNvPr id="3" name="Subtitle 2"/>
+          <p:cNvSpPr>
+            <a:spLocks noGrp="1"/>
+          </p:cNvSpPr>
+          <p:nvPr>
+            <p:ph type="subTitle" idx="4"/>
+          </p:nvPr>
+        </p:nvSpPr>
+        <p:spPr/>
+        <p:txBody>
+          <a:bodyPr/>
+          <a:p>
+            <a:endParaRPr lang="en-US"/>
+          </a:p>
+        </p:txBody>
+      </p:sp>
+      <p:sp>
+        <p:nvSpPr>
+          <p:cNvPr id="4" name="Slide Number Placeholder 3"/>
+          <p:cNvSpPr>
+            <a:spLocks noGrp="1"/>
+          </p:cNvSpPr>
+          <p:nvPr>
+            <p:ph type="sldNum" sz="quarter" idx="7"/>
+          </p:nvPr>
+        </p:nvSpPr>
+        <p:spPr/>
+        <p:txBody>
+          <a:bodyPr/>
+          <a:p>
+            <a:fld id="{B6F15528-21DE-4FAA-801E-634DDDAF4B2B}" type="slidenum">
+              <a:rPr/>
+            </a:fld>
+            <a:endParaRPr/>
+          </a:p>
+        </p:txBody>
+      </p:sp>
+      <p:pic>
+        <p:nvPicPr>
+          <p:cNvPr id="5" name="Picture 4"/>
+          <p:cNvPicPr>
+            <a:picLocks noChangeAspect="1"/>
+          </p:cNvPicPr>
+          <p:nvPr/>
+        </p:nvPicPr>
+        <p:blipFill>
+          <a:blip r:embed="rId1"/>
+          <a:stretch>
+            <a:fillRect/>
+          </a:stretch>
+        </p:blipFill>
+        <p:spPr>
+          <a:xfrm>
+            <a:off x="3403600" y="1626870"/>
+            <a:ext cx="11201400" cy="6877050"/>
+          </a:xfrm>
+          <a:prstGeom prst="rect">
+            <a:avLst/>
+          </a:prstGeom>
+        </p:spPr>
+      </p:pic>
+    </p:spTree>
+  </p:cSld>
+  <p:clrMapOvr>
+    <a:masterClrMapping/>
+  </p:clrMapOvr>
+</p:sld>
+</file>
+
+<file path=ppt/slides/slide19.xml><?xml version="1.0" encoding="utf-8"?>
+<p:sld xmlns:a="http://schemas.openxmlformats.org/drawingml/2006/main" xmlns:r="http://schemas.openxmlformats.org/officeDocument/2006/relationships" xmlns:p="http://schemas.openxmlformats.org/presentationml/2006/main">
+  <p:cSld>
+    <p:spTree>
+      <p:nvGrpSpPr>
+        <p:cNvPr id="1" name=""/>
+        <p:cNvGrpSpPr/>
+        <p:nvPr/>
+      </p:nvGrpSpPr>
+      <p:grpSpPr>
+        <a:xfrm>
+          <a:off x="0" y="0"/>
+          <a:ext cx="0" cy="0"/>
+          <a:chOff x="0" y="0"/>
+          <a:chExt cx="0" cy="0"/>
+        </a:xfrm>
+      </p:grpSpPr>
+      <p:sp>
+        <p:nvSpPr>
+          <p:cNvPr id="2" name="object 2"/>
+          <p:cNvSpPr txBox="1"/>
+          <p:nvPr/>
+        </p:nvSpPr>
+        <p:spPr>
+          <a:xfrm>
+            <a:off x="1638300" y="2667000"/>
+            <a:ext cx="2901315" cy="756920"/>
+          </a:xfrm>
+          <a:prstGeom prst="rect">
+            <a:avLst/>
+          </a:prstGeom>
+        </p:spPr>
+        <p:txBody>
+          <a:bodyPr vert="horz" wrap="square" lIns="0" tIns="12700" rIns="0" bIns="0" rtlCol="0">
+            <a:spAutoFit/>
+          </a:bodyPr>
+          <a:lstStyle/>
+          <a:p>
+            <a:pPr marL="12700">
+              <a:lnSpc>
+                <a:spcPct val="100000"/>
+              </a:lnSpc>
+              <a:spcBef>
+                <a:spcPts val="100"/>
+              </a:spcBef>
+            </a:pPr>
+            <a:r>
+              <a:rPr sz="4800" spc="-114" dirty="0">
+                <a:solidFill>
+                  <a:srgbClr val="FFFFFF"/>
+                </a:solidFill>
+                <a:latin typeface="Verdana" panose="020B0604030504040204"/>
+                <a:cs typeface="Verdana" panose="020B0604030504040204"/>
+              </a:rPr>
+              <a:t>Summary</a:t>
+            </a:r>
+            <a:endParaRPr sz="4800">
+              <a:latin typeface="Verdana" panose="020B0604030504040204"/>
+              <a:cs typeface="Verdana" panose="020B0604030504040204"/>
+            </a:endParaRPr>
+          </a:p>
+        </p:txBody>
+      </p:sp>
+      <p:sp>
+        <p:nvSpPr>
+          <p:cNvPr id="3" name="object 3"/>
+          <p:cNvSpPr txBox="1"/>
+          <p:nvPr/>
+        </p:nvSpPr>
+        <p:spPr>
+          <a:xfrm>
+            <a:off x="6997700" y="1765300"/>
+            <a:ext cx="2992755" cy="2087880"/>
+          </a:xfrm>
+          <a:prstGeom prst="rect">
+            <a:avLst/>
+          </a:prstGeom>
+        </p:spPr>
+        <p:txBody>
+          <a:bodyPr vert="horz" wrap="square" lIns="0" tIns="12700" rIns="0" bIns="0" rtlCol="0">
+            <a:spAutoFit/>
+          </a:bodyPr>
+          <a:lstStyle/>
+          <a:p>
+            <a:pPr marL="12700">
+              <a:lnSpc>
+                <a:spcPct val="100000"/>
+              </a:lnSpc>
+              <a:spcBef>
+                <a:spcPts val="100"/>
+              </a:spcBef>
+            </a:pPr>
+            <a:r>
+              <a:rPr sz="3200" spc="10" dirty="0">
+                <a:latin typeface="Verdana" panose="020B0604030504040204"/>
+                <a:cs typeface="Verdana" panose="020B0604030504040204"/>
+              </a:rPr>
+              <a:t>Bean</a:t>
+            </a:r>
+            <a:r>
+              <a:rPr sz="3200" spc="-200" dirty="0">
+                <a:latin typeface="Verdana" panose="020B0604030504040204"/>
+                <a:cs typeface="Verdana" panose="020B0604030504040204"/>
+              </a:rPr>
+              <a:t> </a:t>
+            </a:r>
+            <a:r>
+              <a:rPr sz="3200" spc="60" dirty="0">
+                <a:latin typeface="Verdana" panose="020B0604030504040204"/>
+                <a:cs typeface="Verdana" panose="020B0604030504040204"/>
+              </a:rPr>
+              <a:t>Lifecycle</a:t>
+            </a:r>
+            <a:endParaRPr sz="3200">
+              <a:latin typeface="Verdana" panose="020B0604030504040204"/>
+              <a:cs typeface="Verdana" panose="020B0604030504040204"/>
+            </a:endParaRPr>
+          </a:p>
+          <a:p>
+            <a:pPr marL="12700" marR="377825">
+              <a:lnSpc>
+                <a:spcPts val="6200"/>
+              </a:lnSpc>
+              <a:spcBef>
+                <a:spcPts val="400"/>
+              </a:spcBef>
+            </a:pPr>
+            <a:r>
+              <a:rPr sz="3200" spc="180" dirty="0">
+                <a:latin typeface="Verdana" panose="020B0604030504040204"/>
+                <a:cs typeface="Verdana" panose="020B0604030504040204"/>
+              </a:rPr>
+              <a:t>F</a:t>
+            </a:r>
+            <a:r>
+              <a:rPr sz="3200" spc="60" dirty="0">
+                <a:latin typeface="Verdana" panose="020B0604030504040204"/>
+                <a:cs typeface="Verdana" panose="020B0604030504040204"/>
+              </a:rPr>
+              <a:t>ac</a:t>
+            </a:r>
+            <a:r>
+              <a:rPr sz="3200" spc="-10" dirty="0">
+                <a:latin typeface="Verdana" panose="020B0604030504040204"/>
+                <a:cs typeface="Verdana" panose="020B0604030504040204"/>
+              </a:rPr>
+              <a:t>t</a:t>
+            </a:r>
+            <a:r>
+              <a:rPr sz="3200" spc="20" dirty="0">
+                <a:latin typeface="Verdana" panose="020B0604030504040204"/>
+                <a:cs typeface="Verdana" panose="020B0604030504040204"/>
+              </a:rPr>
+              <a:t>oryBean  </a:t>
+            </a:r>
+            <a:r>
+              <a:rPr sz="3200" spc="80" dirty="0">
+                <a:latin typeface="Verdana" panose="020B0604030504040204"/>
+                <a:cs typeface="Verdana" panose="020B0604030504040204"/>
+              </a:rPr>
+              <a:t>SpEL</a:t>
+            </a:r>
+            <a:endParaRPr sz="3200">
+              <a:latin typeface="Verdana" panose="020B0604030504040204"/>
+              <a:cs typeface="Verdana" panose="020B0604030504040204"/>
+            </a:endParaRPr>
+          </a:p>
+        </p:txBody>
+      </p:sp>
+      <p:sp>
+        <p:nvSpPr>
+          <p:cNvPr id="4" name="object 4"/>
+          <p:cNvSpPr txBox="1"/>
+          <p:nvPr/>
+        </p:nvSpPr>
+        <p:spPr>
+          <a:xfrm>
+            <a:off x="6908800" y="4114800"/>
+            <a:ext cx="9311640" cy="3839210"/>
+          </a:xfrm>
+          <a:prstGeom prst="rect">
+            <a:avLst/>
+          </a:prstGeom>
+        </p:spPr>
+        <p:txBody>
+          <a:bodyPr vert="horz" wrap="square" lIns="0" tIns="12700" rIns="0" bIns="0" rtlCol="0">
+            <a:spAutoFit/>
+          </a:bodyPr>
+          <a:lstStyle/>
+          <a:p>
+            <a:pPr marL="12700">
+              <a:lnSpc>
+                <a:spcPct val="100000"/>
+              </a:lnSpc>
+              <a:spcBef>
+                <a:spcPts val="100"/>
+              </a:spcBef>
+            </a:pPr>
+            <a:r>
+              <a:rPr sz="3200" spc="15" dirty="0">
+                <a:latin typeface="Verdana" panose="020B0604030504040204"/>
+                <a:cs typeface="Verdana" panose="020B0604030504040204"/>
+              </a:rPr>
+              <a:t>Proxies</a:t>
+            </a:r>
+            <a:endParaRPr sz="3200">
+              <a:latin typeface="Verdana" panose="020B0604030504040204"/>
+              <a:cs typeface="Verdana" panose="020B0604030504040204"/>
+            </a:endParaRPr>
+          </a:p>
+          <a:p>
+            <a:pPr marL="12700" marR="5080">
+              <a:lnSpc>
+                <a:spcPts val="6200"/>
+              </a:lnSpc>
+              <a:spcBef>
+                <a:spcPts val="400"/>
+              </a:spcBef>
+            </a:pPr>
+            <a:r>
+              <a:rPr sz="3200" spc="95" dirty="0">
+                <a:latin typeface="Verdana" panose="020B0604030504040204"/>
+                <a:cs typeface="Verdana" panose="020B0604030504040204"/>
+              </a:rPr>
+              <a:t>P</a:t>
+            </a:r>
+            <a:r>
+              <a:rPr sz="3200" spc="5" dirty="0">
+                <a:latin typeface="Verdana" panose="020B0604030504040204"/>
+                <a:cs typeface="Verdana" panose="020B0604030504040204"/>
+              </a:rPr>
+              <a:t>r</a:t>
+            </a:r>
+            <a:r>
+              <a:rPr sz="3200" spc="40" dirty="0">
+                <a:latin typeface="Verdana" panose="020B0604030504040204"/>
+                <a:cs typeface="Verdana" panose="020B0604030504040204"/>
+              </a:rPr>
+              <a:t>ofiles</a:t>
+            </a:r>
+            <a:endParaRPr sz="3200" spc="40" dirty="0">
+              <a:latin typeface="Verdana" panose="020B0604030504040204"/>
+              <a:cs typeface="Verdana" panose="020B0604030504040204"/>
+            </a:endParaRPr>
+          </a:p>
+          <a:p>
+            <a:pPr marL="12700" marR="5080">
+              <a:lnSpc>
+                <a:spcPts val="6200"/>
+              </a:lnSpc>
+              <a:spcBef>
+                <a:spcPts val="400"/>
+              </a:spcBef>
+            </a:pPr>
+            <a:r>
+              <a:rPr lang="en-US" sz="3200" spc="40" dirty="0">
+                <a:latin typeface="Verdana" panose="020B0604030504040204"/>
+                <a:cs typeface="Verdana" panose="020B0604030504040204"/>
+              </a:rPr>
+              <a:t>BeanFactory </a:t>
+            </a:r>
+            <a:br>
+              <a:rPr lang="en-US" sz="3200" spc="40" dirty="0">
+                <a:latin typeface="Verdana" panose="020B0604030504040204"/>
+                <a:cs typeface="Verdana" panose="020B0604030504040204"/>
+              </a:rPr>
+            </a:br>
+            <a:r>
+              <a:rPr lang="en-US" sz="3200" spc="40" dirty="0">
+                <a:latin typeface="Verdana" panose="020B0604030504040204"/>
+                <a:cs typeface="Verdana" panose="020B0604030504040204"/>
+              </a:rPr>
+              <a:t>Configuring Collections </a:t>
+            </a:r>
+            <a:endParaRPr lang="en-US" sz="3200" spc="40" dirty="0">
+              <a:latin typeface="Verdana" panose="020B0604030504040204"/>
+              <a:cs typeface="Verdana" panose="020B0604030504040204"/>
+            </a:endParaRPr>
+          </a:p>
+          <a:p>
+            <a:pPr marL="12700" marR="5080">
+              <a:lnSpc>
+                <a:spcPts val="6200"/>
+              </a:lnSpc>
+              <a:spcBef>
+                <a:spcPts val="400"/>
+              </a:spcBef>
+            </a:pPr>
+            <a:r>
+              <a:rPr lang="en-US" sz="3200" spc="40" dirty="0">
+                <a:latin typeface="Verdana" panose="020B0604030504040204"/>
+                <a:cs typeface="Verdana" panose="020B0604030504040204"/>
+                <a:sym typeface="+mn-ea"/>
+              </a:rPr>
+              <a:t>Using c- and p- namespaces in Spring</a:t>
+            </a:r>
+            <a:endParaRPr sz="3200">
+              <a:latin typeface="Verdana" panose="020B0604030504040204"/>
+              <a:cs typeface="Verdana" panose="020B0604030504040204"/>
+            </a:endParaRPr>
+          </a:p>
+        </p:txBody>
+      </p:sp>
+      <p:sp>
+        <p:nvSpPr>
+          <p:cNvPr id="5" name="Slide Number Placeholder 4"/>
+          <p:cNvSpPr>
+            <a:spLocks noGrp="1"/>
+          </p:cNvSpPr>
+          <p:nvPr>
+            <p:ph type="sldNum" sz="quarter" idx="7"/>
+          </p:nvPr>
+        </p:nvSpPr>
+        <p:spPr/>
+        <p:txBody>
+          <a:bodyPr/>
+          <a:p>
+            <a:fld id="{B6F15528-21DE-4FAA-801E-634DDDAF4B2B}" type="slidenum">
+              <a:rPr/>
+            </a:fld>
+            <a:endParaRPr/>
           </a:p>
         </p:txBody>
       </p:sp>
@@ -1767,6 +3539,7 @@
               <a:rPr spc="-20" dirty="0"/>
               <a:t>Configuration</a:t>
             </a:r>
+            <a:endParaRPr spc="-20" dirty="0"/>
           </a:p>
         </p:txBody>
       </p:sp>
@@ -1800,8 +3573,8 @@
               </a:lnSpc>
             </a:pPr>
             <a:endParaRPr sz="5100">
-              <a:latin typeface="Times New Roman"/>
-              <a:cs typeface="Times New Roman"/>
+              <a:latin typeface="Times New Roman" panose="02020603050405020304"/>
+              <a:cs typeface="Times New Roman" panose="02020603050405020304"/>
             </a:endParaRPr>
           </a:p>
           <a:p>
@@ -1815,14 +3588,14 @@
                 <a:solidFill>
                   <a:srgbClr val="FFFFFF"/>
                 </a:solidFill>
-                <a:latin typeface="Verdana"/>
-                <a:cs typeface="Verdana"/>
+                <a:latin typeface="Verdana" panose="020B0604030504040204"/>
+                <a:cs typeface="Verdana" panose="020B0604030504040204"/>
               </a:rPr>
               <a:t>BeanPostProcessor</a:t>
             </a:r>
             <a:endParaRPr sz="3200">
-              <a:latin typeface="Verdana"/>
-              <a:cs typeface="Verdana"/>
+              <a:latin typeface="Verdana" panose="020B0604030504040204"/>
+              <a:cs typeface="Verdana" panose="020B0604030504040204"/>
             </a:endParaRPr>
           </a:p>
         </p:txBody>
@@ -1857,8 +3630,8 @@
               </a:lnSpc>
             </a:pPr>
             <a:endParaRPr sz="5100">
-              <a:latin typeface="Times New Roman"/>
-              <a:cs typeface="Times New Roman"/>
+              <a:latin typeface="Times New Roman" panose="02020603050405020304"/>
+              <a:cs typeface="Times New Roman" panose="02020603050405020304"/>
             </a:endParaRPr>
           </a:p>
           <a:p>
@@ -1872,14 +3645,14 @@
                 <a:solidFill>
                   <a:srgbClr val="FFFFFF"/>
                 </a:solidFill>
-                <a:latin typeface="Verdana"/>
-                <a:cs typeface="Verdana"/>
+                <a:latin typeface="Verdana" panose="020B0604030504040204"/>
+                <a:cs typeface="Verdana" panose="020B0604030504040204"/>
               </a:rPr>
               <a:t>FactoryBean</a:t>
             </a:r>
             <a:endParaRPr sz="3200">
-              <a:latin typeface="Verdana"/>
-              <a:cs typeface="Verdana"/>
+              <a:latin typeface="Verdana" panose="020B0604030504040204"/>
+              <a:cs typeface="Verdana" panose="020B0604030504040204"/>
             </a:endParaRPr>
           </a:p>
         </p:txBody>
@@ -1914,8 +3687,8 @@
               </a:lnSpc>
             </a:pPr>
             <a:endParaRPr sz="5100">
-              <a:latin typeface="Times New Roman"/>
-              <a:cs typeface="Times New Roman"/>
+              <a:latin typeface="Times New Roman" panose="02020603050405020304"/>
+              <a:cs typeface="Times New Roman" panose="02020603050405020304"/>
             </a:endParaRPr>
           </a:p>
           <a:p>
@@ -1929,14 +3702,14 @@
                 <a:solidFill>
                   <a:srgbClr val="FFFFFF"/>
                 </a:solidFill>
-                <a:latin typeface="Verdana"/>
-                <a:cs typeface="Verdana"/>
+                <a:latin typeface="Verdana" panose="020B0604030504040204"/>
+                <a:cs typeface="Verdana" panose="020B0604030504040204"/>
               </a:rPr>
               <a:t>SpEL</a:t>
             </a:r>
             <a:endParaRPr sz="3200">
-              <a:latin typeface="Verdana"/>
-              <a:cs typeface="Verdana"/>
+              <a:latin typeface="Verdana" panose="020B0604030504040204"/>
+              <a:cs typeface="Verdana" panose="020B0604030504040204"/>
             </a:endParaRPr>
           </a:p>
         </p:txBody>
@@ -1974,8 +3747,8 @@
               </a:spcBef>
             </a:pPr>
             <a:endParaRPr sz="5050">
-              <a:latin typeface="Times New Roman"/>
-              <a:cs typeface="Times New Roman"/>
+              <a:latin typeface="Times New Roman" panose="02020603050405020304"/>
+              <a:cs typeface="Times New Roman" panose="02020603050405020304"/>
             </a:endParaRPr>
           </a:p>
           <a:p>
@@ -1989,14 +3762,14 @@
                 <a:solidFill>
                   <a:srgbClr val="FFFFFF"/>
                 </a:solidFill>
-                <a:latin typeface="Verdana"/>
-                <a:cs typeface="Verdana"/>
+                <a:latin typeface="Verdana" panose="020B0604030504040204"/>
+                <a:cs typeface="Verdana" panose="020B0604030504040204"/>
               </a:rPr>
               <a:t>Proxies</a:t>
             </a:r>
             <a:endParaRPr sz="3200">
-              <a:latin typeface="Verdana"/>
-              <a:cs typeface="Verdana"/>
+              <a:latin typeface="Verdana" panose="020B0604030504040204"/>
+              <a:cs typeface="Verdana" panose="020B0604030504040204"/>
             </a:endParaRPr>
           </a:p>
         </p:txBody>
@@ -2034,8 +3807,8 @@
               </a:spcBef>
             </a:pPr>
             <a:endParaRPr sz="5050">
-              <a:latin typeface="Times New Roman"/>
-              <a:cs typeface="Times New Roman"/>
+              <a:latin typeface="Times New Roman" panose="02020603050405020304"/>
+              <a:cs typeface="Times New Roman" panose="02020603050405020304"/>
             </a:endParaRPr>
           </a:p>
           <a:p>
@@ -2049,15 +3822,36 @@
                 <a:solidFill>
                   <a:srgbClr val="FFFFFF"/>
                 </a:solidFill>
-                <a:latin typeface="Verdana"/>
-                <a:cs typeface="Verdana"/>
+                <a:latin typeface="Verdana" panose="020B0604030504040204"/>
+                <a:cs typeface="Verdana" panose="020B0604030504040204"/>
               </a:rPr>
               <a:t>Profiles</a:t>
             </a:r>
             <a:endParaRPr sz="3200">
-              <a:latin typeface="Verdana"/>
-              <a:cs typeface="Verdana"/>
+              <a:latin typeface="Verdana" panose="020B0604030504040204"/>
+              <a:cs typeface="Verdana" panose="020B0604030504040204"/>
             </a:endParaRPr>
+          </a:p>
+        </p:txBody>
+      </p:sp>
+      <p:sp>
+        <p:nvSpPr>
+          <p:cNvPr id="8" name="Slide Number Placeholder 7"/>
+          <p:cNvSpPr>
+            <a:spLocks noGrp="1"/>
+          </p:cNvSpPr>
+          <p:nvPr>
+            <p:ph type="sldNum" sz="quarter" idx="7"/>
+          </p:nvPr>
+        </p:nvSpPr>
+        <p:spPr/>
+        <p:txBody>
+          <a:bodyPr/>
+          <a:p>
+            <a:fld id="{B6F15528-21DE-4FAA-801E-634DDDAF4B2B}" type="slidenum">
+              <a:rPr/>
+            </a:fld>
+            <a:endParaRPr/>
           </a:p>
         </p:txBody>
       </p:sp>
@@ -2138,6 +3932,7 @@
               <a:rPr spc="25" dirty="0"/>
               <a:t>Lifecycle</a:t>
             </a:r>
+            <a:endParaRPr spc="25" dirty="0"/>
           </a:p>
         </p:txBody>
       </p:sp>
@@ -2192,9 +3987,7 @@
           <p:txBody>
             <a:bodyPr wrap="square" lIns="0" tIns="0" rIns="0" bIns="0" rtlCol="0"/>
             <a:lstStyle/>
-            <a:p>
-              <a:endParaRPr/>
-            </a:p>
+            <a:p/>
           </p:txBody>
         </p:sp>
         <p:sp>
@@ -2239,9 +4032,7 @@
           <p:txBody>
             <a:bodyPr wrap="square" lIns="0" tIns="0" rIns="0" bIns="0" rtlCol="0"/>
             <a:lstStyle/>
-            <a:p>
-              <a:endParaRPr/>
-            </a:p>
+            <a:p/>
           </p:txBody>
         </p:sp>
       </p:grpSp>
@@ -2296,9 +4087,7 @@
           <p:txBody>
             <a:bodyPr wrap="square" lIns="0" tIns="0" rIns="0" bIns="0" rtlCol="0"/>
             <a:lstStyle/>
-            <a:p>
-              <a:endParaRPr/>
-            </a:p>
+            <a:p/>
           </p:txBody>
         </p:sp>
         <p:sp>
@@ -2343,9 +4132,7 @@
           <p:txBody>
             <a:bodyPr wrap="square" lIns="0" tIns="0" rIns="0" bIns="0" rtlCol="0"/>
             <a:lstStyle/>
-            <a:p>
-              <a:endParaRPr/>
-            </a:p>
+            <a:p/>
           </p:txBody>
         </p:sp>
       </p:grpSp>
@@ -2400,9 +4187,7 @@
           <p:txBody>
             <a:bodyPr wrap="square" lIns="0" tIns="0" rIns="0" bIns="0" rtlCol="0"/>
             <a:lstStyle/>
-            <a:p>
-              <a:endParaRPr/>
-            </a:p>
+            <a:p/>
           </p:txBody>
         </p:sp>
         <p:sp>
@@ -2447,9 +4232,7 @@
           <p:txBody>
             <a:bodyPr wrap="square" lIns="0" tIns="0" rIns="0" bIns="0" rtlCol="0"/>
             <a:lstStyle/>
-            <a:p>
-              <a:endParaRPr/>
-            </a:p>
+            <a:p/>
           </p:txBody>
         </p:sp>
       </p:grpSp>
@@ -2504,9 +4287,7 @@
           <p:txBody>
             <a:bodyPr wrap="square" lIns="0" tIns="0" rIns="0" bIns="0" rtlCol="0"/>
             <a:lstStyle/>
-            <a:p>
-              <a:endParaRPr/>
-            </a:p>
+            <a:p/>
           </p:txBody>
         </p:sp>
         <p:sp>
@@ -2551,9 +4332,7 @@
           <p:txBody>
             <a:bodyPr wrap="square" lIns="0" tIns="0" rIns="0" bIns="0" rtlCol="0"/>
             <a:lstStyle/>
-            <a:p>
-              <a:endParaRPr/>
-            </a:p>
+            <a:p/>
           </p:txBody>
         </p:sp>
       </p:grpSp>
@@ -2608,9 +4387,7 @@
           <p:txBody>
             <a:bodyPr wrap="square" lIns="0" tIns="0" rIns="0" bIns="0" rtlCol="0"/>
             <a:lstStyle/>
-            <a:p>
-              <a:endParaRPr/>
-            </a:p>
+            <a:p/>
           </p:txBody>
         </p:sp>
         <p:sp>
@@ -2655,9 +4432,7 @@
           <p:txBody>
             <a:bodyPr wrap="square" lIns="0" tIns="0" rIns="0" bIns="0" rtlCol="0"/>
             <a:lstStyle/>
-            <a:p>
-              <a:endParaRPr/>
-            </a:p>
+            <a:p/>
           </p:txBody>
         </p:sp>
       </p:grpSp>
@@ -2712,9 +4487,7 @@
           <p:txBody>
             <a:bodyPr wrap="square" lIns="0" tIns="0" rIns="0" bIns="0" rtlCol="0"/>
             <a:lstStyle/>
-            <a:p>
-              <a:endParaRPr/>
-            </a:p>
+            <a:p/>
           </p:txBody>
         </p:sp>
         <p:sp>
@@ -2759,9 +4532,7 @@
           <p:txBody>
             <a:bodyPr wrap="square" lIns="0" tIns="0" rIns="0" bIns="0" rtlCol="0"/>
             <a:lstStyle/>
-            <a:p>
-              <a:endParaRPr/>
-            </a:p>
+            <a:p/>
           </p:txBody>
         </p:sp>
       </p:grpSp>
@@ -2816,9 +4587,7 @@
           <p:txBody>
             <a:bodyPr wrap="square" lIns="0" tIns="0" rIns="0" bIns="0" rtlCol="0"/>
             <a:lstStyle/>
-            <a:p>
-              <a:endParaRPr/>
-            </a:p>
+            <a:p/>
           </p:txBody>
         </p:sp>
         <p:sp>
@@ -2863,9 +4632,7 @@
           <p:txBody>
             <a:bodyPr wrap="square" lIns="0" tIns="0" rIns="0" bIns="0" rtlCol="0"/>
             <a:lstStyle/>
-            <a:p>
-              <a:endParaRPr/>
-            </a:p>
+            <a:p/>
           </p:txBody>
         </p:sp>
       </p:grpSp>
@@ -2903,20 +4670,20 @@
                 <a:solidFill>
                   <a:srgbClr val="40403F"/>
                 </a:solidFill>
-                <a:latin typeface="Verdana"/>
-                <a:cs typeface="Verdana"/>
+                <a:latin typeface="Verdana" panose="020B0604030504040204"/>
+                <a:cs typeface="Verdana" panose="020B0604030504040204"/>
               </a:rPr>
               <a:t>Instantiation</a:t>
             </a:r>
             <a:endParaRPr sz="2000">
-              <a:latin typeface="Verdana"/>
-              <a:cs typeface="Verdana"/>
+              <a:latin typeface="Verdana" panose="020B0604030504040204"/>
+              <a:cs typeface="Verdana" panose="020B0604030504040204"/>
             </a:endParaRPr>
           </a:p>
           <a:p>
             <a:pPr marL="1269365" marR="1270000" algn="ctr">
               <a:lnSpc>
-                <a:spcPct val="285400"/>
+                <a:spcPct val="285000"/>
               </a:lnSpc>
               <a:spcBef>
                 <a:spcPts val="550"/>
@@ -2927,8 +4694,8 @@
                 <a:solidFill>
                   <a:srgbClr val="40403F"/>
                 </a:solidFill>
-                <a:latin typeface="Verdana"/>
-                <a:cs typeface="Verdana"/>
+                <a:latin typeface="Verdana" panose="020B0604030504040204"/>
+                <a:cs typeface="Verdana" panose="020B0604030504040204"/>
               </a:rPr>
               <a:t>Populate</a:t>
             </a:r>
@@ -2937,8 +4704,8 @@
                 <a:solidFill>
                   <a:srgbClr val="40403F"/>
                 </a:solidFill>
-                <a:latin typeface="Verdana"/>
-                <a:cs typeface="Verdana"/>
+                <a:latin typeface="Verdana" panose="020B0604030504040204"/>
+                <a:cs typeface="Verdana" panose="020B0604030504040204"/>
               </a:rPr>
               <a:t> </a:t>
             </a:r>
@@ -2947,8 +4714,8 @@
                 <a:solidFill>
                   <a:srgbClr val="40403F"/>
                 </a:solidFill>
-                <a:latin typeface="Verdana"/>
-                <a:cs typeface="Verdana"/>
+                <a:latin typeface="Verdana" panose="020B0604030504040204"/>
+                <a:cs typeface="Verdana" panose="020B0604030504040204"/>
               </a:rPr>
               <a:t>Properties </a:t>
             </a:r>
@@ -2957,8 +4724,8 @@
                 <a:solidFill>
                   <a:srgbClr val="40403F"/>
                 </a:solidFill>
-                <a:latin typeface="Verdana"/>
-                <a:cs typeface="Verdana"/>
+                <a:latin typeface="Verdana" panose="020B0604030504040204"/>
+                <a:cs typeface="Verdana" panose="020B0604030504040204"/>
               </a:rPr>
               <a:t> </a:t>
             </a:r>
@@ -2967,8 +4734,8 @@
                 <a:solidFill>
                   <a:srgbClr val="40403F"/>
                 </a:solidFill>
-                <a:latin typeface="Verdana"/>
-                <a:cs typeface="Verdana"/>
+                <a:latin typeface="Verdana" panose="020B0604030504040204"/>
+                <a:cs typeface="Verdana" panose="020B0604030504040204"/>
               </a:rPr>
               <a:t>BeanNameAware </a:t>
             </a:r>
@@ -2977,8 +4744,8 @@
                 <a:solidFill>
                   <a:srgbClr val="40403F"/>
                 </a:solidFill>
-                <a:latin typeface="Verdana"/>
-                <a:cs typeface="Verdana"/>
+                <a:latin typeface="Verdana" panose="020B0604030504040204"/>
+                <a:cs typeface="Verdana" panose="020B0604030504040204"/>
               </a:rPr>
               <a:t> </a:t>
             </a:r>
@@ -2987,20 +4754,20 @@
                 <a:solidFill>
                   <a:srgbClr val="40403F"/>
                 </a:solidFill>
-                <a:latin typeface="Verdana"/>
-                <a:cs typeface="Verdana"/>
+                <a:latin typeface="Verdana" panose="020B0604030504040204"/>
+                <a:cs typeface="Verdana" panose="020B0604030504040204"/>
               </a:rPr>
               <a:t>BeanFactoryAware</a:t>
             </a:r>
             <a:endParaRPr sz="2000">
-              <a:latin typeface="Verdana"/>
-              <a:cs typeface="Verdana"/>
+              <a:latin typeface="Verdana" panose="020B0604030504040204"/>
+              <a:cs typeface="Verdana" panose="020B0604030504040204"/>
             </a:endParaRPr>
           </a:p>
           <a:p>
             <a:pPr marL="76200" marR="81915" algn="ctr">
               <a:lnSpc>
-                <a:spcPct val="308300"/>
+                <a:spcPct val="308000"/>
               </a:lnSpc>
             </a:pPr>
             <a:r>
@@ -3008,8 +4775,8 @@
                 <a:solidFill>
                   <a:srgbClr val="40403F"/>
                 </a:solidFill>
-                <a:latin typeface="Verdana"/>
-                <a:cs typeface="Verdana"/>
+                <a:latin typeface="Verdana" panose="020B0604030504040204"/>
+                <a:cs typeface="Verdana" panose="020B0604030504040204"/>
               </a:rPr>
               <a:t>P</a:t>
             </a:r>
@@ -3018,8 +4785,8 @@
                 <a:solidFill>
                   <a:srgbClr val="40403F"/>
                 </a:solidFill>
-                <a:latin typeface="Verdana"/>
-                <a:cs typeface="Verdana"/>
+                <a:latin typeface="Verdana" panose="020B0604030504040204"/>
+                <a:cs typeface="Verdana" panose="020B0604030504040204"/>
               </a:rPr>
               <a:t>r</a:t>
             </a:r>
@@ -3028,8 +4795,8 @@
                 <a:solidFill>
                   <a:srgbClr val="40403F"/>
                 </a:solidFill>
-                <a:latin typeface="Verdana"/>
-                <a:cs typeface="Verdana"/>
+                <a:latin typeface="Verdana" panose="020B0604030504040204"/>
+                <a:cs typeface="Verdana" panose="020B0604030504040204"/>
               </a:rPr>
               <a:t>e</a:t>
             </a:r>
@@ -3038,8 +4805,8 @@
                 <a:solidFill>
                   <a:srgbClr val="40403F"/>
                 </a:solidFill>
-                <a:latin typeface="Verdana"/>
-                <a:cs typeface="Verdana"/>
+                <a:latin typeface="Verdana" panose="020B0604030504040204"/>
+                <a:cs typeface="Verdana" panose="020B0604030504040204"/>
               </a:rPr>
               <a:t> </a:t>
             </a:r>
@@ -3048,8 +4815,8 @@
                 <a:solidFill>
                   <a:srgbClr val="40403F"/>
                 </a:solidFill>
-                <a:latin typeface="Verdana"/>
-                <a:cs typeface="Verdana"/>
+                <a:latin typeface="Verdana" panose="020B0604030504040204"/>
+                <a:cs typeface="Verdana" panose="020B0604030504040204"/>
               </a:rPr>
               <a:t>Initializ</a:t>
             </a:r>
@@ -3058,8 +4825,8 @@
                 <a:solidFill>
                   <a:srgbClr val="40403F"/>
                 </a:solidFill>
-                <a:latin typeface="Verdana"/>
-                <a:cs typeface="Verdana"/>
+                <a:latin typeface="Verdana" panose="020B0604030504040204"/>
+                <a:cs typeface="Verdana" panose="020B0604030504040204"/>
               </a:rPr>
               <a:t>a</a:t>
             </a:r>
@@ -3068,8 +4835,8 @@
                 <a:solidFill>
                   <a:srgbClr val="40403F"/>
                 </a:solidFill>
-                <a:latin typeface="Verdana"/>
-                <a:cs typeface="Verdana"/>
+                <a:latin typeface="Verdana" panose="020B0604030504040204"/>
+                <a:cs typeface="Verdana" panose="020B0604030504040204"/>
               </a:rPr>
               <a:t>tion</a:t>
             </a:r>
@@ -3078,8 +4845,8 @@
                 <a:solidFill>
                   <a:srgbClr val="40403F"/>
                 </a:solidFill>
-                <a:latin typeface="Verdana"/>
-                <a:cs typeface="Verdana"/>
+                <a:latin typeface="Verdana" panose="020B0604030504040204"/>
+                <a:cs typeface="Verdana" panose="020B0604030504040204"/>
               </a:rPr>
               <a:t> </a:t>
             </a:r>
@@ -3088,8 +4855,8 @@
                 <a:solidFill>
                   <a:srgbClr val="40403F"/>
                 </a:solidFill>
-                <a:latin typeface="Verdana"/>
-                <a:cs typeface="Verdana"/>
+                <a:latin typeface="Verdana" panose="020B0604030504040204"/>
+                <a:cs typeface="Verdana" panose="020B0604030504040204"/>
               </a:rPr>
               <a:t>-</a:t>
             </a:r>
@@ -3098,8 +4865,8 @@
                 <a:solidFill>
                   <a:srgbClr val="40403F"/>
                 </a:solidFill>
-                <a:latin typeface="Verdana"/>
-                <a:cs typeface="Verdana"/>
+                <a:latin typeface="Verdana" panose="020B0604030504040204"/>
+                <a:cs typeface="Verdana" panose="020B0604030504040204"/>
               </a:rPr>
               <a:t> </a:t>
             </a:r>
@@ -3108,8 +4875,8 @@
                 <a:solidFill>
                   <a:srgbClr val="40403F"/>
                 </a:solidFill>
-                <a:latin typeface="Verdana"/>
-                <a:cs typeface="Verdana"/>
+                <a:latin typeface="Verdana" panose="020B0604030504040204"/>
+                <a:cs typeface="Verdana" panose="020B0604030504040204"/>
               </a:rPr>
               <a:t>Bean</a:t>
             </a:r>
@@ -3118,8 +4885,8 @@
                 <a:solidFill>
                   <a:srgbClr val="40403F"/>
                 </a:solidFill>
-                <a:latin typeface="Verdana"/>
-                <a:cs typeface="Verdana"/>
+                <a:latin typeface="Verdana" panose="020B0604030504040204"/>
+                <a:cs typeface="Verdana" panose="020B0604030504040204"/>
               </a:rPr>
               <a:t>P</a:t>
             </a:r>
@@ -3128,8 +4895,8 @@
                 <a:solidFill>
                   <a:srgbClr val="40403F"/>
                 </a:solidFill>
-                <a:latin typeface="Verdana"/>
-                <a:cs typeface="Verdana"/>
+                <a:latin typeface="Verdana" panose="020B0604030504040204"/>
+                <a:cs typeface="Verdana" panose="020B0604030504040204"/>
               </a:rPr>
               <a:t>o</a:t>
             </a:r>
@@ -3138,8 +4905,8 @@
                 <a:solidFill>
                   <a:srgbClr val="40403F"/>
                 </a:solidFill>
-                <a:latin typeface="Verdana"/>
-                <a:cs typeface="Verdana"/>
+                <a:latin typeface="Verdana" panose="020B0604030504040204"/>
+                <a:cs typeface="Verdana" panose="020B0604030504040204"/>
               </a:rPr>
               <a:t>s</a:t>
             </a:r>
@@ -3148,8 +4915,8 @@
                 <a:solidFill>
                   <a:srgbClr val="40403F"/>
                 </a:solidFill>
-                <a:latin typeface="Verdana"/>
-                <a:cs typeface="Verdana"/>
+                <a:latin typeface="Verdana" panose="020B0604030504040204"/>
+                <a:cs typeface="Verdana" panose="020B0604030504040204"/>
               </a:rPr>
               <a:t>tP</a:t>
             </a:r>
@@ -3158,8 +4925,8 @@
                 <a:solidFill>
                   <a:srgbClr val="40403F"/>
                 </a:solidFill>
-                <a:latin typeface="Verdana"/>
-                <a:cs typeface="Verdana"/>
+                <a:latin typeface="Verdana" panose="020B0604030504040204"/>
+                <a:cs typeface="Verdana" panose="020B0604030504040204"/>
               </a:rPr>
               <a:t>r</a:t>
             </a:r>
@@ -3168,8 +4935,8 @@
                 <a:solidFill>
                   <a:srgbClr val="40403F"/>
                 </a:solidFill>
-                <a:latin typeface="Verdana"/>
-                <a:cs typeface="Verdana"/>
+                <a:latin typeface="Verdana" panose="020B0604030504040204"/>
+                <a:cs typeface="Verdana" panose="020B0604030504040204"/>
               </a:rPr>
               <a:t>o</a:t>
             </a:r>
@@ -3178,8 +4945,8 @@
                 <a:solidFill>
                   <a:srgbClr val="40403F"/>
                 </a:solidFill>
-                <a:latin typeface="Verdana"/>
-                <a:cs typeface="Verdana"/>
+                <a:latin typeface="Verdana" panose="020B0604030504040204"/>
+                <a:cs typeface="Verdana" panose="020B0604030504040204"/>
               </a:rPr>
               <a:t>c</a:t>
             </a:r>
@@ -3188,8 +4955,8 @@
                 <a:solidFill>
                   <a:srgbClr val="40403F"/>
                 </a:solidFill>
-                <a:latin typeface="Verdana"/>
-                <a:cs typeface="Verdana"/>
+                <a:latin typeface="Verdana" panose="020B0604030504040204"/>
+                <a:cs typeface="Verdana" panose="020B0604030504040204"/>
               </a:rPr>
               <a:t>e</a:t>
             </a:r>
@@ -3198,8 +4965,8 @@
                 <a:solidFill>
                   <a:srgbClr val="40403F"/>
                 </a:solidFill>
-                <a:latin typeface="Verdana"/>
-                <a:cs typeface="Verdana"/>
+                <a:latin typeface="Verdana" panose="020B0604030504040204"/>
+                <a:cs typeface="Verdana" panose="020B0604030504040204"/>
               </a:rPr>
               <a:t>s</a:t>
             </a:r>
@@ -3208,14 +4975,14 @@
                 <a:solidFill>
                   <a:srgbClr val="40403F"/>
                 </a:solidFill>
-                <a:latin typeface="Verdana"/>
-                <a:cs typeface="Verdana"/>
+                <a:latin typeface="Verdana" panose="020B0604030504040204"/>
+                <a:cs typeface="Verdana" panose="020B0604030504040204"/>
               </a:rPr>
               <a:t>sors  InitializeBean</a:t>
             </a:r>
             <a:endParaRPr sz="2000">
-              <a:latin typeface="Verdana"/>
-              <a:cs typeface="Verdana"/>
+              <a:latin typeface="Verdana" panose="020B0604030504040204"/>
+              <a:cs typeface="Verdana" panose="020B0604030504040204"/>
             </a:endParaRPr>
           </a:p>
           <a:p>
@@ -3225,8 +4992,8 @@
               </a:lnSpc>
             </a:pPr>
             <a:endParaRPr sz="2500">
-              <a:latin typeface="Verdana"/>
-              <a:cs typeface="Verdana"/>
+              <a:latin typeface="Verdana" panose="020B0604030504040204"/>
+              <a:cs typeface="Verdana" panose="020B0604030504040204"/>
             </a:endParaRPr>
           </a:p>
           <a:p>
@@ -3243,14 +5010,14 @@
                 <a:solidFill>
                   <a:srgbClr val="40403F"/>
                 </a:solidFill>
-                <a:latin typeface="Verdana"/>
-                <a:cs typeface="Verdana"/>
+                <a:latin typeface="Verdana" panose="020B0604030504040204"/>
+                <a:cs typeface="Verdana" panose="020B0604030504040204"/>
               </a:rPr>
               <a:t>initMethod</a:t>
             </a:r>
             <a:endParaRPr sz="2000">
-              <a:latin typeface="Verdana"/>
-              <a:cs typeface="Verdana"/>
+              <a:latin typeface="Verdana" panose="020B0604030504040204"/>
+              <a:cs typeface="Verdana" panose="020B0604030504040204"/>
             </a:endParaRPr>
           </a:p>
           <a:p>
@@ -3260,8 +5027,8 @@
               </a:lnSpc>
             </a:pPr>
             <a:endParaRPr sz="2500">
-              <a:latin typeface="Verdana"/>
-              <a:cs typeface="Verdana"/>
+              <a:latin typeface="Verdana" panose="020B0604030504040204"/>
+              <a:cs typeface="Verdana" panose="020B0604030504040204"/>
             </a:endParaRPr>
           </a:p>
           <a:p>
@@ -3278,8 +5045,8 @@
                 <a:solidFill>
                   <a:srgbClr val="40403F"/>
                 </a:solidFill>
-                <a:latin typeface="Verdana"/>
-                <a:cs typeface="Verdana"/>
+                <a:latin typeface="Verdana" panose="020B0604030504040204"/>
+                <a:cs typeface="Verdana" panose="020B0604030504040204"/>
               </a:rPr>
               <a:t>P</a:t>
             </a:r>
@@ -3288,8 +5055,8 @@
                 <a:solidFill>
                   <a:srgbClr val="40403F"/>
                 </a:solidFill>
-                <a:latin typeface="Verdana"/>
-                <a:cs typeface="Verdana"/>
+                <a:latin typeface="Verdana" panose="020B0604030504040204"/>
+                <a:cs typeface="Verdana" panose="020B0604030504040204"/>
               </a:rPr>
               <a:t>o</a:t>
             </a:r>
@@ -3298,8 +5065,8 @@
                 <a:solidFill>
                   <a:srgbClr val="40403F"/>
                 </a:solidFill>
-                <a:latin typeface="Verdana"/>
-                <a:cs typeface="Verdana"/>
+                <a:latin typeface="Verdana" panose="020B0604030504040204"/>
+                <a:cs typeface="Verdana" panose="020B0604030504040204"/>
               </a:rPr>
               <a:t>s</a:t>
             </a:r>
@@ -3308,8 +5075,8 @@
                 <a:solidFill>
                   <a:srgbClr val="40403F"/>
                 </a:solidFill>
-                <a:latin typeface="Verdana"/>
-                <a:cs typeface="Verdana"/>
+                <a:latin typeface="Verdana" panose="020B0604030504040204"/>
+                <a:cs typeface="Verdana" panose="020B0604030504040204"/>
               </a:rPr>
               <a:t>t</a:t>
             </a:r>
@@ -3318,8 +5085,8 @@
                 <a:solidFill>
                   <a:srgbClr val="40403F"/>
                 </a:solidFill>
-                <a:latin typeface="Verdana"/>
-                <a:cs typeface="Verdana"/>
+                <a:latin typeface="Verdana" panose="020B0604030504040204"/>
+                <a:cs typeface="Verdana" panose="020B0604030504040204"/>
               </a:rPr>
               <a:t> </a:t>
             </a:r>
@@ -3328,8 +5095,8 @@
                 <a:solidFill>
                   <a:srgbClr val="40403F"/>
                 </a:solidFill>
-                <a:latin typeface="Verdana"/>
-                <a:cs typeface="Verdana"/>
+                <a:latin typeface="Verdana" panose="020B0604030504040204"/>
+                <a:cs typeface="Verdana" panose="020B0604030504040204"/>
               </a:rPr>
               <a:t>Initializ</a:t>
             </a:r>
@@ -3338,8 +5105,8 @@
                 <a:solidFill>
                   <a:srgbClr val="40403F"/>
                 </a:solidFill>
-                <a:latin typeface="Verdana"/>
-                <a:cs typeface="Verdana"/>
+                <a:latin typeface="Verdana" panose="020B0604030504040204"/>
+                <a:cs typeface="Verdana" panose="020B0604030504040204"/>
               </a:rPr>
               <a:t>a</a:t>
             </a:r>
@@ -3348,8 +5115,8 @@
                 <a:solidFill>
                   <a:srgbClr val="40403F"/>
                 </a:solidFill>
-                <a:latin typeface="Verdana"/>
-                <a:cs typeface="Verdana"/>
+                <a:latin typeface="Verdana" panose="020B0604030504040204"/>
+                <a:cs typeface="Verdana" panose="020B0604030504040204"/>
               </a:rPr>
               <a:t>tion</a:t>
             </a:r>
@@ -3358,8 +5125,8 @@
                 <a:solidFill>
                   <a:srgbClr val="40403F"/>
                 </a:solidFill>
-                <a:latin typeface="Verdana"/>
-                <a:cs typeface="Verdana"/>
+                <a:latin typeface="Verdana" panose="020B0604030504040204"/>
+                <a:cs typeface="Verdana" panose="020B0604030504040204"/>
               </a:rPr>
               <a:t> </a:t>
             </a:r>
@@ -3368,8 +5135,8 @@
                 <a:solidFill>
                   <a:srgbClr val="40403F"/>
                 </a:solidFill>
-                <a:latin typeface="Verdana"/>
-                <a:cs typeface="Verdana"/>
+                <a:latin typeface="Verdana" panose="020B0604030504040204"/>
+                <a:cs typeface="Verdana" panose="020B0604030504040204"/>
               </a:rPr>
               <a:t>-</a:t>
             </a:r>
@@ -3378,8 +5145,8 @@
                 <a:solidFill>
                   <a:srgbClr val="40403F"/>
                 </a:solidFill>
-                <a:latin typeface="Verdana"/>
-                <a:cs typeface="Verdana"/>
+                <a:latin typeface="Verdana" panose="020B0604030504040204"/>
+                <a:cs typeface="Verdana" panose="020B0604030504040204"/>
               </a:rPr>
               <a:t> </a:t>
             </a:r>
@@ -3388,8 +5155,8 @@
                 <a:solidFill>
                   <a:srgbClr val="40403F"/>
                 </a:solidFill>
-                <a:latin typeface="Verdana"/>
-                <a:cs typeface="Verdana"/>
+                <a:latin typeface="Verdana" panose="020B0604030504040204"/>
+                <a:cs typeface="Verdana" panose="020B0604030504040204"/>
               </a:rPr>
               <a:t>Bean</a:t>
             </a:r>
@@ -3398,8 +5165,8 @@
                 <a:solidFill>
                   <a:srgbClr val="40403F"/>
                 </a:solidFill>
-                <a:latin typeface="Verdana"/>
-                <a:cs typeface="Verdana"/>
+                <a:latin typeface="Verdana" panose="020B0604030504040204"/>
+                <a:cs typeface="Verdana" panose="020B0604030504040204"/>
               </a:rPr>
               <a:t>P</a:t>
             </a:r>
@@ -3408,8 +5175,8 @@
                 <a:solidFill>
                   <a:srgbClr val="40403F"/>
                 </a:solidFill>
-                <a:latin typeface="Verdana"/>
-                <a:cs typeface="Verdana"/>
+                <a:latin typeface="Verdana" panose="020B0604030504040204"/>
+                <a:cs typeface="Verdana" panose="020B0604030504040204"/>
               </a:rPr>
               <a:t>o</a:t>
             </a:r>
@@ -3418,8 +5185,8 @@
                 <a:solidFill>
                   <a:srgbClr val="40403F"/>
                 </a:solidFill>
-                <a:latin typeface="Verdana"/>
-                <a:cs typeface="Verdana"/>
+                <a:latin typeface="Verdana" panose="020B0604030504040204"/>
+                <a:cs typeface="Verdana" panose="020B0604030504040204"/>
               </a:rPr>
               <a:t>s</a:t>
             </a:r>
@@ -3428,8 +5195,8 @@
                 <a:solidFill>
                   <a:srgbClr val="40403F"/>
                 </a:solidFill>
-                <a:latin typeface="Verdana"/>
-                <a:cs typeface="Verdana"/>
+                <a:latin typeface="Verdana" panose="020B0604030504040204"/>
+                <a:cs typeface="Verdana" panose="020B0604030504040204"/>
               </a:rPr>
               <a:t>tP</a:t>
             </a:r>
@@ -3438,8 +5205,8 @@
                 <a:solidFill>
                   <a:srgbClr val="40403F"/>
                 </a:solidFill>
-                <a:latin typeface="Verdana"/>
-                <a:cs typeface="Verdana"/>
+                <a:latin typeface="Verdana" panose="020B0604030504040204"/>
+                <a:cs typeface="Verdana" panose="020B0604030504040204"/>
               </a:rPr>
               <a:t>r</a:t>
             </a:r>
@@ -3448,8 +5215,8 @@
                 <a:solidFill>
                   <a:srgbClr val="40403F"/>
                 </a:solidFill>
-                <a:latin typeface="Verdana"/>
-                <a:cs typeface="Verdana"/>
+                <a:latin typeface="Verdana" panose="020B0604030504040204"/>
+                <a:cs typeface="Verdana" panose="020B0604030504040204"/>
               </a:rPr>
               <a:t>o</a:t>
             </a:r>
@@ -3458,8 +5225,8 @@
                 <a:solidFill>
                   <a:srgbClr val="40403F"/>
                 </a:solidFill>
-                <a:latin typeface="Verdana"/>
-                <a:cs typeface="Verdana"/>
+                <a:latin typeface="Verdana" panose="020B0604030504040204"/>
+                <a:cs typeface="Verdana" panose="020B0604030504040204"/>
               </a:rPr>
               <a:t>c</a:t>
             </a:r>
@@ -3468,8 +5235,8 @@
                 <a:solidFill>
                   <a:srgbClr val="40403F"/>
                 </a:solidFill>
-                <a:latin typeface="Verdana"/>
-                <a:cs typeface="Verdana"/>
+                <a:latin typeface="Verdana" panose="020B0604030504040204"/>
+                <a:cs typeface="Verdana" panose="020B0604030504040204"/>
               </a:rPr>
               <a:t>e</a:t>
             </a:r>
@@ -3478,8 +5245,8 @@
                 <a:solidFill>
                   <a:srgbClr val="40403F"/>
                 </a:solidFill>
-                <a:latin typeface="Verdana"/>
-                <a:cs typeface="Verdana"/>
+                <a:latin typeface="Verdana" panose="020B0604030504040204"/>
+                <a:cs typeface="Verdana" panose="020B0604030504040204"/>
               </a:rPr>
               <a:t>s</a:t>
             </a:r>
@@ -3488,15 +5255,36 @@
                 <a:solidFill>
                   <a:srgbClr val="40403F"/>
                 </a:solidFill>
-                <a:latin typeface="Verdana"/>
-                <a:cs typeface="Verdana"/>
+                <a:latin typeface="Verdana" panose="020B0604030504040204"/>
+                <a:cs typeface="Verdana" panose="020B0604030504040204"/>
               </a:rPr>
               <a:t>sors</a:t>
             </a:r>
             <a:endParaRPr sz="2000">
-              <a:latin typeface="Verdana"/>
-              <a:cs typeface="Verdana"/>
+              <a:latin typeface="Verdana" panose="020B0604030504040204"/>
+              <a:cs typeface="Verdana" panose="020B0604030504040204"/>
             </a:endParaRPr>
+          </a:p>
+        </p:txBody>
+      </p:sp>
+      <p:sp>
+        <p:nvSpPr>
+          <p:cNvPr id="25" name="Slide Number Placeholder 24"/>
+          <p:cNvSpPr>
+            <a:spLocks noGrp="1"/>
+          </p:cNvSpPr>
+          <p:nvPr>
+            <p:ph type="sldNum" sz="quarter" idx="7"/>
+          </p:nvPr>
+        </p:nvSpPr>
+        <p:spPr/>
+        <p:txBody>
+          <a:bodyPr/>
+          <a:p>
+            <a:fld id="{B6F15528-21DE-4FAA-801E-634DDDAF4B2B}" type="slidenum">
+              <a:rPr/>
+            </a:fld>
+            <a:endParaRPr/>
           </a:p>
         </p:txBody>
       </p:sp>
@@ -3581,6 +5369,7 @@
               <a:rPr spc="-15" dirty="0"/>
               <a:t>oryBean</a:t>
             </a:r>
+            <a:endParaRPr spc="-15" dirty="0"/>
           </a:p>
         </p:txBody>
       </p:sp>
@@ -3610,75 +5399,75 @@
                 <a:spcPts val="2600"/>
               </a:lnSpc>
               <a:spcBef>
-                <a:spcPts val="219"/>
+                <a:spcPts val="220"/>
               </a:spcBef>
             </a:pPr>
             <a:r>
               <a:rPr sz="2200" spc="25" dirty="0">
-                <a:latin typeface="Verdana"/>
-                <a:cs typeface="Verdana"/>
+                <a:latin typeface="Verdana" panose="020B0604030504040204"/>
+                <a:cs typeface="Verdana" panose="020B0604030504040204"/>
               </a:rPr>
               <a:t>Builds </a:t>
             </a:r>
             <a:r>
               <a:rPr sz="2200" spc="40" dirty="0">
-                <a:latin typeface="Verdana"/>
-                <a:cs typeface="Verdana"/>
+                <a:latin typeface="Verdana" panose="020B0604030504040204"/>
+                <a:cs typeface="Verdana" panose="020B0604030504040204"/>
               </a:rPr>
               <a:t>on </a:t>
             </a:r>
             <a:r>
               <a:rPr sz="2200" spc="45" dirty="0">
-                <a:latin typeface="Verdana"/>
-                <a:cs typeface="Verdana"/>
+                <a:latin typeface="Verdana" panose="020B0604030504040204"/>
+                <a:cs typeface="Verdana" panose="020B0604030504040204"/>
               </a:rPr>
               <a:t> </a:t>
             </a:r>
             <a:r>
               <a:rPr sz="2200" spc="35" dirty="0">
-                <a:latin typeface="Verdana"/>
-                <a:cs typeface="Verdana"/>
+                <a:latin typeface="Verdana" panose="020B0604030504040204"/>
+                <a:cs typeface="Verdana" panose="020B0604030504040204"/>
               </a:rPr>
               <a:t>initMethod</a:t>
             </a:r>
             <a:r>
               <a:rPr sz="2200" spc="-114" dirty="0">
-                <a:latin typeface="Verdana"/>
-                <a:cs typeface="Verdana"/>
+                <a:latin typeface="Verdana" panose="020B0604030504040204"/>
+                <a:cs typeface="Verdana" panose="020B0604030504040204"/>
               </a:rPr>
               <a:t> </a:t>
             </a:r>
             <a:r>
               <a:rPr sz="2200" spc="75" dirty="0">
-                <a:latin typeface="Verdana"/>
-                <a:cs typeface="Verdana"/>
+                <a:latin typeface="Verdana" panose="020B0604030504040204"/>
+                <a:cs typeface="Verdana" panose="020B0604030504040204"/>
               </a:rPr>
               <a:t>c</a:t>
             </a:r>
             <a:r>
               <a:rPr sz="2200" spc="65" dirty="0">
-                <a:latin typeface="Verdana"/>
-                <a:cs typeface="Verdana"/>
+                <a:latin typeface="Verdana" panose="020B0604030504040204"/>
+                <a:cs typeface="Verdana" panose="020B0604030504040204"/>
               </a:rPr>
               <a:t>on</a:t>
             </a:r>
             <a:r>
               <a:rPr sz="2200" spc="20" dirty="0">
-                <a:latin typeface="Verdana"/>
-                <a:cs typeface="Verdana"/>
+                <a:latin typeface="Verdana" panose="020B0604030504040204"/>
+                <a:cs typeface="Verdana" panose="020B0604030504040204"/>
               </a:rPr>
               <a:t>c</a:t>
             </a:r>
             <a:r>
               <a:rPr sz="2200" spc="50" dirty="0">
-                <a:latin typeface="Verdana"/>
-                <a:cs typeface="Verdana"/>
+                <a:latin typeface="Verdana" panose="020B0604030504040204"/>
+                <a:cs typeface="Verdana" panose="020B0604030504040204"/>
               </a:rPr>
               <a:t>ept</a:t>
             </a:r>
             <a:endParaRPr sz="2200">
-              <a:latin typeface="Verdana"/>
-              <a:cs typeface="Verdana"/>
+              <a:latin typeface="Verdana" panose="020B0604030504040204"/>
+              <a:cs typeface="Verdana" panose="020B0604030504040204"/>
             </a:endParaRPr>
           </a:p>
         </p:txBody>
@@ -3709,40 +5498,40 @@
                 <a:spcPts val="2600"/>
               </a:lnSpc>
               <a:spcBef>
-                <a:spcPts val="219"/>
+                <a:spcPts val="220"/>
               </a:spcBef>
             </a:pPr>
             <a:r>
               <a:rPr sz="2200" spc="40" dirty="0">
-                <a:latin typeface="Verdana"/>
-                <a:cs typeface="Verdana"/>
+                <a:latin typeface="Verdana" panose="020B0604030504040204"/>
+                <a:cs typeface="Verdana" panose="020B0604030504040204"/>
               </a:rPr>
               <a:t>Factory </a:t>
             </a:r>
             <a:r>
               <a:rPr sz="2200" spc="45" dirty="0">
-                <a:latin typeface="Verdana"/>
-                <a:cs typeface="Verdana"/>
+                <a:latin typeface="Verdana" panose="020B0604030504040204"/>
+                <a:cs typeface="Verdana" panose="020B0604030504040204"/>
               </a:rPr>
               <a:t> Method</a:t>
             </a:r>
             <a:r>
               <a:rPr sz="2200" spc="-160" dirty="0">
-                <a:latin typeface="Verdana"/>
-                <a:cs typeface="Verdana"/>
+                <a:latin typeface="Verdana" panose="020B0604030504040204"/>
+                <a:cs typeface="Verdana" panose="020B0604030504040204"/>
               </a:rPr>
               <a:t> </a:t>
             </a:r>
             <a:r>
               <a:rPr sz="2200" spc="5" dirty="0">
-                <a:latin typeface="Verdana"/>
-                <a:cs typeface="Verdana"/>
+                <a:latin typeface="Verdana" panose="020B0604030504040204"/>
+                <a:cs typeface="Verdana" panose="020B0604030504040204"/>
               </a:rPr>
               <a:t>Pattern</a:t>
             </a:r>
             <a:endParaRPr sz="2200">
-              <a:latin typeface="Verdana"/>
-              <a:cs typeface="Verdana"/>
+              <a:latin typeface="Verdana" panose="020B0604030504040204"/>
+              <a:cs typeface="Verdana" panose="020B0604030504040204"/>
             </a:endParaRPr>
           </a:p>
         </p:txBody>
@@ -3754,7 +5543,7 @@
           <p:nvPr/>
         </p:nvPicPr>
         <p:blipFill>
-          <a:blip r:embed="rId2" cstate="print"/>
+          <a:blip r:embed="rId1" cstate="print"/>
           <a:stretch>
             <a:fillRect/>
           </a:stretch>
@@ -3800,28 +5589,28 @@
             </a:pPr>
             <a:r>
               <a:rPr sz="2200" spc="50" dirty="0">
-                <a:latin typeface="Verdana"/>
-                <a:cs typeface="Verdana"/>
+                <a:latin typeface="Verdana" panose="020B0604030504040204"/>
+                <a:cs typeface="Verdana" panose="020B0604030504040204"/>
               </a:rPr>
               <a:t>Legacy</a:t>
             </a:r>
             <a:r>
               <a:rPr sz="2200" spc="-185" dirty="0">
-                <a:latin typeface="Verdana"/>
-                <a:cs typeface="Verdana"/>
+                <a:latin typeface="Verdana" panose="020B0604030504040204"/>
+                <a:cs typeface="Verdana" panose="020B0604030504040204"/>
               </a:rPr>
               <a:t> </a:t>
             </a:r>
             <a:r>
               <a:rPr sz="2200" spc="70" dirty="0">
-                <a:latin typeface="Verdana"/>
-                <a:cs typeface="Verdana"/>
+                <a:latin typeface="Verdana" panose="020B0604030504040204"/>
+                <a:cs typeface="Verdana" panose="020B0604030504040204"/>
               </a:rPr>
               <a:t>Code</a:t>
             </a:r>
             <a:endParaRPr sz="2200">
-              <a:latin typeface="Verdana"/>
-              <a:cs typeface="Verdana"/>
+              <a:latin typeface="Verdana" panose="020B0604030504040204"/>
+              <a:cs typeface="Verdana" panose="020B0604030504040204"/>
             </a:endParaRPr>
           </a:p>
         </p:txBody>
@@ -3857,42 +5646,42 @@
             </a:pPr>
             <a:r>
               <a:rPr sz="2200" spc="25" dirty="0">
-                <a:latin typeface="Verdana"/>
-                <a:cs typeface="Verdana"/>
+                <a:latin typeface="Verdana" panose="020B0604030504040204"/>
+                <a:cs typeface="Verdana" panose="020B0604030504040204"/>
               </a:rPr>
               <a:t>Contract</a:t>
             </a:r>
             <a:r>
               <a:rPr sz="2200" spc="-175" dirty="0">
-                <a:latin typeface="Verdana"/>
-                <a:cs typeface="Verdana"/>
+                <a:latin typeface="Verdana" panose="020B0604030504040204"/>
+                <a:cs typeface="Verdana" panose="020B0604030504040204"/>
               </a:rPr>
               <a:t> </a:t>
             </a:r>
             <a:r>
               <a:rPr sz="2200" spc="30" dirty="0">
-                <a:latin typeface="Verdana"/>
-                <a:cs typeface="Verdana"/>
+                <a:latin typeface="Verdana" panose="020B0604030504040204"/>
+                <a:cs typeface="Verdana" panose="020B0604030504040204"/>
               </a:rPr>
               <a:t>without </a:t>
             </a:r>
             <a:r>
               <a:rPr sz="2200" spc="-755" dirty="0">
-                <a:latin typeface="Verdana"/>
-                <a:cs typeface="Verdana"/>
+                <a:latin typeface="Verdana" panose="020B0604030504040204"/>
+                <a:cs typeface="Verdana" panose="020B0604030504040204"/>
               </a:rPr>
               <a:t> </a:t>
             </a:r>
             <a:r>
               <a:rPr sz="2200" spc="20" dirty="0">
-                <a:latin typeface="Verdana"/>
-                <a:cs typeface="Verdana"/>
+                <a:latin typeface="Verdana" panose="020B0604030504040204"/>
+                <a:cs typeface="Verdana" panose="020B0604030504040204"/>
               </a:rPr>
               <a:t>Constructor</a:t>
             </a:r>
             <a:endParaRPr sz="2200">
-              <a:latin typeface="Verdana"/>
-              <a:cs typeface="Verdana"/>
+              <a:latin typeface="Verdana" panose="020B0604030504040204"/>
+              <a:cs typeface="Verdana" panose="020B0604030504040204"/>
             </a:endParaRPr>
           </a:p>
         </p:txBody>
@@ -3928,28 +5717,28 @@
             </a:pPr>
             <a:r>
               <a:rPr sz="2200" spc="5" dirty="0">
-                <a:latin typeface="Verdana"/>
-                <a:cs typeface="Verdana"/>
+                <a:latin typeface="Verdana" panose="020B0604030504040204"/>
+                <a:cs typeface="Verdana" panose="020B0604030504040204"/>
               </a:rPr>
               <a:t>Static</a:t>
             </a:r>
             <a:r>
               <a:rPr sz="2200" spc="-185" dirty="0">
-                <a:latin typeface="Verdana"/>
-                <a:cs typeface="Verdana"/>
+                <a:latin typeface="Verdana" panose="020B0604030504040204"/>
+                <a:cs typeface="Verdana" panose="020B0604030504040204"/>
               </a:rPr>
               <a:t> </a:t>
             </a:r>
             <a:r>
               <a:rPr sz="2200" spc="35" dirty="0">
-                <a:latin typeface="Verdana"/>
-                <a:cs typeface="Verdana"/>
+                <a:latin typeface="Verdana" panose="020B0604030504040204"/>
+                <a:cs typeface="Verdana" panose="020B0604030504040204"/>
               </a:rPr>
               <a:t>Methods</a:t>
             </a:r>
             <a:endParaRPr sz="2200">
-              <a:latin typeface="Verdana"/>
-              <a:cs typeface="Verdana"/>
+              <a:latin typeface="Verdana" panose="020B0604030504040204"/>
+              <a:cs typeface="Verdana" panose="020B0604030504040204"/>
             </a:endParaRPr>
           </a:p>
         </p:txBody>
@@ -3961,7 +5750,7 @@
           <p:nvPr/>
         </p:nvPicPr>
         <p:blipFill>
-          <a:blip r:embed="rId3" cstate="print"/>
+          <a:blip r:embed="rId2" cstate="print"/>
           <a:stretch>
             <a:fillRect/>
           </a:stretch>
@@ -3983,7 +5772,7 @@
           <p:nvPr/>
         </p:nvPicPr>
         <p:blipFill>
-          <a:blip r:embed="rId4" cstate="print"/>
+          <a:blip r:embed="rId3" cstate="print"/>
           <a:stretch>
             <a:fillRect/>
           </a:stretch>
@@ -4005,7 +5794,7 @@
           <p:nvPr/>
         </p:nvPicPr>
         <p:blipFill>
-          <a:blip r:embed="rId5" cstate="print"/>
+          <a:blip r:embed="rId4" cstate="print"/>
           <a:stretch>
             <a:fillRect/>
           </a:stretch>
@@ -4027,7 +5816,7 @@
           <p:nvPr/>
         </p:nvPicPr>
         <p:blipFill>
-          <a:blip r:embed="rId6" cstate="print"/>
+          <a:blip r:embed="rId5" cstate="print"/>
           <a:stretch>
             <a:fillRect/>
           </a:stretch>
@@ -4042,6 +5831,27 @@
           </a:prstGeom>
         </p:spPr>
       </p:pic>
+      <p:sp>
+        <p:nvSpPr>
+          <p:cNvPr id="13" name="Slide Number Placeholder 12"/>
+          <p:cNvSpPr>
+            <a:spLocks noGrp="1"/>
+          </p:cNvSpPr>
+          <p:nvPr>
+            <p:ph type="sldNum" sz="quarter" idx="7"/>
+          </p:nvPr>
+        </p:nvSpPr>
+        <p:spPr/>
+        <p:txBody>
+          <a:bodyPr/>
+          <a:p>
+            <a:fld id="{B6F15528-21DE-4FAA-801E-634DDDAF4B2B}" type="slidenum">
+              <a:rPr/>
+            </a:fld>
+            <a:endParaRPr/>
+          </a:p>
+        </p:txBody>
+      </p:sp>
     </p:spTree>
   </p:cSld>
   <p:clrMapOvr>
@@ -4119,9 +5929,7 @@
         <p:txBody>
           <a:bodyPr wrap="square" lIns="0" tIns="0" rIns="0" bIns="0" rtlCol="0"/>
           <a:lstStyle/>
-          <a:p>
-            <a:endParaRPr/>
-          </a:p>
+          <a:p/>
         </p:txBody>
       </p:sp>
       <p:sp>
@@ -4162,8 +5970,8 @@
                 <a:solidFill>
                   <a:srgbClr val="F15B2A"/>
                 </a:solidFill>
-                <a:latin typeface="Courier New"/>
-                <a:cs typeface="Courier New"/>
+                <a:latin typeface="Courier New" panose="02070309020205020404"/>
+                <a:cs typeface="Courier New" panose="02070309020205020404"/>
               </a:rPr>
               <a:t>@Value</a:t>
             </a:r>
@@ -4172,8 +5980,8 @@
                 <a:solidFill>
                   <a:srgbClr val="FFFFFF"/>
                 </a:solidFill>
-                <a:latin typeface="Courier New"/>
-                <a:cs typeface="Courier New"/>
+                <a:latin typeface="Courier New" panose="02070309020205020404"/>
+                <a:cs typeface="Courier New" panose="02070309020205020404"/>
               </a:rPr>
               <a:t>(</a:t>
             </a:r>
@@ -4182,8 +5990,8 @@
                 <a:solidFill>
                   <a:srgbClr val="9BC850"/>
                 </a:solidFill>
-                <a:latin typeface="Courier New"/>
-                <a:cs typeface="Courier New"/>
+                <a:latin typeface="Courier New" panose="02070309020205020404"/>
+                <a:cs typeface="Courier New" panose="02070309020205020404"/>
               </a:rPr>
               <a:t>"#{ T(java.lang.Math).random() </a:t>
             </a:r>
@@ -4192,8 +6000,8 @@
                 <a:solidFill>
                   <a:srgbClr val="9BC850"/>
                 </a:solidFill>
-                <a:latin typeface="Courier New"/>
-                <a:cs typeface="Courier New"/>
+                <a:latin typeface="Courier New" panose="02070309020205020404"/>
+                <a:cs typeface="Courier New" panose="02070309020205020404"/>
               </a:rPr>
               <a:t>* </a:t>
             </a:r>
@@ -4202,8 +6010,8 @@
                 <a:solidFill>
                   <a:srgbClr val="9BC850"/>
                 </a:solidFill>
-                <a:latin typeface="Courier New"/>
-                <a:cs typeface="Courier New"/>
+                <a:latin typeface="Courier New" panose="02070309020205020404"/>
+                <a:cs typeface="Courier New" panose="02070309020205020404"/>
               </a:rPr>
               <a:t>100.0 </a:t>
             </a:r>
@@ -4212,8 +6020,8 @@
                 <a:solidFill>
                   <a:srgbClr val="9BC850"/>
                 </a:solidFill>
-                <a:latin typeface="Courier New"/>
-                <a:cs typeface="Courier New"/>
+                <a:latin typeface="Courier New" panose="02070309020205020404"/>
+                <a:cs typeface="Courier New" panose="02070309020205020404"/>
               </a:rPr>
               <a:t>}"</a:t>
             </a:r>
@@ -4222,8 +6030,8 @@
                 <a:solidFill>
                   <a:srgbClr val="FFFFFF"/>
                 </a:solidFill>
-                <a:latin typeface="Courier New"/>
-                <a:cs typeface="Courier New"/>
+                <a:latin typeface="Courier New" panose="02070309020205020404"/>
+                <a:cs typeface="Courier New" panose="02070309020205020404"/>
               </a:rPr>
               <a:t>) </a:t>
             </a:r>
@@ -4232,8 +6040,8 @@
                 <a:solidFill>
                   <a:srgbClr val="FFFFFF"/>
                 </a:solidFill>
-                <a:latin typeface="Courier New"/>
-                <a:cs typeface="Courier New"/>
+                <a:latin typeface="Courier New" panose="02070309020205020404"/>
+                <a:cs typeface="Courier New" panose="02070309020205020404"/>
               </a:rPr>
               <a:t> </a:t>
             </a:r>
@@ -4242,8 +6050,8 @@
                 <a:solidFill>
                   <a:srgbClr val="2A9FBC"/>
                 </a:solidFill>
-                <a:latin typeface="Courier New"/>
-                <a:cs typeface="Courier New"/>
+                <a:latin typeface="Courier New" panose="02070309020205020404"/>
+                <a:cs typeface="Courier New" panose="02070309020205020404"/>
               </a:rPr>
               <a:t>private</a:t>
             </a:r>
@@ -4252,8 +6060,8 @@
                 <a:solidFill>
                   <a:srgbClr val="2A9FBC"/>
                 </a:solidFill>
-                <a:latin typeface="Courier New"/>
-                <a:cs typeface="Courier New"/>
+                <a:latin typeface="Courier New" panose="02070309020205020404"/>
+                <a:cs typeface="Courier New" panose="02070309020205020404"/>
               </a:rPr>
               <a:t> </a:t>
             </a:r>
@@ -4262,8 +6070,8 @@
                 <a:solidFill>
                   <a:srgbClr val="2A9FBC"/>
                 </a:solidFill>
-                <a:latin typeface="Courier New"/>
-                <a:cs typeface="Courier New"/>
+                <a:latin typeface="Courier New" panose="02070309020205020404"/>
+                <a:cs typeface="Courier New" panose="02070309020205020404"/>
               </a:rPr>
               <a:t>double</a:t>
             </a:r>
@@ -4272,8 +6080,8 @@
                 <a:solidFill>
                   <a:srgbClr val="2A9FBC"/>
                 </a:solidFill>
-                <a:latin typeface="Courier New"/>
-                <a:cs typeface="Courier New"/>
+                <a:latin typeface="Courier New" panose="02070309020205020404"/>
+                <a:cs typeface="Courier New" panose="02070309020205020404"/>
               </a:rPr>
               <a:t> </a:t>
             </a:r>
@@ -4282,8 +6090,8 @@
                 <a:solidFill>
                   <a:srgbClr val="B85D82"/>
                 </a:solidFill>
-                <a:latin typeface="Courier New"/>
-                <a:cs typeface="Courier New"/>
+                <a:latin typeface="Courier New" panose="02070309020205020404"/>
+                <a:cs typeface="Courier New" panose="02070309020205020404"/>
               </a:rPr>
               <a:t>seedNum</a:t>
             </a:r>
@@ -4292,14 +6100,14 @@
                 <a:solidFill>
                   <a:srgbClr val="FFFFFF"/>
                 </a:solidFill>
-                <a:latin typeface="Courier New"/>
-                <a:cs typeface="Courier New"/>
+                <a:latin typeface="Courier New" panose="02070309020205020404"/>
+                <a:cs typeface="Courier New" panose="02070309020205020404"/>
               </a:rPr>
               <a:t>;</a:t>
             </a:r>
             <a:endParaRPr sz="3200">
-              <a:latin typeface="Courier New"/>
-              <a:cs typeface="Courier New"/>
+              <a:latin typeface="Courier New" panose="02070309020205020404"/>
+              <a:cs typeface="Courier New" panose="02070309020205020404"/>
             </a:endParaRPr>
           </a:p>
         </p:txBody>
@@ -4338,20 +6146,20 @@
                 <a:solidFill>
                   <a:srgbClr val="404040"/>
                 </a:solidFill>
-                <a:latin typeface="Verdana"/>
-                <a:cs typeface="Verdana"/>
+                <a:latin typeface="Verdana" panose="020B0604030504040204"/>
+                <a:cs typeface="Verdana" panose="020B0604030504040204"/>
               </a:rPr>
               <a:t>SpEL</a:t>
             </a:r>
             <a:endParaRPr sz="4800">
-              <a:latin typeface="Verdana"/>
-              <a:cs typeface="Verdana"/>
+              <a:latin typeface="Verdana" panose="020B0604030504040204"/>
+              <a:cs typeface="Verdana" panose="020B0604030504040204"/>
             </a:endParaRPr>
           </a:p>
           <a:p>
             <a:pPr marL="50800" marR="5080">
               <a:lnSpc>
-                <a:spcPct val="176300"/>
+                <a:spcPct val="176000"/>
               </a:lnSpc>
               <a:spcBef>
                 <a:spcPts val="560"/>
@@ -4359,85 +6167,106 @@
             </a:pPr>
             <a:r>
               <a:rPr sz="2600" spc="10" dirty="0">
-                <a:latin typeface="Verdana"/>
-                <a:cs typeface="Verdana"/>
+                <a:latin typeface="Verdana" panose="020B0604030504040204"/>
+                <a:cs typeface="Verdana" panose="020B0604030504040204"/>
               </a:rPr>
               <a:t>Manipulate</a:t>
             </a:r>
             <a:r>
               <a:rPr sz="2600" spc="-165" dirty="0">
-                <a:latin typeface="Verdana"/>
-                <a:cs typeface="Verdana"/>
+                <a:latin typeface="Verdana" panose="020B0604030504040204"/>
+                <a:cs typeface="Verdana" panose="020B0604030504040204"/>
               </a:rPr>
               <a:t> </a:t>
             </a:r>
             <a:r>
               <a:rPr sz="2600" spc="50" dirty="0">
-                <a:latin typeface="Verdana"/>
-                <a:cs typeface="Verdana"/>
+                <a:latin typeface="Verdana" panose="020B0604030504040204"/>
+                <a:cs typeface="Verdana" panose="020B0604030504040204"/>
               </a:rPr>
               <a:t>Object</a:t>
             </a:r>
             <a:r>
               <a:rPr sz="2600" spc="-160" dirty="0">
-                <a:latin typeface="Verdana"/>
-                <a:cs typeface="Verdana"/>
+                <a:latin typeface="Verdana" panose="020B0604030504040204"/>
+                <a:cs typeface="Verdana" panose="020B0604030504040204"/>
               </a:rPr>
               <a:t> </a:t>
             </a:r>
             <a:r>
               <a:rPr sz="2600" spc="-5" dirty="0">
-                <a:latin typeface="Verdana"/>
-                <a:cs typeface="Verdana"/>
+                <a:latin typeface="Verdana" panose="020B0604030504040204"/>
+                <a:cs typeface="Verdana" panose="020B0604030504040204"/>
               </a:rPr>
               <a:t>Graph </a:t>
             </a:r>
             <a:r>
               <a:rPr sz="2600" spc="-900" dirty="0">
-                <a:latin typeface="Verdana"/>
-                <a:cs typeface="Verdana"/>
+                <a:latin typeface="Verdana" panose="020B0604030504040204"/>
+                <a:cs typeface="Verdana" panose="020B0604030504040204"/>
               </a:rPr>
               <a:t> </a:t>
             </a:r>
             <a:r>
               <a:rPr sz="2600" spc="-10" dirty="0">
-                <a:latin typeface="Verdana"/>
-                <a:cs typeface="Verdana"/>
+                <a:latin typeface="Verdana" panose="020B0604030504040204"/>
+                <a:cs typeface="Verdana" panose="020B0604030504040204"/>
               </a:rPr>
               <a:t>Evaluate </a:t>
             </a:r>
             <a:r>
               <a:rPr sz="2600" spc="-5" dirty="0">
-                <a:latin typeface="Verdana"/>
-                <a:cs typeface="Verdana"/>
+                <a:latin typeface="Verdana" panose="020B0604030504040204"/>
+                <a:cs typeface="Verdana" panose="020B0604030504040204"/>
               </a:rPr>
               <a:t>at </a:t>
             </a:r>
             <a:r>
               <a:rPr sz="2600" spc="5" dirty="0">
-                <a:latin typeface="Verdana"/>
-                <a:cs typeface="Verdana"/>
+                <a:latin typeface="Verdana" panose="020B0604030504040204"/>
+                <a:cs typeface="Verdana" panose="020B0604030504040204"/>
               </a:rPr>
               <a:t>Runtime </a:t>
             </a:r>
             <a:r>
               <a:rPr sz="2600" spc="10" dirty="0">
-                <a:latin typeface="Verdana"/>
-                <a:cs typeface="Verdana"/>
+                <a:latin typeface="Verdana" panose="020B0604030504040204"/>
+                <a:cs typeface="Verdana" panose="020B0604030504040204"/>
               </a:rPr>
               <a:t> </a:t>
             </a:r>
             <a:r>
               <a:rPr sz="2600" spc="25" dirty="0">
-                <a:latin typeface="Verdana"/>
-                <a:cs typeface="Verdana"/>
+                <a:latin typeface="Verdana" panose="020B0604030504040204"/>
+                <a:cs typeface="Verdana" panose="020B0604030504040204"/>
               </a:rPr>
               <a:t>Configuration</a:t>
             </a:r>
             <a:endParaRPr sz="2600">
-              <a:latin typeface="Verdana"/>
-              <a:cs typeface="Verdana"/>
+              <a:latin typeface="Verdana" panose="020B0604030504040204"/>
+              <a:cs typeface="Verdana" panose="020B0604030504040204"/>
             </a:endParaRPr>
+          </a:p>
+        </p:txBody>
+      </p:sp>
+      <p:sp>
+        <p:nvSpPr>
+          <p:cNvPr id="5" name="Slide Number Placeholder 4"/>
+          <p:cNvSpPr>
+            <a:spLocks noGrp="1"/>
+          </p:cNvSpPr>
+          <p:nvPr>
+            <p:ph type="sldNum" sz="quarter" idx="7"/>
+          </p:nvPr>
+        </p:nvSpPr>
+        <p:spPr/>
+        <p:txBody>
+          <a:bodyPr/>
+          <a:p>
+            <a:fld id="{B6F15528-21DE-4FAA-801E-634DDDAF4B2B}" type="slidenum">
+              <a:rPr/>
+            </a:fld>
+            <a:endParaRPr/>
           </a:p>
         </p:txBody>
       </p:sp>
@@ -4518,9 +6347,7 @@
         <p:txBody>
           <a:bodyPr wrap="square" lIns="0" tIns="0" rIns="0" bIns="0" rtlCol="0"/>
           <a:lstStyle/>
-          <a:p>
-            <a:endParaRPr/>
-          </a:p>
+          <a:p/>
         </p:txBody>
       </p:sp>
       <p:sp>
@@ -4572,6 +6399,7 @@
               <a:rPr spc="-50" dirty="0"/>
               <a:t>Proxies</a:t>
             </a:r>
+            <a:endParaRPr spc="-50" dirty="0"/>
           </a:p>
         </p:txBody>
       </p:sp>
@@ -4598,7 +6426,7 @@
           <a:p>
             <a:pPr marL="12700" marR="5080">
               <a:lnSpc>
-                <a:spcPct val="109200"/>
+                <a:spcPct val="109000"/>
               </a:lnSpc>
               <a:spcBef>
                 <a:spcPts val="100"/>
@@ -4610,50 +6438,50 @@
             </a:pPr>
             <a:r>
               <a:rPr sz="2900" spc="-5" dirty="0">
-                <a:latin typeface="Courier New"/>
-                <a:cs typeface="Courier New"/>
+                <a:latin typeface="Courier New" panose="02070309020205020404"/>
+                <a:cs typeface="Courier New" panose="02070309020205020404"/>
               </a:rPr>
               <a:t>ProxyFactor</a:t>
             </a:r>
             <a:r>
               <a:rPr sz="2900" dirty="0">
-                <a:latin typeface="Courier New"/>
-                <a:cs typeface="Courier New"/>
+                <a:latin typeface="Courier New" panose="02070309020205020404"/>
+                <a:cs typeface="Courier New" panose="02070309020205020404"/>
               </a:rPr>
               <a:t>y</a:t>
             </a:r>
             <a:r>
               <a:rPr sz="2900" spc="-5" dirty="0">
-                <a:latin typeface="Courier New"/>
-                <a:cs typeface="Courier New"/>
+                <a:latin typeface="Courier New" panose="02070309020205020404"/>
+                <a:cs typeface="Courier New" panose="02070309020205020404"/>
               </a:rPr>
               <a:t> factor</a:t>
             </a:r>
             <a:r>
               <a:rPr sz="2900" dirty="0">
-                <a:latin typeface="Courier New"/>
-                <a:cs typeface="Courier New"/>
+                <a:latin typeface="Courier New" panose="02070309020205020404"/>
+                <a:cs typeface="Courier New" panose="02070309020205020404"/>
               </a:rPr>
               <a:t>y</a:t>
             </a:r>
             <a:r>
               <a:rPr sz="2900" spc="-5" dirty="0">
-                <a:latin typeface="Courier New"/>
-                <a:cs typeface="Courier New"/>
+                <a:latin typeface="Courier New" panose="02070309020205020404"/>
+                <a:cs typeface="Courier New" panose="02070309020205020404"/>
               </a:rPr>
               <a:t> </a:t>
             </a:r>
             <a:r>
               <a:rPr sz="2900" dirty="0">
-                <a:latin typeface="Courier New"/>
-                <a:cs typeface="Courier New"/>
+                <a:latin typeface="Courier New" panose="02070309020205020404"/>
+                <a:cs typeface="Courier New" panose="02070309020205020404"/>
               </a:rPr>
               <a:t>=</a:t>
             </a:r>
             <a:r>
               <a:rPr sz="2900" spc="5" dirty="0">
-                <a:latin typeface="Courier New"/>
-                <a:cs typeface="Courier New"/>
+                <a:latin typeface="Courier New" panose="02070309020205020404"/>
+                <a:cs typeface="Courier New" panose="02070309020205020404"/>
               </a:rPr>
               <a:t> </a:t>
             </a:r>
@@ -4662,22 +6490,22 @@
                 <a:solidFill>
                   <a:srgbClr val="A62E5C"/>
                 </a:solidFill>
-                <a:latin typeface="Courier New"/>
-                <a:cs typeface="Courier New"/>
+                <a:latin typeface="Courier New" panose="02070309020205020404"/>
+                <a:cs typeface="Courier New" panose="02070309020205020404"/>
               </a:rPr>
               <a:t>new	</a:t>
             </a:r>
             <a:r>
               <a:rPr sz="2900" dirty="0">
-                <a:latin typeface="Courier New"/>
-                <a:cs typeface="Courier New"/>
+                <a:latin typeface="Courier New" panose="02070309020205020404"/>
+                <a:cs typeface="Courier New" panose="02070309020205020404"/>
               </a:rPr>
               <a:t>ProxyFactory</a:t>
             </a:r>
             <a:r>
               <a:rPr sz="2900" spc="-5" dirty="0">
-                <a:latin typeface="Courier New"/>
-                <a:cs typeface="Courier New"/>
+                <a:latin typeface="Courier New" panose="02070309020205020404"/>
+                <a:cs typeface="Courier New" panose="02070309020205020404"/>
               </a:rPr>
               <a:t>(</a:t>
             </a:r>
@@ -4686,15 +6514,15 @@
                 <a:solidFill>
                   <a:srgbClr val="A62E5C"/>
                 </a:solidFill>
-                <a:latin typeface="Courier New"/>
-                <a:cs typeface="Courier New"/>
+                <a:latin typeface="Courier New" panose="02070309020205020404"/>
+                <a:cs typeface="Courier New" panose="02070309020205020404"/>
               </a:rPr>
               <a:t>new	</a:t>
             </a:r>
             <a:r>
               <a:rPr sz="2900" spc="-5" dirty="0">
-                <a:latin typeface="Courier New"/>
-                <a:cs typeface="Courier New"/>
+                <a:latin typeface="Courier New" panose="02070309020205020404"/>
+                <a:cs typeface="Courier New" panose="02070309020205020404"/>
               </a:rPr>
               <a:t>SimplePojo());  factory.adddInterface(Pojo.</a:t>
             </a:r>
@@ -4703,27 +6531,27 @@
                 <a:solidFill>
                   <a:srgbClr val="A62E5C"/>
                 </a:solidFill>
-                <a:latin typeface="Courier New"/>
-                <a:cs typeface="Courier New"/>
+                <a:latin typeface="Courier New" panose="02070309020205020404"/>
+                <a:cs typeface="Courier New" panose="02070309020205020404"/>
               </a:rPr>
               <a:t>class</a:t>
             </a:r>
             <a:r>
               <a:rPr sz="2900" spc="-5" dirty="0">
-                <a:latin typeface="Courier New"/>
-                <a:cs typeface="Courier New"/>
+                <a:latin typeface="Courier New" panose="02070309020205020404"/>
+                <a:cs typeface="Courier New" panose="02070309020205020404"/>
               </a:rPr>
               <a:t>);</a:t>
             </a:r>
             <a:endParaRPr sz="2900">
-              <a:latin typeface="Courier New"/>
-              <a:cs typeface="Courier New"/>
+              <a:latin typeface="Courier New" panose="02070309020205020404"/>
+              <a:cs typeface="Courier New" panose="02070309020205020404"/>
             </a:endParaRPr>
           </a:p>
           <a:p>
             <a:pPr marL="12700" marR="4646295">
               <a:lnSpc>
-                <a:spcPct val="109200"/>
+                <a:spcPct val="109000"/>
               </a:lnSpc>
               <a:tabLst>
                 <a:tab pos="4874895" algn="l"/>
@@ -4731,15 +6559,15 @@
             </a:pPr>
             <a:r>
               <a:rPr sz="2900" dirty="0">
-                <a:latin typeface="Courier New"/>
-                <a:cs typeface="Courier New"/>
+                <a:latin typeface="Courier New" panose="02070309020205020404"/>
+                <a:cs typeface="Courier New" panose="02070309020205020404"/>
               </a:rPr>
               <a:t>factory.addAdvice</a:t>
             </a:r>
             <a:r>
               <a:rPr sz="2900" spc="-25" dirty="0">
-                <a:latin typeface="Courier New"/>
-                <a:cs typeface="Courier New"/>
+                <a:latin typeface="Courier New" panose="02070309020205020404"/>
+                <a:cs typeface="Courier New" panose="02070309020205020404"/>
               </a:rPr>
               <a:t>(</a:t>
             </a:r>
@@ -4748,28 +6576,28 @@
                 <a:solidFill>
                   <a:srgbClr val="A62E5C"/>
                 </a:solidFill>
-                <a:latin typeface="Courier New"/>
-                <a:cs typeface="Courier New"/>
+                <a:latin typeface="Courier New" panose="02070309020205020404"/>
+                <a:cs typeface="Courier New" panose="02070309020205020404"/>
               </a:rPr>
               <a:t>new	</a:t>
             </a:r>
             <a:r>
               <a:rPr sz="2900" spc="-5" dirty="0">
-                <a:latin typeface="Courier New"/>
-                <a:cs typeface="Courier New"/>
+                <a:latin typeface="Courier New" panose="02070309020205020404"/>
+                <a:cs typeface="Courier New" panose="02070309020205020404"/>
               </a:rPr>
               <a:t>RetryAdvice());  </a:t>
             </a:r>
             <a:r>
               <a:rPr sz="2900" dirty="0">
-                <a:latin typeface="Courier New"/>
-                <a:cs typeface="Courier New"/>
+                <a:latin typeface="Courier New" panose="02070309020205020404"/>
+                <a:cs typeface="Courier New" panose="02070309020205020404"/>
               </a:rPr>
               <a:t>factory.setExposeProxy(true);</a:t>
             </a:r>
             <a:endParaRPr sz="2900">
-              <a:latin typeface="Courier New"/>
-              <a:cs typeface="Courier New"/>
+              <a:latin typeface="Courier New" panose="02070309020205020404"/>
+              <a:cs typeface="Courier New" panose="02070309020205020404"/>
             </a:endParaRPr>
           </a:p>
           <a:p>
@@ -4782,8 +6610,8 @@
               </a:spcBef>
             </a:pPr>
             <a:endParaRPr sz="3600">
-              <a:latin typeface="Courier New"/>
-              <a:cs typeface="Courier New"/>
+              <a:latin typeface="Courier New" panose="02070309020205020404"/>
+              <a:cs typeface="Courier New" panose="02070309020205020404"/>
             </a:endParaRPr>
           </a:p>
           <a:p>
@@ -4794,70 +6622,70 @@
             </a:pPr>
             <a:r>
               <a:rPr sz="2900" spc="-5" dirty="0">
-                <a:latin typeface="Courier New"/>
-                <a:cs typeface="Courier New"/>
+                <a:latin typeface="Courier New" panose="02070309020205020404"/>
+                <a:cs typeface="Courier New" panose="02070309020205020404"/>
               </a:rPr>
               <a:t>Pojo</a:t>
             </a:r>
             <a:r>
               <a:rPr sz="2900" spc="-25" dirty="0">
-                <a:latin typeface="Courier New"/>
-                <a:cs typeface="Courier New"/>
+                <a:latin typeface="Courier New" panose="02070309020205020404"/>
+                <a:cs typeface="Courier New" panose="02070309020205020404"/>
               </a:rPr>
               <a:t> </a:t>
             </a:r>
             <a:r>
               <a:rPr sz="2900" spc="-5" dirty="0">
-                <a:latin typeface="Courier New"/>
-                <a:cs typeface="Courier New"/>
+                <a:latin typeface="Courier New" panose="02070309020205020404"/>
+                <a:cs typeface="Courier New" panose="02070309020205020404"/>
               </a:rPr>
               <a:t>pojo</a:t>
             </a:r>
             <a:r>
               <a:rPr sz="2900" spc="-25" dirty="0">
-                <a:latin typeface="Courier New"/>
-                <a:cs typeface="Courier New"/>
+                <a:latin typeface="Courier New" panose="02070309020205020404"/>
+                <a:cs typeface="Courier New" panose="02070309020205020404"/>
               </a:rPr>
               <a:t> </a:t>
             </a:r>
             <a:r>
               <a:rPr sz="2900" dirty="0">
-                <a:latin typeface="Courier New"/>
-                <a:cs typeface="Courier New"/>
+                <a:latin typeface="Courier New" panose="02070309020205020404"/>
+                <a:cs typeface="Courier New" panose="02070309020205020404"/>
               </a:rPr>
               <a:t>=</a:t>
             </a:r>
             <a:r>
               <a:rPr sz="2900" spc="-20" dirty="0">
-                <a:latin typeface="Courier New"/>
-                <a:cs typeface="Courier New"/>
+                <a:latin typeface="Courier New" panose="02070309020205020404"/>
+                <a:cs typeface="Courier New" panose="02070309020205020404"/>
               </a:rPr>
               <a:t> </a:t>
             </a:r>
             <a:r>
               <a:rPr sz="2900" spc="-5" dirty="0">
-                <a:latin typeface="Courier New"/>
-                <a:cs typeface="Courier New"/>
+                <a:latin typeface="Courier New" panose="02070309020205020404"/>
+                <a:cs typeface="Courier New" panose="02070309020205020404"/>
               </a:rPr>
               <a:t>(Pojo)</a:t>
             </a:r>
             <a:r>
               <a:rPr sz="2900" spc="-25" dirty="0">
-                <a:latin typeface="Courier New"/>
-                <a:cs typeface="Courier New"/>
+                <a:latin typeface="Courier New" panose="02070309020205020404"/>
+                <a:cs typeface="Courier New" panose="02070309020205020404"/>
               </a:rPr>
               <a:t> </a:t>
             </a:r>
             <a:r>
               <a:rPr sz="2900" spc="-5" dirty="0">
-                <a:latin typeface="Courier New"/>
-                <a:cs typeface="Courier New"/>
+                <a:latin typeface="Courier New" panose="02070309020205020404"/>
+                <a:cs typeface="Courier New" panose="02070309020205020404"/>
               </a:rPr>
               <a:t>factory.getProxy();</a:t>
             </a:r>
             <a:endParaRPr sz="2900">
-              <a:latin typeface="Courier New"/>
-              <a:cs typeface="Courier New"/>
+              <a:latin typeface="Courier New" panose="02070309020205020404"/>
+              <a:cs typeface="Courier New" panose="02070309020205020404"/>
             </a:endParaRPr>
           </a:p>
           <a:p>
@@ -4870,8 +6698,8 @@
               </a:spcBef>
             </a:pPr>
             <a:endParaRPr sz="3600">
-              <a:latin typeface="Courier New"/>
-              <a:cs typeface="Courier New"/>
+              <a:latin typeface="Courier New" panose="02070309020205020404"/>
+              <a:cs typeface="Courier New" panose="02070309020205020404"/>
             </a:endParaRPr>
           </a:p>
           <a:p>
@@ -4895,8 +6723,8 @@
                 <a:solidFill>
                   <a:srgbClr val="2A9FBC"/>
                 </a:solidFill>
-                <a:latin typeface="Trebuchet MS"/>
-                <a:cs typeface="Trebuchet MS"/>
+                <a:latin typeface="Trebuchet MS" panose="020B0603020202020204"/>
+                <a:cs typeface="Trebuchet MS" panose="020B0603020202020204"/>
               </a:rPr>
               <a:t>//	</a:t>
             </a:r>
@@ -4905,8 +6733,8 @@
                 <a:solidFill>
                   <a:srgbClr val="2A9FBC"/>
                 </a:solidFill>
-                <a:latin typeface="Trebuchet MS"/>
-                <a:cs typeface="Trebuchet MS"/>
+                <a:latin typeface="Trebuchet MS" panose="020B0603020202020204"/>
+                <a:cs typeface="Trebuchet MS" panose="020B0603020202020204"/>
               </a:rPr>
               <a:t>this	</a:t>
             </a:r>
@@ -4915,8 +6743,8 @@
                 <a:solidFill>
                   <a:srgbClr val="2A9FBC"/>
                 </a:solidFill>
-                <a:latin typeface="Trebuchet MS"/>
-                <a:cs typeface="Trebuchet MS"/>
+                <a:latin typeface="Trebuchet MS" panose="020B0603020202020204"/>
+                <a:cs typeface="Trebuchet MS" panose="020B0603020202020204"/>
               </a:rPr>
               <a:t>is	</a:t>
             </a:r>
@@ -4925,8 +6753,8 @@
                 <a:solidFill>
                   <a:srgbClr val="2A9FBC"/>
                 </a:solidFill>
-                <a:latin typeface="Trebuchet MS"/>
-                <a:cs typeface="Trebuchet MS"/>
+                <a:latin typeface="Trebuchet MS" panose="020B0603020202020204"/>
+                <a:cs typeface="Trebuchet MS" panose="020B0603020202020204"/>
               </a:rPr>
               <a:t>a	</a:t>
             </a:r>
@@ -4935,8 +6763,8 @@
                 <a:solidFill>
                   <a:srgbClr val="2A9FBC"/>
                 </a:solidFill>
-                <a:latin typeface="Trebuchet MS"/>
-                <a:cs typeface="Trebuchet MS"/>
+                <a:latin typeface="Trebuchet MS" panose="020B0603020202020204"/>
+                <a:cs typeface="Trebuchet MS" panose="020B0603020202020204"/>
               </a:rPr>
               <a:t>method	</a:t>
             </a:r>
@@ -4945,8 +6773,8 @@
                 <a:solidFill>
                   <a:srgbClr val="2A9FBC"/>
                 </a:solidFill>
-                <a:latin typeface="Trebuchet MS"/>
-                <a:cs typeface="Trebuchet MS"/>
+                <a:latin typeface="Trebuchet MS" panose="020B0603020202020204"/>
+                <a:cs typeface="Trebuchet MS" panose="020B0603020202020204"/>
               </a:rPr>
               <a:t>call	</a:t>
             </a:r>
@@ -4955,8 +6783,8 @@
                 <a:solidFill>
                   <a:srgbClr val="2A9FBC"/>
                 </a:solidFill>
-                <a:latin typeface="Trebuchet MS"/>
-                <a:cs typeface="Trebuchet MS"/>
+                <a:latin typeface="Trebuchet MS" panose="020B0603020202020204"/>
+                <a:cs typeface="Trebuchet MS" panose="020B0603020202020204"/>
               </a:rPr>
               <a:t>on	</a:t>
             </a:r>
@@ -4965,8 +6793,8 @@
                 <a:solidFill>
                   <a:srgbClr val="2A9FBC"/>
                 </a:solidFill>
-                <a:latin typeface="Trebuchet MS"/>
-                <a:cs typeface="Trebuchet MS"/>
+                <a:latin typeface="Trebuchet MS" panose="020B0603020202020204"/>
+                <a:cs typeface="Trebuchet MS" panose="020B0603020202020204"/>
               </a:rPr>
               <a:t>the	</a:t>
             </a:r>
@@ -4975,14 +6803,14 @@
                 <a:solidFill>
                   <a:srgbClr val="2A9FBC"/>
                 </a:solidFill>
-                <a:latin typeface="Trebuchet MS"/>
-                <a:cs typeface="Trebuchet MS"/>
+                <a:latin typeface="Trebuchet MS" panose="020B0603020202020204"/>
+                <a:cs typeface="Trebuchet MS" panose="020B0603020202020204"/>
               </a:rPr>
               <a:t>proxy!</a:t>
             </a:r>
             <a:endParaRPr sz="2900">
-              <a:latin typeface="Trebuchet MS"/>
-              <a:cs typeface="Trebuchet MS"/>
+              <a:latin typeface="Trebuchet MS" panose="020B0603020202020204"/>
+              <a:cs typeface="Trebuchet MS" panose="020B0603020202020204"/>
             </a:endParaRPr>
           </a:p>
           <a:p>
@@ -4996,14 +6824,14 @@
             </a:pPr>
             <a:r>
               <a:rPr sz="2900" spc="-5" dirty="0">
-                <a:latin typeface="Courier New"/>
-                <a:cs typeface="Courier New"/>
+                <a:latin typeface="Courier New" panose="02070309020205020404"/>
+                <a:cs typeface="Courier New" panose="02070309020205020404"/>
               </a:rPr>
               <a:t>pojo.foo();</a:t>
             </a:r>
             <a:endParaRPr sz="2900">
-              <a:latin typeface="Courier New"/>
-              <a:cs typeface="Courier New"/>
+              <a:latin typeface="Courier New" panose="02070309020205020404"/>
+              <a:cs typeface="Courier New" panose="02070309020205020404"/>
             </a:endParaRPr>
           </a:p>
         </p:txBody>
@@ -5041,8 +6869,8 @@
               </a:spcBef>
             </a:pPr>
             <a:endParaRPr sz="2750">
-              <a:latin typeface="Times New Roman"/>
-              <a:cs typeface="Times New Roman"/>
+              <a:latin typeface="Times New Roman" panose="02020603050405020304"/>
+              <a:cs typeface="Times New Roman" panose="02020603050405020304"/>
             </a:endParaRPr>
           </a:p>
           <a:p>
@@ -5056,14 +6884,14 @@
                 <a:solidFill>
                   <a:srgbClr val="FFFFFF"/>
                 </a:solidFill>
-                <a:latin typeface="Verdana"/>
-                <a:cs typeface="Verdana"/>
+                <a:latin typeface="Verdana" panose="020B0604030504040204"/>
+                <a:cs typeface="Verdana" panose="020B0604030504040204"/>
               </a:rPr>
               <a:t>When?</a:t>
             </a:r>
             <a:endParaRPr sz="2600">
-              <a:latin typeface="Verdana"/>
-              <a:cs typeface="Verdana"/>
+              <a:latin typeface="Verdana" panose="020B0604030504040204"/>
+              <a:cs typeface="Verdana" panose="020B0604030504040204"/>
             </a:endParaRPr>
           </a:p>
         </p:txBody>
@@ -5101,8 +6929,8 @@
               </a:spcBef>
             </a:pPr>
             <a:endParaRPr sz="2750">
-              <a:latin typeface="Times New Roman"/>
-              <a:cs typeface="Times New Roman"/>
+              <a:latin typeface="Times New Roman" panose="02020603050405020304"/>
+              <a:cs typeface="Times New Roman" panose="02020603050405020304"/>
             </a:endParaRPr>
           </a:p>
           <a:p>
@@ -5116,8 +6944,8 @@
                 <a:solidFill>
                   <a:srgbClr val="FFFFFF"/>
                 </a:solidFill>
-                <a:latin typeface="Verdana"/>
-                <a:cs typeface="Verdana"/>
+                <a:latin typeface="Verdana" panose="020B0604030504040204"/>
+                <a:cs typeface="Verdana" panose="020B0604030504040204"/>
               </a:rPr>
               <a:t>Spring</a:t>
             </a:r>
@@ -5126,8 +6954,8 @@
                 <a:solidFill>
                   <a:srgbClr val="FFFFFF"/>
                 </a:solidFill>
-                <a:latin typeface="Verdana"/>
-                <a:cs typeface="Verdana"/>
+                <a:latin typeface="Verdana" panose="020B0604030504040204"/>
+                <a:cs typeface="Verdana" panose="020B0604030504040204"/>
               </a:rPr>
               <a:t> </a:t>
             </a:r>
@@ -5136,8 +6964,8 @@
                 <a:solidFill>
                   <a:srgbClr val="FFFFFF"/>
                 </a:solidFill>
-                <a:latin typeface="Verdana"/>
-                <a:cs typeface="Verdana"/>
+                <a:latin typeface="Verdana" panose="020B0604030504040204"/>
+                <a:cs typeface="Verdana" panose="020B0604030504040204"/>
               </a:rPr>
               <a:t>Utilizes</a:t>
             </a:r>
@@ -5146,8 +6974,8 @@
                 <a:solidFill>
                   <a:srgbClr val="FFFFFF"/>
                 </a:solidFill>
-                <a:latin typeface="Verdana"/>
-                <a:cs typeface="Verdana"/>
+                <a:latin typeface="Verdana" panose="020B0604030504040204"/>
+                <a:cs typeface="Verdana" panose="020B0604030504040204"/>
               </a:rPr>
               <a:t> </a:t>
             </a:r>
@@ -5156,14 +6984,14 @@
                 <a:solidFill>
                   <a:srgbClr val="FFFFFF"/>
                 </a:solidFill>
-                <a:latin typeface="Verdana"/>
-                <a:cs typeface="Verdana"/>
+                <a:latin typeface="Verdana" panose="020B0604030504040204"/>
+                <a:cs typeface="Verdana" panose="020B0604030504040204"/>
               </a:rPr>
               <a:t>Proxies</a:t>
             </a:r>
             <a:endParaRPr sz="2600">
-              <a:latin typeface="Verdana"/>
-              <a:cs typeface="Verdana"/>
+              <a:latin typeface="Verdana" panose="020B0604030504040204"/>
+              <a:cs typeface="Verdana" panose="020B0604030504040204"/>
             </a:endParaRPr>
           </a:p>
         </p:txBody>
@@ -5201,8 +7029,8 @@
               </a:spcBef>
             </a:pPr>
             <a:endParaRPr sz="2750">
-              <a:latin typeface="Times New Roman"/>
-              <a:cs typeface="Times New Roman"/>
+              <a:latin typeface="Times New Roman" panose="02020603050405020304"/>
+              <a:cs typeface="Times New Roman" panose="02020603050405020304"/>
             </a:endParaRPr>
           </a:p>
           <a:p>
@@ -5216,15 +7044,36 @@
                 <a:solidFill>
                   <a:srgbClr val="FFFFFF"/>
                 </a:solidFill>
-                <a:latin typeface="Verdana"/>
-                <a:cs typeface="Verdana"/>
+                <a:latin typeface="Verdana" panose="020B0604030504040204"/>
+                <a:cs typeface="Verdana" panose="020B0604030504040204"/>
               </a:rPr>
               <a:t>@Transactional</a:t>
             </a:r>
             <a:endParaRPr sz="2600">
-              <a:latin typeface="Verdana"/>
-              <a:cs typeface="Verdana"/>
+              <a:latin typeface="Verdana" panose="020B0604030504040204"/>
+              <a:cs typeface="Verdana" panose="020B0604030504040204"/>
             </a:endParaRPr>
+          </a:p>
+        </p:txBody>
+      </p:sp>
+      <p:sp>
+        <p:nvSpPr>
+          <p:cNvPr id="8" name="Slide Number Placeholder 7"/>
+          <p:cNvSpPr>
+            <a:spLocks noGrp="1"/>
+          </p:cNvSpPr>
+          <p:nvPr>
+            <p:ph type="sldNum" sz="quarter" idx="7"/>
+          </p:nvPr>
+        </p:nvSpPr>
+        <p:spPr/>
+        <p:txBody>
+          <a:bodyPr/>
+          <a:p>
+            <a:fld id="{B6F15528-21DE-4FAA-801E-634DDDAF4B2B}" type="slidenum">
+              <a:rPr/>
+            </a:fld>
+            <a:endParaRPr/>
           </a:p>
         </p:txBody>
       </p:sp>
@@ -5305,9 +7154,7 @@
         <p:txBody>
           <a:bodyPr wrap="square" lIns="0" tIns="0" rIns="0" bIns="0" rtlCol="0"/>
           <a:lstStyle/>
-          <a:p>
-            <a:endParaRPr/>
-          </a:p>
+          <a:p/>
         </p:txBody>
       </p:sp>
       <p:sp>
@@ -5403,6 +7250,11 @@
               </a:rPr>
               <a:t>)</a:t>
             </a:r>
+            <a:endParaRPr spc="-5" dirty="0">
+              <a:solidFill>
+                <a:srgbClr val="FFFFFF"/>
+              </a:solidFill>
+            </a:endParaRPr>
           </a:p>
           <a:p>
             <a:pPr marL="241300" marR="5080" indent="-228600">
@@ -5458,6 +7310,11 @@
               </a:rPr>
               <a:t>SpeakerRepository</a:t>
             </a:r>
+            <a:endParaRPr dirty="0">
+              <a:solidFill>
+                <a:srgbClr val="FFFFFF"/>
+              </a:solidFill>
+            </a:endParaRPr>
           </a:p>
         </p:txBody>
       </p:sp>
@@ -5495,8 +7352,8 @@
                 <a:solidFill>
                   <a:srgbClr val="404040"/>
                 </a:solidFill>
-                <a:latin typeface="Verdana"/>
-                <a:cs typeface="Verdana"/>
+                <a:latin typeface="Verdana" panose="020B0604030504040204"/>
+                <a:cs typeface="Verdana" panose="020B0604030504040204"/>
               </a:rPr>
               <a:t>Bean</a:t>
             </a:r>
@@ -5505,8 +7362,8 @@
                 <a:solidFill>
                   <a:srgbClr val="404040"/>
                 </a:solidFill>
-                <a:latin typeface="Verdana"/>
-                <a:cs typeface="Verdana"/>
+                <a:latin typeface="Verdana" panose="020B0604030504040204"/>
+                <a:cs typeface="Verdana" panose="020B0604030504040204"/>
               </a:rPr>
               <a:t> </a:t>
             </a:r>
@@ -5515,20 +7372,20 @@
                 <a:solidFill>
                   <a:srgbClr val="404040"/>
                 </a:solidFill>
-                <a:latin typeface="Verdana"/>
-                <a:cs typeface="Verdana"/>
+                <a:latin typeface="Verdana" panose="020B0604030504040204"/>
+                <a:cs typeface="Verdana" panose="020B0604030504040204"/>
               </a:rPr>
               <a:t>Profiles</a:t>
             </a:r>
             <a:endParaRPr sz="4800">
-              <a:latin typeface="Verdana"/>
-              <a:cs typeface="Verdana"/>
+              <a:latin typeface="Verdana" panose="020B0604030504040204"/>
+              <a:cs typeface="Verdana" panose="020B0604030504040204"/>
             </a:endParaRPr>
           </a:p>
           <a:p>
             <a:pPr marL="50800" marR="109855">
               <a:lnSpc>
-                <a:spcPct val="176300"/>
+                <a:spcPct val="176000"/>
               </a:lnSpc>
               <a:spcBef>
                 <a:spcPts val="760"/>
@@ -5536,50 +7393,71 @@
             </a:pPr>
             <a:r>
               <a:rPr sz="2600" spc="90" dirty="0">
-                <a:latin typeface="Verdana"/>
-                <a:cs typeface="Verdana"/>
+                <a:latin typeface="Verdana" panose="020B0604030504040204"/>
+                <a:cs typeface="Verdana" panose="020B0604030504040204"/>
               </a:rPr>
               <a:t>Adapt </a:t>
             </a:r>
             <a:r>
               <a:rPr sz="2600" spc="-5" dirty="0">
-                <a:latin typeface="Verdana"/>
-                <a:cs typeface="Verdana"/>
+                <a:latin typeface="Verdana" panose="020B0604030504040204"/>
+                <a:cs typeface="Verdana" panose="020B0604030504040204"/>
               </a:rPr>
               <a:t>Environments </a:t>
             </a:r>
             <a:r>
               <a:rPr sz="2600" dirty="0">
-                <a:latin typeface="Verdana"/>
-                <a:cs typeface="Verdana"/>
+                <a:latin typeface="Verdana" panose="020B0604030504040204"/>
+                <a:cs typeface="Verdana" panose="020B0604030504040204"/>
               </a:rPr>
               <a:t> </a:t>
             </a:r>
             <a:r>
               <a:rPr sz="2600" spc="5" dirty="0">
-                <a:latin typeface="Verdana"/>
-                <a:cs typeface="Verdana"/>
+                <a:latin typeface="Verdana" panose="020B0604030504040204"/>
+                <a:cs typeface="Verdana" panose="020B0604030504040204"/>
               </a:rPr>
               <a:t>Runtime</a:t>
             </a:r>
             <a:r>
               <a:rPr sz="2600" spc="-185" dirty="0">
-                <a:latin typeface="Verdana"/>
-                <a:cs typeface="Verdana"/>
+                <a:latin typeface="Verdana" panose="020B0604030504040204"/>
+                <a:cs typeface="Verdana" panose="020B0604030504040204"/>
               </a:rPr>
               <a:t> </a:t>
             </a:r>
             <a:r>
               <a:rPr sz="2600" spc="25" dirty="0">
-                <a:latin typeface="Verdana"/>
-                <a:cs typeface="Verdana"/>
+                <a:latin typeface="Verdana" panose="020B0604030504040204"/>
+                <a:cs typeface="Verdana" panose="020B0604030504040204"/>
               </a:rPr>
               <a:t>Configuration</a:t>
             </a:r>
             <a:endParaRPr sz="2600">
-              <a:latin typeface="Verdana"/>
-              <a:cs typeface="Verdana"/>
+              <a:latin typeface="Verdana" panose="020B0604030504040204"/>
+              <a:cs typeface="Verdana" panose="020B0604030504040204"/>
             </a:endParaRPr>
+          </a:p>
+        </p:txBody>
+      </p:sp>
+      <p:sp>
+        <p:nvSpPr>
+          <p:cNvPr id="5" name="Slide Number Placeholder 4"/>
+          <p:cNvSpPr>
+            <a:spLocks noGrp="1"/>
+          </p:cNvSpPr>
+          <p:nvPr>
+            <p:ph type="sldNum" sz="quarter" idx="7"/>
+          </p:nvPr>
+        </p:nvSpPr>
+        <p:spPr/>
+        <p:txBody>
+          <a:bodyPr/>
+          <a:p>
+            <a:fld id="{B6F15528-21DE-4FAA-801E-634DDDAF4B2B}" type="slidenum">
+              <a:rPr/>
+            </a:fld>
+            <a:endParaRPr/>
           </a:p>
         </p:txBody>
       </p:sp>
@@ -5607,248 +7485,112 @@
         <p:cNvGrpSpPr/>
         <p:nvPr/>
       </p:nvGrpSpPr>
-      <p:grpSpPr>
-        <a:xfrm>
-          <a:off x="0" y="0"/>
-          <a:ext cx="0" cy="0"/>
-          <a:chOff x="0" y="0"/>
-          <a:chExt cx="0" cy="0"/>
-        </a:xfrm>
-      </p:grpSpPr>
-      <p:sp>
-        <p:nvSpPr>
-          <p:cNvPr id="2" name="object 2"/>
-          <p:cNvSpPr txBox="1"/>
-          <p:nvPr/>
-        </p:nvSpPr>
-        <p:spPr>
-          <a:xfrm>
-            <a:off x="1638300" y="2667000"/>
-            <a:ext cx="2901315" cy="756920"/>
-          </a:xfrm>
-          <a:prstGeom prst="rect">
-            <a:avLst/>
-          </a:prstGeom>
-        </p:spPr>
-        <p:txBody>
-          <a:bodyPr vert="horz" wrap="square" lIns="0" tIns="12700" rIns="0" bIns="0" rtlCol="0">
-            <a:spAutoFit/>
-          </a:bodyPr>
-          <a:lstStyle/>
-          <a:p>
-            <a:pPr marL="12700">
-              <a:lnSpc>
-                <a:spcPct val="100000"/>
-              </a:lnSpc>
-              <a:spcBef>
-                <a:spcPts val="100"/>
-              </a:spcBef>
-            </a:pPr>
-            <a:r>
-              <a:rPr sz="4800" spc="-114" dirty="0">
-                <a:solidFill>
-                  <a:srgbClr val="FFFFFF"/>
-                </a:solidFill>
-                <a:latin typeface="Verdana"/>
-                <a:cs typeface="Verdana"/>
-              </a:rPr>
-              <a:t>Summary</a:t>
-            </a:r>
-            <a:endParaRPr sz="4800">
-              <a:latin typeface="Verdana"/>
-              <a:cs typeface="Verdana"/>
-            </a:endParaRPr>
-          </a:p>
-        </p:txBody>
-      </p:sp>
-      <p:sp>
-        <p:nvSpPr>
-          <p:cNvPr id="3" name="object 3"/>
-          <p:cNvSpPr txBox="1"/>
-          <p:nvPr/>
-        </p:nvSpPr>
-        <p:spPr>
-          <a:xfrm>
-            <a:off x="6997700" y="2298700"/>
-            <a:ext cx="2992755" cy="2087880"/>
-          </a:xfrm>
-          <a:prstGeom prst="rect">
-            <a:avLst/>
-          </a:prstGeom>
-        </p:spPr>
-        <p:txBody>
-          <a:bodyPr vert="horz" wrap="square" lIns="0" tIns="12700" rIns="0" bIns="0" rtlCol="0">
-            <a:spAutoFit/>
-          </a:bodyPr>
-          <a:lstStyle/>
-          <a:p>
-            <a:pPr marL="12700">
-              <a:lnSpc>
-                <a:spcPct val="100000"/>
-              </a:lnSpc>
-              <a:spcBef>
-                <a:spcPts val="100"/>
-              </a:spcBef>
-            </a:pPr>
-            <a:r>
-              <a:rPr sz="3200" spc="10" dirty="0">
-                <a:latin typeface="Verdana"/>
-                <a:cs typeface="Verdana"/>
-              </a:rPr>
-              <a:t>Bean</a:t>
-            </a:r>
-            <a:r>
-              <a:rPr sz="3200" spc="-200" dirty="0">
-                <a:latin typeface="Verdana"/>
-                <a:cs typeface="Verdana"/>
-              </a:rPr>
-              <a:t> </a:t>
-            </a:r>
-            <a:r>
-              <a:rPr sz="3200" spc="60" dirty="0">
-                <a:latin typeface="Verdana"/>
-                <a:cs typeface="Verdana"/>
-              </a:rPr>
-              <a:t>Lifecycle</a:t>
-            </a:r>
-            <a:endParaRPr sz="3200">
-              <a:latin typeface="Verdana"/>
-              <a:cs typeface="Verdana"/>
-            </a:endParaRPr>
-          </a:p>
-          <a:p>
-            <a:pPr marL="12700" marR="377825">
-              <a:lnSpc>
-                <a:spcPts val="6200"/>
-              </a:lnSpc>
-              <a:spcBef>
-                <a:spcPts val="400"/>
-              </a:spcBef>
-            </a:pPr>
-            <a:r>
-              <a:rPr sz="3200" spc="180" dirty="0">
-                <a:latin typeface="Verdana"/>
-                <a:cs typeface="Verdana"/>
-              </a:rPr>
-              <a:t>F</a:t>
-            </a:r>
-            <a:r>
-              <a:rPr sz="3200" spc="60" dirty="0">
-                <a:latin typeface="Verdana"/>
-                <a:cs typeface="Verdana"/>
-              </a:rPr>
-              <a:t>ac</a:t>
-            </a:r>
-            <a:r>
-              <a:rPr sz="3200" spc="-10" dirty="0">
-                <a:latin typeface="Verdana"/>
-                <a:cs typeface="Verdana"/>
-              </a:rPr>
-              <a:t>t</a:t>
-            </a:r>
-            <a:r>
-              <a:rPr sz="3200" spc="20" dirty="0">
-                <a:latin typeface="Verdana"/>
-                <a:cs typeface="Verdana"/>
-              </a:rPr>
-              <a:t>oryBean  </a:t>
-            </a:r>
-            <a:r>
-              <a:rPr sz="3200" spc="80" dirty="0">
-                <a:latin typeface="Verdana"/>
-                <a:cs typeface="Verdana"/>
-              </a:rPr>
-              <a:t>SpEL</a:t>
-            </a:r>
-            <a:endParaRPr sz="3200">
-              <a:latin typeface="Verdana"/>
-              <a:cs typeface="Verdana"/>
-            </a:endParaRPr>
-          </a:p>
-        </p:txBody>
-      </p:sp>
-      <p:sp>
-        <p:nvSpPr>
-          <p:cNvPr id="4" name="object 4"/>
-          <p:cNvSpPr txBox="1"/>
-          <p:nvPr/>
-        </p:nvSpPr>
-        <p:spPr>
-          <a:xfrm>
-            <a:off x="6997700" y="4660900"/>
-            <a:ext cx="1558925" cy="2087880"/>
-          </a:xfrm>
-          <a:prstGeom prst="rect">
-            <a:avLst/>
-          </a:prstGeom>
-        </p:spPr>
-        <p:txBody>
-          <a:bodyPr vert="horz" wrap="square" lIns="0" tIns="12700" rIns="0" bIns="0" rtlCol="0">
-            <a:spAutoFit/>
-          </a:bodyPr>
-          <a:lstStyle/>
-          <a:p>
-            <a:pPr marL="12700">
-              <a:lnSpc>
-                <a:spcPct val="100000"/>
-              </a:lnSpc>
-              <a:spcBef>
-                <a:spcPts val="100"/>
-              </a:spcBef>
-            </a:pPr>
-            <a:r>
-              <a:rPr sz="3200" spc="15" dirty="0">
-                <a:latin typeface="Verdana"/>
-                <a:cs typeface="Verdana"/>
-              </a:rPr>
-              <a:t>Proxies</a:t>
-            </a:r>
-            <a:endParaRPr sz="3200">
-              <a:latin typeface="Verdana"/>
-              <a:cs typeface="Verdana"/>
-            </a:endParaRPr>
-          </a:p>
-          <a:p>
-            <a:pPr marL="12700" marR="5080">
-              <a:lnSpc>
-                <a:spcPts val="6200"/>
-              </a:lnSpc>
-              <a:spcBef>
-                <a:spcPts val="400"/>
-              </a:spcBef>
-            </a:pPr>
-            <a:r>
-              <a:rPr sz="3200" spc="95" dirty="0">
-                <a:latin typeface="Verdana"/>
-                <a:cs typeface="Verdana"/>
-              </a:rPr>
-              <a:t>P</a:t>
-            </a:r>
-            <a:r>
-              <a:rPr sz="3200" spc="5" dirty="0">
-                <a:latin typeface="Verdana"/>
-                <a:cs typeface="Verdana"/>
-              </a:rPr>
-              <a:t>r</a:t>
-            </a:r>
-            <a:r>
-              <a:rPr sz="3200" spc="40" dirty="0">
-                <a:latin typeface="Verdana"/>
-                <a:cs typeface="Verdana"/>
-              </a:rPr>
-              <a:t>ofiles  </a:t>
-            </a:r>
-            <a:r>
-              <a:rPr sz="3200" spc="15" dirty="0">
-                <a:latin typeface="Verdana"/>
-                <a:cs typeface="Verdana"/>
-              </a:rPr>
-              <a:t>Next</a:t>
-            </a:r>
-            <a:endParaRPr sz="3200">
-              <a:latin typeface="Verdana"/>
-              <a:cs typeface="Verdana"/>
-            </a:endParaRPr>
+      <p:grpSpPr/>
+      <p:sp>
+        <p:nvSpPr>
+          <p:cNvPr id="6" name="Title 5"/>
+          <p:cNvSpPr>
+            <a:spLocks noGrp="1"/>
+          </p:cNvSpPr>
+          <p:nvPr>
+            <p:ph type="title"/>
+          </p:nvPr>
+        </p:nvSpPr>
+        <p:spPr/>
+        <p:txBody>
+          <a:bodyPr/>
+          <a:p>
+            <a:endParaRPr lang="en-US"/>
+          </a:p>
+        </p:txBody>
+      </p:sp>
+      <p:sp>
+        <p:nvSpPr>
+          <p:cNvPr id="7" name="Content Placeholder 6"/>
+          <p:cNvSpPr>
+            <a:spLocks noGrp="1"/>
+          </p:cNvSpPr>
+          <p:nvPr>
+            <p:ph sz="half" idx="3"/>
+          </p:nvPr>
+        </p:nvSpPr>
+        <p:spPr/>
+        <p:txBody>
+          <a:bodyPr/>
+          <a:p>
+            <a:endParaRPr lang="en-US"/>
+          </a:p>
+        </p:txBody>
+      </p:sp>
+      <p:graphicFrame>
+        <p:nvGraphicFramePr>
+          <p:cNvPr id="4" name="Content Placeholder 3"/>
+          <p:cNvGraphicFramePr/>
+          <p:nvPr>
+            <p:ph sz="half" idx="2"/>
+          </p:nvPr>
+        </p:nvGraphicFramePr>
+        <p:xfrm>
+          <a:off x="1422400" y="685800"/>
+          <a:ext cx="14070330" cy="7898130"/>
+        </p:xfrm>
+        <a:graphic>
+          <a:graphicData uri="http://schemas.openxmlformats.org/presentationml/2006/ole">
+            <mc:AlternateContent xmlns:mc="http://schemas.openxmlformats.org/markup-compatibility/2006">
+              <mc:Choice xmlns:v="urn:schemas-microsoft-com:vml" Requires="v">
+                <p:oleObj spid="_x0000_s5" name="" r:id="rId1" imgW="9001125" imgH="6115050" progId="Paint.Picture">
+                  <p:embed/>
+                </p:oleObj>
+              </mc:Choice>
+              <mc:Fallback>
+                <p:oleObj name="" r:id="rId1" imgW="9001125" imgH="6115050" progId="Paint.Picture">
+                  <p:embed/>
+                  <p:pic>
+                    <p:nvPicPr>
+                      <p:cNvPr id="0" name="Picture 4"/>
+                      <p:cNvPicPr/>
+                      <p:nvPr/>
+                    </p:nvPicPr>
+                    <p:blipFill>
+                      <a:blip r:embed="rId2"/>
+                      <a:stretch>
+                        <a:fillRect/>
+                      </a:stretch>
+                    </p:blipFill>
+                    <p:spPr>
+                      <a:xfrm>
+                        <a:off x="1422400" y="685800"/>
+                        <a:ext cx="14070330" cy="7898130"/>
+                      </a:xfrm>
+                      <a:prstGeom prst="rect">
+                        <a:avLst/>
+                      </a:prstGeom>
+                    </p:spPr>
+                  </p:pic>
+                </p:oleObj>
+              </mc:Fallback>
+            </mc:AlternateContent>
+          </a:graphicData>
+        </a:graphic>
+      </p:graphicFrame>
+      <p:sp>
+        <p:nvSpPr>
+          <p:cNvPr id="8" name="Slide Number Placeholder 7"/>
+          <p:cNvSpPr>
+            <a:spLocks noGrp="1"/>
+          </p:cNvSpPr>
+          <p:nvPr>
+            <p:ph type="sldNum" sz="quarter" idx="7"/>
+          </p:nvPr>
+        </p:nvSpPr>
+        <p:spPr/>
+        <p:txBody>
+          <a:bodyPr/>
+          <a:p>
+            <a:fld id="{B6F15528-21DE-4FAA-801E-634DDDAF4B2B}" type="slidenum">
+              <a:rPr/>
+            </a:fld>
+            <a:endParaRPr/>
           </a:p>
         </p:txBody>
       </p:sp>
@@ -5857,13 +7599,132 @@
   <p:clrMapOvr>
     <a:masterClrMapping/>
   </p:clrMapOvr>
-  <p:timing>
-    <p:tnLst>
-      <p:par>
-        <p:cTn id="1" dur="indefinite" restart="never" nodeType="tmRoot"/>
-      </p:par>
-    </p:tnLst>
-  </p:timing>
+</p:sld>
+</file>
+
+<file path=ppt/slides/slide9.xml><?xml version="1.0" encoding="utf-8"?>
+<p:sld xmlns:a="http://schemas.openxmlformats.org/drawingml/2006/main" xmlns:r="http://schemas.openxmlformats.org/officeDocument/2006/relationships" xmlns:p="http://schemas.openxmlformats.org/presentationml/2006/main">
+  <p:cSld>
+    <p:spTree>
+      <p:nvGrpSpPr>
+        <p:cNvPr id="1" name=""/>
+        <p:cNvGrpSpPr/>
+        <p:nvPr/>
+      </p:nvGrpSpPr>
+      <p:grpSpPr/>
+      <p:sp>
+        <p:nvSpPr>
+          <p:cNvPr id="7" name="Title 6"/>
+          <p:cNvSpPr>
+            <a:spLocks noGrp="1"/>
+          </p:cNvSpPr>
+          <p:nvPr>
+            <p:ph type="title"/>
+          </p:nvPr>
+        </p:nvSpPr>
+        <p:spPr/>
+        <p:txBody>
+          <a:bodyPr/>
+          <a:p>
+            <a:endParaRPr lang="en-US"/>
+          </a:p>
+        </p:txBody>
+      </p:sp>
+      <p:sp>
+        <p:nvSpPr>
+          <p:cNvPr id="4" name="Slide Number Placeholder 3"/>
+          <p:cNvSpPr>
+            <a:spLocks noGrp="1"/>
+          </p:cNvSpPr>
+          <p:nvPr>
+            <p:ph type="sldNum" sz="quarter" idx="7"/>
+          </p:nvPr>
+        </p:nvSpPr>
+        <p:spPr/>
+        <p:txBody>
+          <a:bodyPr/>
+          <a:p>
+            <a:fld id="{B6F15528-21DE-4FAA-801E-634DDDAF4B2B}" type="slidenum">
+              <a:rPr/>
+            </a:fld>
+            <a:endParaRPr/>
+          </a:p>
+        </p:txBody>
+      </p:sp>
+      <p:sp>
+        <p:nvSpPr>
+          <p:cNvPr id="8" name="Content Placeholder 7"/>
+          <p:cNvSpPr>
+            <a:spLocks noGrp="1"/>
+          </p:cNvSpPr>
+          <p:nvPr>
+            <p:ph sz="half" idx="3"/>
+          </p:nvPr>
+        </p:nvSpPr>
+        <p:spPr/>
+        <p:txBody>
+          <a:bodyPr/>
+          <a:p>
+            <a:endParaRPr lang="en-US"/>
+          </a:p>
+        </p:txBody>
+      </p:sp>
+      <p:graphicFrame>
+        <p:nvGraphicFramePr>
+          <p:cNvPr id="5" name="Content Placeholder 4"/>
+          <p:cNvGraphicFramePr/>
+          <p:nvPr>
+            <p:ph sz="half" idx="2"/>
+          </p:nvPr>
+        </p:nvGraphicFramePr>
+        <p:xfrm>
+          <a:off x="1955800" y="1371600"/>
+          <a:ext cx="13402945" cy="7204710"/>
+        </p:xfrm>
+        <a:graphic>
+          <a:graphicData uri="http://schemas.openxmlformats.org/presentationml/2006/ole">
+            <mc:AlternateContent xmlns:mc="http://schemas.openxmlformats.org/markup-compatibility/2006">
+              <mc:Choice xmlns:v="urn:schemas-microsoft-com:vml" Requires="v">
+                <p:oleObj spid="_x0000_s6" name="" r:id="rId1" imgW="8943975" imgH="6286500" progId="Paint.Picture">
+                  <p:embed/>
+                </p:oleObj>
+              </mc:Choice>
+              <mc:Fallback>
+                <p:oleObj name="" r:id="rId1" imgW="8943975" imgH="6286500" progId="Paint.Picture">
+                  <p:embed/>
+                  <p:pic>
+                    <p:nvPicPr>
+                      <p:cNvPr id="0" name="Picture 5"/>
+                      <p:cNvPicPr/>
+                      <p:nvPr/>
+                    </p:nvPicPr>
+                    <p:blipFill>
+                      <a:blip r:embed="rId2"/>
+                      <a:stretch>
+                        <a:fillRect/>
+                      </a:stretch>
+                    </p:blipFill>
+                    <p:spPr>
+                      <a:xfrm>
+                        <a:off x="1955800" y="1371600"/>
+                        <a:ext cx="13402945" cy="7204710"/>
+                      </a:xfrm>
+                      <a:prstGeom prst="rect">
+                        <a:avLst/>
+                      </a:prstGeom>
+                    </p:spPr>
+                  </p:pic>
+                </p:oleObj>
+              </mc:Fallback>
+            </mc:AlternateContent>
+          </a:graphicData>
+        </a:graphic>
+      </p:graphicFrame>
+    </p:spTree>
+  </p:cSld>
+  <p:clrMapOvr>
+    <a:masterClrMapping/>
+  </p:clrMapOvr>
 </p:sld>
 </file>
 
@@ -6145,7 +8006,269 @@
       </a:bgFillStyleLst>
     </a:fmtScheme>
   </a:themeElements>
-  <a:objectDefaults/>
-  <a:extraClrSchemeLst/>
+  <a:extLst>
+    <a:ext uri="{05A4C25C-085E-4340-85A3-A5531E510DB2}">
+      <thm15:themeFamily xmlns:thm15="http://schemas.microsoft.com/office/thememl/2012/main" name="Office Theme" id="{62F939B6-93AF-4DB8-9C6B-D6C7DFDC589F}" vid="{4A3C46E8-61CC-4603-A589-7422A47A8E4A}"/>
+    </a:ext>
+  </a:extLst>
+</a:theme>
+</file>
+
+<file path=ppt/theme/theme2.xml><?xml version="1.0" encoding="utf-8"?>
+<a:theme xmlns:a="http://schemas.openxmlformats.org/drawingml/2006/main" name="Office Theme">
+  <a:themeElements>
+    <a:clrScheme name="Office">
+      <a:dk1>
+        <a:sysClr val="windowText" lastClr="000000"/>
+      </a:dk1>
+      <a:lt1>
+        <a:sysClr val="window" lastClr="FFFFFF"/>
+      </a:lt1>
+      <a:dk2>
+        <a:srgbClr val="44546A"/>
+      </a:dk2>
+      <a:lt2>
+        <a:srgbClr val="E7E6E6"/>
+      </a:lt2>
+      <a:accent1>
+        <a:srgbClr val="5B9BD5"/>
+      </a:accent1>
+      <a:accent2>
+        <a:srgbClr val="ED7D31"/>
+      </a:accent2>
+      <a:accent3>
+        <a:srgbClr val="A5A5A5"/>
+      </a:accent3>
+      <a:accent4>
+        <a:srgbClr val="FFC000"/>
+      </a:accent4>
+      <a:accent5>
+        <a:srgbClr val="4472C4"/>
+      </a:accent5>
+      <a:accent6>
+        <a:srgbClr val="70AD47"/>
+      </a:accent6>
+      <a:hlink>
+        <a:srgbClr val="0563C1"/>
+      </a:hlink>
+      <a:folHlink>
+        <a:srgbClr val="954F72"/>
+      </a:folHlink>
+    </a:clrScheme>
+    <a:fontScheme name="Office">
+      <a:majorFont>
+        <a:latin typeface="Calibri Light"/>
+        <a:ea typeface=""/>
+        <a:cs typeface=""/>
+        <a:font script="Jpan" typeface="ＭＳ Ｐゴシック"/>
+        <a:font script="Hang" typeface="맑은 고딕"/>
+        <a:font script="Hans" typeface="宋体"/>
+        <a:font script="Hant" typeface="新細明體"/>
+        <a:font script="Arab" typeface="Times New Roman"/>
+        <a:font script="Hebr" typeface="Times New Roman"/>
+        <a:font script="Thai" typeface="Angsana New"/>
+        <a:font script="Ethi" typeface="Nyala"/>
+        <a:font script="Beng" typeface="Vrinda"/>
+        <a:font script="Gujr" typeface="Shruti"/>
+        <a:font script="Khmr" typeface="MoolBoran"/>
+        <a:font script="Knda" typeface="Tunga"/>
+        <a:font script="Guru" typeface="Raavi"/>
+        <a:font script="Cans" typeface="Euphemia"/>
+        <a:font script="Cher" typeface="Plantagenet Cherokee"/>
+        <a:font script="Yiii" typeface="Microsoft Yi Baiti"/>
+        <a:font script="Tibt" typeface="Microsoft Himalaya"/>
+        <a:font script="Thaa" typeface="MV Boli"/>
+        <a:font script="Deva" typeface="Mangal"/>
+        <a:font script="Telu" typeface="Gautami"/>
+        <a:font script="Taml" typeface="Latha"/>
+        <a:font script="Syrc" typeface="Estrangelo Edessa"/>
+        <a:font script="Orya" typeface="Kalinga"/>
+        <a:font script="Mlym" typeface="Kartika"/>
+        <a:font script="Laoo" typeface="DokChampa"/>
+        <a:font script="Sinh" typeface="Iskoola Pota"/>
+        <a:font script="Mong" typeface="Mongolian Baiti"/>
+        <a:font script="Viet" typeface="Times New Roman"/>
+        <a:font script="Uigh" typeface="Microsoft Uighur"/>
+        <a:font script="Geor" typeface="Sylfaen"/>
+      </a:majorFont>
+      <a:minorFont>
+        <a:latin typeface="Calibri"/>
+        <a:ea typeface=""/>
+        <a:cs typeface=""/>
+        <a:font script="Jpan" typeface="ＭＳ Ｐゴシック"/>
+        <a:font script="Hang" typeface="맑은 고딕"/>
+        <a:font script="Hans" typeface="宋体"/>
+        <a:font script="Hant" typeface="新細明體"/>
+        <a:font script="Arab" typeface="Arial"/>
+        <a:font script="Hebr" typeface="Arial"/>
+        <a:font script="Thai" typeface="Cordia New"/>
+        <a:font script="Ethi" typeface="Nyala"/>
+        <a:font script="Beng" typeface="Vrinda"/>
+        <a:font script="Gujr" typeface="Shruti"/>
+        <a:font script="Khmr" typeface="DaunPenh"/>
+        <a:font script="Knda" typeface="Tunga"/>
+        <a:font script="Guru" typeface="Raavi"/>
+        <a:font script="Cans" typeface="Euphemia"/>
+        <a:font script="Cher" typeface="Plantagenet Cherokee"/>
+        <a:font script="Yiii" typeface="Microsoft Yi Baiti"/>
+        <a:font script="Tibt" typeface="Microsoft Himalaya"/>
+        <a:font script="Thaa" typeface="MV Boli"/>
+        <a:font script="Deva" typeface="Mangal"/>
+        <a:font script="Telu" typeface="Gautami"/>
+        <a:font script="Taml" typeface="Latha"/>
+        <a:font script="Syrc" typeface="Estrangelo Edessa"/>
+        <a:font script="Orya" typeface="Kalinga"/>
+        <a:font script="Mlym" typeface="Kartika"/>
+        <a:font script="Laoo" typeface="DokChampa"/>
+        <a:font script="Sinh" typeface="Iskoola Pota"/>
+        <a:font script="Mong" typeface="Mongolian Baiti"/>
+        <a:font script="Viet" typeface="Arial"/>
+        <a:font script="Uigh" typeface="Microsoft Uighur"/>
+        <a:font script="Geor" typeface="Sylfaen"/>
+      </a:minorFont>
+    </a:fontScheme>
+    <a:fmtScheme name="Office">
+      <a:fillStyleLst>
+        <a:solidFill>
+          <a:schemeClr val="phClr"/>
+        </a:solidFill>
+        <a:gradFill rotWithShape="1">
+          <a:gsLst>
+            <a:gs pos="0">
+              <a:schemeClr val="phClr">
+                <a:lumMod val="110000"/>
+                <a:satMod val="105000"/>
+                <a:tint val="67000"/>
+              </a:schemeClr>
+            </a:gs>
+            <a:gs pos="50000">
+              <a:schemeClr val="phClr">
+                <a:lumMod val="105000"/>
+                <a:satMod val="103000"/>
+                <a:tint val="73000"/>
+              </a:schemeClr>
+            </a:gs>
+            <a:gs pos="100000">
+              <a:schemeClr val="phClr">
+                <a:lumMod val="105000"/>
+                <a:satMod val="109000"/>
+                <a:tint val="81000"/>
+              </a:schemeClr>
+            </a:gs>
+          </a:gsLst>
+          <a:lin ang="5400000" scaled="0"/>
+        </a:gradFill>
+        <a:gradFill rotWithShape="1">
+          <a:gsLst>
+            <a:gs pos="0">
+              <a:schemeClr val="phClr">
+                <a:satMod val="103000"/>
+                <a:lumMod val="102000"/>
+                <a:tint val="94000"/>
+              </a:schemeClr>
+            </a:gs>
+            <a:gs pos="50000">
+              <a:schemeClr val="phClr">
+                <a:satMod val="110000"/>
+                <a:lumMod val="100000"/>
+                <a:shade val="100000"/>
+              </a:schemeClr>
+            </a:gs>
+            <a:gs pos="100000">
+              <a:schemeClr val="phClr">
+                <a:lumMod val="99000"/>
+                <a:satMod val="120000"/>
+                <a:shade val="78000"/>
+              </a:schemeClr>
+            </a:gs>
+          </a:gsLst>
+          <a:lin ang="5400000" scaled="0"/>
+        </a:gradFill>
+      </a:fillStyleLst>
+      <a:lnStyleLst>
+        <a:ln w="6350" cap="flat" cmpd="sng" algn="ctr">
+          <a:solidFill>
+            <a:schemeClr val="phClr"/>
+          </a:solidFill>
+          <a:prstDash val="solid"/>
+          <a:miter lim="800000"/>
+        </a:ln>
+        <a:ln w="12700" cap="flat" cmpd="sng" algn="ctr">
+          <a:solidFill>
+            <a:schemeClr val="phClr"/>
+          </a:solidFill>
+          <a:prstDash val="solid"/>
+          <a:miter lim="800000"/>
+        </a:ln>
+        <a:ln w="19050" cap="flat" cmpd="sng" algn="ctr">
+          <a:solidFill>
+            <a:schemeClr val="phClr"/>
+          </a:solidFill>
+          <a:prstDash val="solid"/>
+          <a:miter lim="800000"/>
+        </a:ln>
+      </a:lnStyleLst>
+      <a:effectStyleLst>
+        <a:effectStyle>
+          <a:effectLst/>
+        </a:effectStyle>
+        <a:effectStyle>
+          <a:effectLst/>
+        </a:effectStyle>
+        <a:effectStyle>
+          <a:effectLst>
+            <a:outerShdw blurRad="57150" dist="19050" dir="5400000" algn="ctr" rotWithShape="0">
+              <a:srgbClr val="000000">
+                <a:alpha val="63000"/>
+              </a:srgbClr>
+            </a:outerShdw>
+          </a:effectLst>
+        </a:effectStyle>
+      </a:effectStyleLst>
+      <a:bgFillStyleLst>
+        <a:solidFill>
+          <a:schemeClr val="phClr"/>
+        </a:solidFill>
+        <a:solidFill>
+          <a:schemeClr val="phClr">
+            <a:tint val="95000"/>
+            <a:satMod val="170000"/>
+          </a:schemeClr>
+        </a:solidFill>
+        <a:gradFill rotWithShape="1">
+          <a:gsLst>
+            <a:gs pos="0">
+              <a:schemeClr val="phClr">
+                <a:tint val="93000"/>
+                <a:satMod val="150000"/>
+                <a:shade val="98000"/>
+                <a:lumMod val="102000"/>
+              </a:schemeClr>
+            </a:gs>
+            <a:gs pos="50000">
+              <a:schemeClr val="phClr">
+                <a:tint val="98000"/>
+                <a:satMod val="130000"/>
+                <a:shade val="90000"/>
+                <a:lumMod val="103000"/>
+              </a:schemeClr>
+            </a:gs>
+            <a:gs pos="100000">
+              <a:schemeClr val="phClr">
+                <a:shade val="63000"/>
+                <a:satMod val="120000"/>
+              </a:schemeClr>
+            </a:gs>
+          </a:gsLst>
+          <a:lin ang="5400000" scaled="0"/>
+        </a:gradFill>
+      </a:bgFillStyleLst>
+    </a:fmtScheme>
+  </a:themeElements>
+  <a:extLst>
+    <a:ext uri="{05A4C25C-085E-4340-85A3-A5531E510DB2}">
+      <thm15:themeFamily xmlns:thm15="http://schemas.microsoft.com/office/thememl/2012/main" name="Office Theme" id="{62F939B6-93AF-4DB8-9C6B-D6C7DFDC589F}" vid="{4A3C46E8-61CC-4603-A589-7422A47A8E4A}"/>
+    </a:ext>
+  </a:extLst>
 </a:theme>
 </file>